--- a/Apresentação1 4 1.pptx
+++ b/Apresentação1 4 1.pptx
@@ -16,12 +16,12 @@
     <p:sldId id="267" r:id="rId10"/>
     <p:sldId id="270" r:id="rId11"/>
     <p:sldId id="284" r:id="rId12"/>
-    <p:sldId id="282" r:id="rId13"/>
-    <p:sldId id="283" r:id="rId14"/>
+    <p:sldId id="283" r:id="rId13"/>
+    <p:sldId id="272" r:id="rId14"/>
     <p:sldId id="281" r:id="rId15"/>
     <p:sldId id="269" r:id="rId16"/>
     <p:sldId id="271" r:id="rId17"/>
-    <p:sldId id="272" r:id="rId18"/>
+    <p:sldId id="282" r:id="rId18"/>
     <p:sldId id="279" r:id="rId19"/>
     <p:sldId id="280" r:id="rId20"/>
     <p:sldId id="275" r:id="rId21"/>
@@ -2423,7 +2423,7 @@
           <a:p>
             <a:fld id="{63CE3726-9908-4C20-8119-B7667AF03A7E}" type="datetimeFigureOut">
               <a:rPr lang="pt-BR" smtClean="0"/>
-              <a:t>23/06/2025</a:t>
+              <a:t>26/06/2025</a:t>
             </a:fld>
             <a:endParaRPr lang="pt-BR"/>
           </a:p>
@@ -2621,7 +2621,7 @@
           <a:p>
             <a:fld id="{63CE3726-9908-4C20-8119-B7667AF03A7E}" type="datetimeFigureOut">
               <a:rPr lang="pt-BR" smtClean="0"/>
-              <a:t>23/06/2025</a:t>
+              <a:t>26/06/2025</a:t>
             </a:fld>
             <a:endParaRPr lang="pt-BR"/>
           </a:p>
@@ -2829,7 +2829,7 @@
           <a:p>
             <a:fld id="{63CE3726-9908-4C20-8119-B7667AF03A7E}" type="datetimeFigureOut">
               <a:rPr lang="pt-BR" smtClean="0"/>
-              <a:t>23/06/2025</a:t>
+              <a:t>26/06/2025</a:t>
             </a:fld>
             <a:endParaRPr lang="pt-BR"/>
           </a:p>
@@ -3027,7 +3027,7 @@
           <a:p>
             <a:fld id="{63CE3726-9908-4C20-8119-B7667AF03A7E}" type="datetimeFigureOut">
               <a:rPr lang="pt-BR" smtClean="0"/>
-              <a:t>23/06/2025</a:t>
+              <a:t>26/06/2025</a:t>
             </a:fld>
             <a:endParaRPr lang="pt-BR"/>
           </a:p>
@@ -3302,7 +3302,7 @@
           <a:p>
             <a:fld id="{63CE3726-9908-4C20-8119-B7667AF03A7E}" type="datetimeFigureOut">
               <a:rPr lang="pt-BR" smtClean="0"/>
-              <a:t>23/06/2025</a:t>
+              <a:t>26/06/2025</a:t>
             </a:fld>
             <a:endParaRPr lang="pt-BR"/>
           </a:p>
@@ -3567,7 +3567,7 @@
           <a:p>
             <a:fld id="{63CE3726-9908-4C20-8119-B7667AF03A7E}" type="datetimeFigureOut">
               <a:rPr lang="pt-BR" smtClean="0"/>
-              <a:t>23/06/2025</a:t>
+              <a:t>26/06/2025</a:t>
             </a:fld>
             <a:endParaRPr lang="pt-BR"/>
           </a:p>
@@ -3979,7 +3979,7 @@
           <a:p>
             <a:fld id="{63CE3726-9908-4C20-8119-B7667AF03A7E}" type="datetimeFigureOut">
               <a:rPr lang="pt-BR" smtClean="0"/>
-              <a:t>23/06/2025</a:t>
+              <a:t>26/06/2025</a:t>
             </a:fld>
             <a:endParaRPr lang="pt-BR"/>
           </a:p>
@@ -4120,7 +4120,7 @@
           <a:p>
             <a:fld id="{63CE3726-9908-4C20-8119-B7667AF03A7E}" type="datetimeFigureOut">
               <a:rPr lang="pt-BR" smtClean="0"/>
-              <a:t>23/06/2025</a:t>
+              <a:t>26/06/2025</a:t>
             </a:fld>
             <a:endParaRPr lang="pt-BR"/>
           </a:p>
@@ -4233,7 +4233,7 @@
           <a:p>
             <a:fld id="{63CE3726-9908-4C20-8119-B7667AF03A7E}" type="datetimeFigureOut">
               <a:rPr lang="pt-BR" smtClean="0"/>
-              <a:t>23/06/2025</a:t>
+              <a:t>26/06/2025</a:t>
             </a:fld>
             <a:endParaRPr lang="pt-BR"/>
           </a:p>
@@ -4544,7 +4544,7 @@
           <a:p>
             <a:fld id="{63CE3726-9908-4C20-8119-B7667AF03A7E}" type="datetimeFigureOut">
               <a:rPr lang="pt-BR" smtClean="0"/>
-              <a:t>23/06/2025</a:t>
+              <a:t>26/06/2025</a:t>
             </a:fld>
             <a:endParaRPr lang="pt-BR"/>
           </a:p>
@@ -4832,7 +4832,7 @@
           <a:p>
             <a:fld id="{63CE3726-9908-4C20-8119-B7667AF03A7E}" type="datetimeFigureOut">
               <a:rPr lang="pt-BR" smtClean="0"/>
-              <a:t>23/06/2025</a:t>
+              <a:t>26/06/2025</a:t>
             </a:fld>
             <a:endParaRPr lang="pt-BR"/>
           </a:p>
@@ -5073,7 +5073,7 @@
           <a:p>
             <a:fld id="{63CE3726-9908-4C20-8119-B7667AF03A7E}" type="datetimeFigureOut">
               <a:rPr lang="pt-BR" smtClean="0"/>
-              <a:t>23/06/2025</a:t>
+              <a:t>26/06/2025</a:t>
             </a:fld>
             <a:endParaRPr lang="pt-BR"/>
           </a:p>
@@ -6198,10 +6198,649 @@
       </p:pic>
       <p:sp>
         <p:nvSpPr>
-          <p:cNvPr id="22" name="Retângulo: Cantos Arredondados 21">
-            <a:extLst>
-              <a:ext uri="{FF2B5EF4-FFF2-40B4-BE49-F238E27FC236}">
-                <a16:creationId xmlns:a16="http://schemas.microsoft.com/office/drawing/2014/main" id="{EF3C31C5-0E9E-B920-ABD8-B77F2EC8D1DB}"/>
+          <p:cNvPr id="40" name="Retângulo: Cantos Arredondados 39">
+            <a:extLst>
+              <a:ext uri="{FF2B5EF4-FFF2-40B4-BE49-F238E27FC236}">
+                <a16:creationId xmlns:a16="http://schemas.microsoft.com/office/drawing/2014/main" id="{5FA9686C-233E-E9CB-0A91-16AB329DD1BD}"/>
+              </a:ext>
+            </a:extLst>
+          </p:cNvPr>
+          <p:cNvSpPr/>
+          <p:nvPr/>
+        </p:nvSpPr>
+        <p:spPr>
+          <a:xfrm rot="5400000">
+            <a:off x="653423" y="1230823"/>
+            <a:ext cx="5986627" cy="4991831"/>
+          </a:xfrm>
+          <a:prstGeom prst="roundRect">
+            <a:avLst/>
+          </a:prstGeom>
+          <a:gradFill flip="none" rotWithShape="0">
+            <a:gsLst>
+              <a:gs pos="29000">
+                <a:srgbClr val="05313D"/>
+              </a:gs>
+              <a:gs pos="52000">
+                <a:srgbClr val="123B47"/>
+              </a:gs>
+              <a:gs pos="70000">
+                <a:srgbClr val="1E4550"/>
+              </a:gs>
+            </a:gsLst>
+            <a:lin ang="2700000" scaled="1"/>
+            <a:tileRect/>
+          </a:gradFill>
+          <a:ln>
+            <a:noFill/>
+          </a:ln>
+          <a:effectLst>
+            <a:outerShdw blurRad="50800" dist="38100" dir="10800000" algn="r" rotWithShape="0">
+              <a:prstClr val="black">
+                <a:alpha val="40000"/>
+              </a:prstClr>
+            </a:outerShdw>
+          </a:effectLst>
+        </p:spPr>
+        <p:style>
+          <a:lnRef idx="2">
+            <a:schemeClr val="accent1">
+              <a:shade val="50000"/>
+            </a:schemeClr>
+          </a:lnRef>
+          <a:fillRef idx="1">
+            <a:schemeClr val="accent1"/>
+          </a:fillRef>
+          <a:effectRef idx="0">
+            <a:schemeClr val="accent1"/>
+          </a:effectRef>
+          <a:fontRef idx="minor">
+            <a:schemeClr val="lt1"/>
+          </a:fontRef>
+        </p:style>
+        <p:txBody>
+          <a:bodyPr rtlCol="0" anchor="ctr"/>
+          <a:lstStyle/>
+          <a:p>
+            <a:pPr algn="ctr"/>
+            <a:endParaRPr lang="pt-BR"/>
+          </a:p>
+        </p:txBody>
+      </p:sp>
+      <p:sp>
+        <p:nvSpPr>
+          <p:cNvPr id="41" name="Retângulo: Cantos Arredondados 40">
+            <a:extLst>
+              <a:ext uri="{FF2B5EF4-FFF2-40B4-BE49-F238E27FC236}">
+                <a16:creationId xmlns:a16="http://schemas.microsoft.com/office/drawing/2014/main" id="{6F5A945A-CF5D-F525-1185-FC8D80CD79DD}"/>
+              </a:ext>
+            </a:extLst>
+          </p:cNvPr>
+          <p:cNvSpPr/>
+          <p:nvPr/>
+        </p:nvSpPr>
+        <p:spPr>
+          <a:xfrm rot="5400000">
+            <a:off x="7791290" y="1711081"/>
+            <a:ext cx="2678805" cy="5712421"/>
+          </a:xfrm>
+          <a:prstGeom prst="roundRect">
+            <a:avLst/>
+          </a:prstGeom>
+          <a:gradFill flip="none" rotWithShape="0">
+            <a:gsLst>
+              <a:gs pos="29000">
+                <a:srgbClr val="05313D"/>
+              </a:gs>
+              <a:gs pos="52000">
+                <a:srgbClr val="123B47"/>
+              </a:gs>
+              <a:gs pos="70000">
+                <a:srgbClr val="1E4550"/>
+              </a:gs>
+            </a:gsLst>
+            <a:lin ang="2700000" scaled="1"/>
+            <a:tileRect/>
+          </a:gradFill>
+          <a:ln>
+            <a:noFill/>
+          </a:ln>
+          <a:effectLst>
+            <a:outerShdw blurRad="50800" dist="38100" dir="2700000" algn="tl" rotWithShape="0">
+              <a:prstClr val="black">
+                <a:alpha val="40000"/>
+              </a:prstClr>
+            </a:outerShdw>
+          </a:effectLst>
+        </p:spPr>
+        <p:style>
+          <a:lnRef idx="2">
+            <a:schemeClr val="accent1">
+              <a:shade val="50000"/>
+            </a:schemeClr>
+          </a:lnRef>
+          <a:fillRef idx="1">
+            <a:schemeClr val="accent1"/>
+          </a:fillRef>
+          <a:effectRef idx="0">
+            <a:schemeClr val="accent1"/>
+          </a:effectRef>
+          <a:fontRef idx="minor">
+            <a:schemeClr val="lt1"/>
+          </a:fontRef>
+        </p:style>
+        <p:txBody>
+          <a:bodyPr rtlCol="0" anchor="ctr"/>
+          <a:lstStyle/>
+          <a:p>
+            <a:pPr algn="ctr"/>
+            <a:endParaRPr lang="pt-BR"/>
+          </a:p>
+        </p:txBody>
+      </p:sp>
+      <p:sp>
+        <p:nvSpPr>
+          <p:cNvPr id="42" name="Retângulo: Cantos Arredondados 41">
+            <a:extLst>
+              <a:ext uri="{FF2B5EF4-FFF2-40B4-BE49-F238E27FC236}">
+                <a16:creationId xmlns:a16="http://schemas.microsoft.com/office/drawing/2014/main" id="{6978003E-C296-E369-008D-6BB09622C9CF}"/>
+              </a:ext>
+            </a:extLst>
+          </p:cNvPr>
+          <p:cNvSpPr/>
+          <p:nvPr/>
+        </p:nvSpPr>
+        <p:spPr>
+          <a:xfrm rot="5400000">
+            <a:off x="6846453" y="161456"/>
+            <a:ext cx="715273" cy="1859211"/>
+          </a:xfrm>
+          <a:prstGeom prst="roundRect">
+            <a:avLst/>
+          </a:prstGeom>
+          <a:gradFill flip="none" rotWithShape="0">
+            <a:gsLst>
+              <a:gs pos="29000">
+                <a:srgbClr val="05313D"/>
+              </a:gs>
+              <a:gs pos="52000">
+                <a:srgbClr val="123B47"/>
+              </a:gs>
+              <a:gs pos="70000">
+                <a:srgbClr val="1E4550"/>
+              </a:gs>
+            </a:gsLst>
+            <a:lin ang="2700000" scaled="1"/>
+            <a:tileRect/>
+          </a:gradFill>
+          <a:ln>
+            <a:noFill/>
+          </a:ln>
+          <a:effectLst>
+            <a:outerShdw blurRad="50800" dist="38100" dir="16200000" rotWithShape="0">
+              <a:prstClr val="black">
+                <a:alpha val="40000"/>
+              </a:prstClr>
+            </a:outerShdw>
+          </a:effectLst>
+        </p:spPr>
+        <p:style>
+          <a:lnRef idx="2">
+            <a:schemeClr val="accent1">
+              <a:shade val="50000"/>
+            </a:schemeClr>
+          </a:lnRef>
+          <a:fillRef idx="1">
+            <a:schemeClr val="accent1"/>
+          </a:fillRef>
+          <a:effectRef idx="0">
+            <a:schemeClr val="accent1"/>
+          </a:effectRef>
+          <a:fontRef idx="minor">
+            <a:schemeClr val="lt1"/>
+          </a:fontRef>
+        </p:style>
+        <p:txBody>
+          <a:bodyPr rtlCol="0" anchor="ctr"/>
+          <a:lstStyle/>
+          <a:p>
+            <a:pPr algn="ctr"/>
+            <a:endParaRPr lang="pt-BR"/>
+          </a:p>
+        </p:txBody>
+      </p:sp>
+      <p:sp>
+        <p:nvSpPr>
+          <p:cNvPr id="43" name="Retângulo: Cantos Arredondados 42">
+            <a:extLst>
+              <a:ext uri="{FF2B5EF4-FFF2-40B4-BE49-F238E27FC236}">
+                <a16:creationId xmlns:a16="http://schemas.microsoft.com/office/drawing/2014/main" id="{EFBDF87C-B321-45F5-14E7-7AA73014CC86}"/>
+              </a:ext>
+            </a:extLst>
+          </p:cNvPr>
+          <p:cNvSpPr/>
+          <p:nvPr/>
+        </p:nvSpPr>
+        <p:spPr>
+          <a:xfrm rot="5400000">
+            <a:off x="8773056" y="162042"/>
+            <a:ext cx="715273" cy="1859211"/>
+          </a:xfrm>
+          <a:prstGeom prst="roundRect">
+            <a:avLst/>
+          </a:prstGeom>
+          <a:gradFill flip="none" rotWithShape="0">
+            <a:gsLst>
+              <a:gs pos="29000">
+                <a:srgbClr val="05313D"/>
+              </a:gs>
+              <a:gs pos="52000">
+                <a:srgbClr val="123B47"/>
+              </a:gs>
+              <a:gs pos="70000">
+                <a:srgbClr val="1E4550"/>
+              </a:gs>
+            </a:gsLst>
+            <a:lin ang="2700000" scaled="1"/>
+            <a:tileRect/>
+          </a:gradFill>
+          <a:ln>
+            <a:noFill/>
+          </a:ln>
+          <a:effectLst>
+            <a:outerShdw blurRad="50800" dist="38100" dir="16200000" rotWithShape="0">
+              <a:prstClr val="black">
+                <a:alpha val="40000"/>
+              </a:prstClr>
+            </a:outerShdw>
+          </a:effectLst>
+        </p:spPr>
+        <p:style>
+          <a:lnRef idx="2">
+            <a:schemeClr val="accent1">
+              <a:shade val="50000"/>
+            </a:schemeClr>
+          </a:lnRef>
+          <a:fillRef idx="1">
+            <a:schemeClr val="accent1"/>
+          </a:fillRef>
+          <a:effectRef idx="0">
+            <a:schemeClr val="accent1"/>
+          </a:effectRef>
+          <a:fontRef idx="minor">
+            <a:schemeClr val="lt1"/>
+          </a:fontRef>
+        </p:style>
+        <p:txBody>
+          <a:bodyPr rtlCol="0" anchor="ctr"/>
+          <a:lstStyle/>
+          <a:p>
+            <a:pPr algn="ctr"/>
+            <a:endParaRPr lang="pt-BR"/>
+          </a:p>
+        </p:txBody>
+      </p:sp>
+      <p:sp>
+        <p:nvSpPr>
+          <p:cNvPr id="44" name="Retângulo: Cantos Arredondados 43">
+            <a:extLst>
+              <a:ext uri="{FF2B5EF4-FFF2-40B4-BE49-F238E27FC236}">
+                <a16:creationId xmlns:a16="http://schemas.microsoft.com/office/drawing/2014/main" id="{E25C6F85-8A35-1D0C-37F6-D5B6F2AA5106}"/>
+              </a:ext>
+            </a:extLst>
+          </p:cNvPr>
+          <p:cNvSpPr/>
+          <p:nvPr/>
+        </p:nvSpPr>
+        <p:spPr>
+          <a:xfrm rot="5400000">
+            <a:off x="10699659" y="158391"/>
+            <a:ext cx="715273" cy="1859211"/>
+          </a:xfrm>
+          <a:prstGeom prst="roundRect">
+            <a:avLst/>
+          </a:prstGeom>
+          <a:gradFill flip="none" rotWithShape="0">
+            <a:gsLst>
+              <a:gs pos="29000">
+                <a:srgbClr val="05313D"/>
+              </a:gs>
+              <a:gs pos="52000">
+                <a:srgbClr val="123B47"/>
+              </a:gs>
+              <a:gs pos="70000">
+                <a:srgbClr val="1E4550"/>
+              </a:gs>
+            </a:gsLst>
+            <a:lin ang="2700000" scaled="1"/>
+            <a:tileRect/>
+          </a:gradFill>
+          <a:ln>
+            <a:noFill/>
+          </a:ln>
+          <a:effectLst>
+            <a:outerShdw blurRad="50800" dist="38100" dir="18900000" algn="bl" rotWithShape="0">
+              <a:prstClr val="black">
+                <a:alpha val="40000"/>
+              </a:prstClr>
+            </a:outerShdw>
+          </a:effectLst>
+        </p:spPr>
+        <p:style>
+          <a:lnRef idx="2">
+            <a:schemeClr val="accent1">
+              <a:shade val="50000"/>
+            </a:schemeClr>
+          </a:lnRef>
+          <a:fillRef idx="1">
+            <a:schemeClr val="accent1"/>
+          </a:fillRef>
+          <a:effectRef idx="0">
+            <a:schemeClr val="accent1"/>
+          </a:effectRef>
+          <a:fontRef idx="minor">
+            <a:schemeClr val="lt1"/>
+          </a:fontRef>
+        </p:style>
+        <p:txBody>
+          <a:bodyPr rtlCol="0" anchor="ctr"/>
+          <a:lstStyle/>
+          <a:p>
+            <a:pPr algn="ctr"/>
+            <a:endParaRPr lang="pt-BR"/>
+          </a:p>
+        </p:txBody>
+      </p:sp>
+      <p:sp>
+        <p:nvSpPr>
+          <p:cNvPr id="45" name="Retângulo: Cantos Arredondados 44">
+            <a:extLst>
+              <a:ext uri="{FF2B5EF4-FFF2-40B4-BE49-F238E27FC236}">
+                <a16:creationId xmlns:a16="http://schemas.microsoft.com/office/drawing/2014/main" id="{E9636E49-52DF-A622-E068-2F1444FE0FC1}"/>
+              </a:ext>
+            </a:extLst>
+          </p:cNvPr>
+          <p:cNvSpPr/>
+          <p:nvPr/>
+        </p:nvSpPr>
+        <p:spPr>
+          <a:xfrm rot="5400000">
+            <a:off x="6846453" y="992840"/>
+            <a:ext cx="715273" cy="1859211"/>
+          </a:xfrm>
+          <a:prstGeom prst="roundRect">
+            <a:avLst/>
+          </a:prstGeom>
+          <a:gradFill flip="none" rotWithShape="0">
+            <a:gsLst>
+              <a:gs pos="29000">
+                <a:srgbClr val="05313D"/>
+              </a:gs>
+              <a:gs pos="52000">
+                <a:srgbClr val="123B47"/>
+              </a:gs>
+              <a:gs pos="70000">
+                <a:srgbClr val="1E4550"/>
+              </a:gs>
+            </a:gsLst>
+            <a:lin ang="2700000" scaled="1"/>
+            <a:tileRect/>
+          </a:gradFill>
+          <a:ln>
+            <a:noFill/>
+          </a:ln>
+          <a:effectLst>
+            <a:outerShdw blurRad="63500" sx="102000" sy="102000" algn="ctr" rotWithShape="0">
+              <a:prstClr val="black">
+                <a:alpha val="40000"/>
+              </a:prstClr>
+            </a:outerShdw>
+          </a:effectLst>
+        </p:spPr>
+        <p:style>
+          <a:lnRef idx="2">
+            <a:schemeClr val="accent1">
+              <a:shade val="50000"/>
+            </a:schemeClr>
+          </a:lnRef>
+          <a:fillRef idx="1">
+            <a:schemeClr val="accent1"/>
+          </a:fillRef>
+          <a:effectRef idx="0">
+            <a:schemeClr val="accent1"/>
+          </a:effectRef>
+          <a:fontRef idx="minor">
+            <a:schemeClr val="lt1"/>
+          </a:fontRef>
+        </p:style>
+        <p:txBody>
+          <a:bodyPr rtlCol="0" anchor="ctr"/>
+          <a:lstStyle/>
+          <a:p>
+            <a:pPr algn="ctr"/>
+            <a:endParaRPr lang="pt-BR"/>
+          </a:p>
+        </p:txBody>
+      </p:sp>
+      <p:sp>
+        <p:nvSpPr>
+          <p:cNvPr id="46" name="Retângulo: Cantos Arredondados 45">
+            <a:extLst>
+              <a:ext uri="{FF2B5EF4-FFF2-40B4-BE49-F238E27FC236}">
+                <a16:creationId xmlns:a16="http://schemas.microsoft.com/office/drawing/2014/main" id="{F78D945A-878C-95B0-3DB5-02A2CCDB3456}"/>
+              </a:ext>
+            </a:extLst>
+          </p:cNvPr>
+          <p:cNvSpPr/>
+          <p:nvPr/>
+        </p:nvSpPr>
+        <p:spPr>
+          <a:xfrm rot="5400000">
+            <a:off x="8771716" y="999334"/>
+            <a:ext cx="715273" cy="1859211"/>
+          </a:xfrm>
+          <a:prstGeom prst="roundRect">
+            <a:avLst/>
+          </a:prstGeom>
+          <a:gradFill flip="none" rotWithShape="0">
+            <a:gsLst>
+              <a:gs pos="29000">
+                <a:srgbClr val="05313D"/>
+              </a:gs>
+              <a:gs pos="52000">
+                <a:srgbClr val="123B47"/>
+              </a:gs>
+              <a:gs pos="70000">
+                <a:srgbClr val="1E4550"/>
+              </a:gs>
+            </a:gsLst>
+            <a:lin ang="2700000" scaled="1"/>
+            <a:tileRect/>
+          </a:gradFill>
+          <a:ln>
+            <a:noFill/>
+          </a:ln>
+          <a:effectLst>
+            <a:outerShdw blurRad="63500" sx="102000" sy="102000" algn="ctr" rotWithShape="0">
+              <a:prstClr val="black">
+                <a:alpha val="40000"/>
+              </a:prstClr>
+            </a:outerShdw>
+          </a:effectLst>
+        </p:spPr>
+        <p:style>
+          <a:lnRef idx="2">
+            <a:schemeClr val="accent1">
+              <a:shade val="50000"/>
+            </a:schemeClr>
+          </a:lnRef>
+          <a:fillRef idx="1">
+            <a:schemeClr val="accent1"/>
+          </a:fillRef>
+          <a:effectRef idx="0">
+            <a:schemeClr val="accent1"/>
+          </a:effectRef>
+          <a:fontRef idx="minor">
+            <a:schemeClr val="lt1"/>
+          </a:fontRef>
+        </p:style>
+        <p:txBody>
+          <a:bodyPr rtlCol="0" anchor="ctr"/>
+          <a:lstStyle/>
+          <a:p>
+            <a:pPr algn="ctr"/>
+            <a:endParaRPr lang="pt-BR"/>
+          </a:p>
+        </p:txBody>
+      </p:sp>
+      <p:sp>
+        <p:nvSpPr>
+          <p:cNvPr id="47" name="Retângulo: Cantos Arredondados 46">
+            <a:extLst>
+              <a:ext uri="{FF2B5EF4-FFF2-40B4-BE49-F238E27FC236}">
+                <a16:creationId xmlns:a16="http://schemas.microsoft.com/office/drawing/2014/main" id="{C8CABD5D-3E47-5AE5-E4E5-7BE71D4871CB}"/>
+              </a:ext>
+            </a:extLst>
+          </p:cNvPr>
+          <p:cNvSpPr/>
+          <p:nvPr/>
+        </p:nvSpPr>
+        <p:spPr>
+          <a:xfrm rot="5400000">
+            <a:off x="10699659" y="999333"/>
+            <a:ext cx="715273" cy="1859211"/>
+          </a:xfrm>
+          <a:prstGeom prst="roundRect">
+            <a:avLst/>
+          </a:prstGeom>
+          <a:gradFill flip="none" rotWithShape="0">
+            <a:gsLst>
+              <a:gs pos="29000">
+                <a:srgbClr val="05313D"/>
+              </a:gs>
+              <a:gs pos="52000">
+                <a:srgbClr val="123B47"/>
+              </a:gs>
+              <a:gs pos="70000">
+                <a:srgbClr val="1E4550"/>
+              </a:gs>
+            </a:gsLst>
+            <a:lin ang="2700000" scaled="1"/>
+            <a:tileRect/>
+          </a:gradFill>
+          <a:ln>
+            <a:noFill/>
+          </a:ln>
+          <a:effectLst>
+            <a:outerShdw blurRad="50800" dist="38100" algn="l" rotWithShape="0">
+              <a:prstClr val="black">
+                <a:alpha val="40000"/>
+              </a:prstClr>
+            </a:outerShdw>
+          </a:effectLst>
+        </p:spPr>
+        <p:style>
+          <a:lnRef idx="2">
+            <a:schemeClr val="accent1">
+              <a:shade val="50000"/>
+            </a:schemeClr>
+          </a:lnRef>
+          <a:fillRef idx="1">
+            <a:schemeClr val="accent1"/>
+          </a:fillRef>
+          <a:effectRef idx="0">
+            <a:schemeClr val="accent1"/>
+          </a:effectRef>
+          <a:fontRef idx="minor">
+            <a:schemeClr val="lt1"/>
+          </a:fontRef>
+        </p:style>
+        <p:txBody>
+          <a:bodyPr rtlCol="0" anchor="ctr"/>
+          <a:lstStyle/>
+          <a:p>
+            <a:pPr algn="ctr"/>
+            <a:endParaRPr lang="pt-BR"/>
+          </a:p>
+        </p:txBody>
+      </p:sp>
+      <p:sp>
+        <p:nvSpPr>
+          <p:cNvPr id="48" name="Retângulo: Cantos Arredondados 47">
+            <a:extLst>
+              <a:ext uri="{FF2B5EF4-FFF2-40B4-BE49-F238E27FC236}">
+                <a16:creationId xmlns:a16="http://schemas.microsoft.com/office/drawing/2014/main" id="{5CAC9684-C2E3-6DD2-2B24-4B9EC59257D3}"/>
+              </a:ext>
+            </a:extLst>
+          </p:cNvPr>
+          <p:cNvSpPr/>
+          <p:nvPr/>
+        </p:nvSpPr>
+        <p:spPr>
+          <a:xfrm rot="5400000">
+            <a:off x="8801221" y="5432810"/>
+            <a:ext cx="715273" cy="1859211"/>
+          </a:xfrm>
+          <a:prstGeom prst="roundRect">
+            <a:avLst/>
+          </a:prstGeom>
+          <a:gradFill flip="none" rotWithShape="0">
+            <a:gsLst>
+              <a:gs pos="29000">
+                <a:srgbClr val="05313D"/>
+              </a:gs>
+              <a:gs pos="52000">
+                <a:srgbClr val="123B47"/>
+              </a:gs>
+              <a:gs pos="70000">
+                <a:srgbClr val="1E4550"/>
+              </a:gs>
+            </a:gsLst>
+            <a:lin ang="2700000" scaled="1"/>
+            <a:tileRect/>
+          </a:gradFill>
+          <a:ln>
+            <a:noFill/>
+          </a:ln>
+          <a:effectLst>
+            <a:outerShdw blurRad="50800" dist="38100" dir="5400000" algn="t" rotWithShape="0">
+              <a:prstClr val="black">
+                <a:alpha val="40000"/>
+              </a:prstClr>
+            </a:outerShdw>
+          </a:effectLst>
+        </p:spPr>
+        <p:style>
+          <a:lnRef idx="2">
+            <a:schemeClr val="accent1">
+              <a:shade val="50000"/>
+            </a:schemeClr>
+          </a:lnRef>
+          <a:fillRef idx="1">
+            <a:schemeClr val="accent1"/>
+          </a:fillRef>
+          <a:effectRef idx="0">
+            <a:schemeClr val="accent1"/>
+          </a:effectRef>
+          <a:fontRef idx="minor">
+            <a:schemeClr val="lt1"/>
+          </a:fontRef>
+        </p:style>
+        <p:txBody>
+          <a:bodyPr rtlCol="0" anchor="ctr"/>
+          <a:lstStyle/>
+          <a:p>
+            <a:pPr algn="ctr"/>
+            <a:endParaRPr lang="pt-BR" dirty="0"/>
+          </a:p>
+        </p:txBody>
+      </p:sp>
+      <p:sp>
+        <p:nvSpPr>
+          <p:cNvPr id="49" name="Retângulo: Cantos Arredondados 48">
+            <a:extLst>
+              <a:ext uri="{FF2B5EF4-FFF2-40B4-BE49-F238E27FC236}">
+                <a16:creationId xmlns:a16="http://schemas.microsoft.com/office/drawing/2014/main" id="{21B88E4E-CBC4-14D5-9741-C7C56AA4F403}"/>
               </a:ext>
             </a:extLst>
           </p:cNvPr>
@@ -6210,7 +6849,208 @@
         </p:nvSpPr>
         <p:spPr>
           <a:xfrm>
-            <a:off x="38444" y="2454748"/>
+            <a:off x="1038707" y="69933"/>
+            <a:ext cx="3364273" cy="461666"/>
+          </a:xfrm>
+          <a:prstGeom prst="roundRect">
+            <a:avLst/>
+          </a:prstGeom>
+          <a:gradFill flip="none" rotWithShape="1">
+            <a:gsLst>
+              <a:gs pos="0">
+                <a:srgbClr val="506E77">
+                  <a:shade val="30000"/>
+                  <a:satMod val="115000"/>
+                </a:srgbClr>
+              </a:gs>
+              <a:gs pos="50000">
+                <a:srgbClr val="506E77">
+                  <a:shade val="67500"/>
+                  <a:satMod val="115000"/>
+                </a:srgbClr>
+              </a:gs>
+              <a:gs pos="100000">
+                <a:srgbClr val="506E77">
+                  <a:shade val="100000"/>
+                  <a:satMod val="115000"/>
+                </a:srgbClr>
+              </a:gs>
+            </a:gsLst>
+            <a:lin ang="18900000" scaled="1"/>
+            <a:tileRect/>
+          </a:gradFill>
+          <a:ln>
+            <a:noFill/>
+          </a:ln>
+          <a:effectLst>
+            <a:outerShdw blurRad="50800" dist="38100" dir="8100000" algn="tr" rotWithShape="0">
+              <a:prstClr val="black">
+                <a:alpha val="40000"/>
+              </a:prstClr>
+            </a:outerShdw>
+          </a:effectLst>
+        </p:spPr>
+        <p:style>
+          <a:lnRef idx="2">
+            <a:schemeClr val="accent1">
+              <a:shade val="50000"/>
+            </a:schemeClr>
+          </a:lnRef>
+          <a:fillRef idx="1">
+            <a:schemeClr val="accent1"/>
+          </a:fillRef>
+          <a:effectRef idx="0">
+            <a:schemeClr val="accent1"/>
+          </a:effectRef>
+          <a:fontRef idx="minor">
+            <a:schemeClr val="lt1"/>
+          </a:fontRef>
+        </p:style>
+        <p:txBody>
+          <a:bodyPr rtlCol="0" anchor="ctr"/>
+          <a:lstStyle/>
+          <a:p>
+            <a:pPr algn="ctr"/>
+            <a:endParaRPr lang="pt-BR"/>
+          </a:p>
+        </p:txBody>
+      </p:sp>
+      <p:sp>
+        <p:nvSpPr>
+          <p:cNvPr id="50" name="CaixaDeTexto 49">
+            <a:extLst>
+              <a:ext uri="{FF2B5EF4-FFF2-40B4-BE49-F238E27FC236}">
+                <a16:creationId xmlns:a16="http://schemas.microsoft.com/office/drawing/2014/main" id="{FC4D271A-45D9-58BD-738D-062F6942BEF0}"/>
+              </a:ext>
+            </a:extLst>
+          </p:cNvPr>
+          <p:cNvSpPr txBox="1">
+            <a:spLocks/>
+          </p:cNvSpPr>
+          <p:nvPr/>
+        </p:nvSpPr>
+        <p:spPr>
+          <a:xfrm>
+            <a:off x="1058421" y="69934"/>
+            <a:ext cx="3037329" cy="461665"/>
+          </a:xfrm>
+          <a:prstGeom prst="rect">
+            <a:avLst/>
+          </a:prstGeom>
+          <a:noFill/>
+          <a:effectLst>
+            <a:outerShdw blurRad="50800" dist="38100" dir="2700000" algn="tl" rotWithShape="0">
+              <a:prstClr val="black">
+                <a:alpha val="40000"/>
+              </a:prstClr>
+            </a:outerShdw>
+          </a:effectLst>
+        </p:spPr>
+        <p:txBody>
+          <a:bodyPr wrap="square" rtlCol="0">
+            <a:spAutoFit/>
+          </a:bodyPr>
+          <a:lstStyle/>
+          <a:p>
+            <a:r>
+              <a:rPr lang="pt-BR" sz="2400" b="1" dirty="0">
+                <a:solidFill>
+                  <a:schemeClr val="bg1">
+                    <a:lumMod val="85000"/>
+                  </a:schemeClr>
+                </a:solidFill>
+              </a:rPr>
+              <a:t>Uniforme Feminino</a:t>
+            </a:r>
+          </a:p>
+        </p:txBody>
+      </p:sp>
+      <p:sp>
+        <p:nvSpPr>
+          <p:cNvPr id="51" name="Retângulo: Cantos Arredondados 50">
+            <a:extLst>
+              <a:ext uri="{FF2B5EF4-FFF2-40B4-BE49-F238E27FC236}">
+                <a16:creationId xmlns:a16="http://schemas.microsoft.com/office/drawing/2014/main" id="{977D8EB5-93B3-1592-BC57-E237DD8673E2}"/>
+              </a:ext>
+            </a:extLst>
+          </p:cNvPr>
+          <p:cNvSpPr/>
+          <p:nvPr/>
+        </p:nvSpPr>
+        <p:spPr>
+          <a:xfrm rot="5400000">
+            <a:off x="8801221" y="1842562"/>
+            <a:ext cx="715273" cy="1859211"/>
+          </a:xfrm>
+          <a:prstGeom prst="roundRect">
+            <a:avLst/>
+          </a:prstGeom>
+          <a:gradFill flip="none" rotWithShape="0">
+            <a:gsLst>
+              <a:gs pos="29000">
+                <a:srgbClr val="05313D"/>
+              </a:gs>
+              <a:gs pos="52000">
+                <a:srgbClr val="123B47"/>
+              </a:gs>
+              <a:gs pos="70000">
+                <a:srgbClr val="1E4550"/>
+              </a:gs>
+            </a:gsLst>
+            <a:lin ang="2700000" scaled="1"/>
+            <a:tileRect/>
+          </a:gradFill>
+          <a:ln>
+            <a:noFill/>
+          </a:ln>
+          <a:effectLst>
+            <a:outerShdw blurRad="50800" dist="38100" dir="5400000" algn="t" rotWithShape="0">
+              <a:prstClr val="black">
+                <a:alpha val="40000"/>
+              </a:prstClr>
+            </a:outerShdw>
+          </a:effectLst>
+        </p:spPr>
+        <p:style>
+          <a:lnRef idx="2">
+            <a:schemeClr val="accent1">
+              <a:shade val="50000"/>
+            </a:schemeClr>
+          </a:lnRef>
+          <a:fillRef idx="1">
+            <a:schemeClr val="accent1"/>
+          </a:fillRef>
+          <a:effectRef idx="0">
+            <a:schemeClr val="accent1"/>
+          </a:effectRef>
+          <a:fontRef idx="minor">
+            <a:schemeClr val="lt1"/>
+          </a:fontRef>
+        </p:style>
+        <p:txBody>
+          <a:bodyPr rtlCol="0" anchor="ctr"/>
+          <a:lstStyle/>
+          <a:p>
+            <a:pPr algn="ctr"/>
+            <a:endParaRPr lang="pt-BR" dirty="0"/>
+          </a:p>
+        </p:txBody>
+      </p:sp>
+      <p:sp>
+        <p:nvSpPr>
+          <p:cNvPr id="4" name="Retângulo: Cantos Arredondados 3">
+            <a:extLst>
+              <a:ext uri="{FF2B5EF4-FFF2-40B4-BE49-F238E27FC236}">
+                <a16:creationId xmlns:a16="http://schemas.microsoft.com/office/drawing/2014/main" id="{9FFB0352-E401-E01A-60BD-37C2CC46E7EA}"/>
+              </a:ext>
+            </a:extLst>
+          </p:cNvPr>
+          <p:cNvSpPr/>
+          <p:nvPr/>
+        </p:nvSpPr>
+        <p:spPr>
+          <a:xfrm>
+            <a:off x="38443" y="2078733"/>
             <a:ext cx="915845" cy="516923"/>
           </a:xfrm>
           <a:prstGeom prst="roundRect">
@@ -6271,10 +7111,10 @@
       </p:sp>
       <p:sp>
         <p:nvSpPr>
-          <p:cNvPr id="23" name="Retângulo: Cantos Arredondados 22">
-            <a:extLst>
-              <a:ext uri="{FF2B5EF4-FFF2-40B4-BE49-F238E27FC236}">
-                <a16:creationId xmlns:a16="http://schemas.microsoft.com/office/drawing/2014/main" id="{61CA9287-FED9-60AB-C257-8046381CC6B9}"/>
+          <p:cNvPr id="5" name="Retângulo: Cantos Arredondados 4">
+            <a:extLst>
+              <a:ext uri="{FF2B5EF4-FFF2-40B4-BE49-F238E27FC236}">
+                <a16:creationId xmlns:a16="http://schemas.microsoft.com/office/drawing/2014/main" id="{F06E7330-D6A5-3112-5D59-37FC5E8D5E02}"/>
               </a:ext>
             </a:extLst>
           </p:cNvPr>
@@ -6283,7 +7123,78 @@
         </p:nvSpPr>
         <p:spPr>
           <a:xfrm>
-            <a:off x="38444" y="3227888"/>
+            <a:off x="45771" y="1296262"/>
+            <a:ext cx="924613" cy="516923"/>
+          </a:xfrm>
+          <a:prstGeom prst="roundRect">
+            <a:avLst/>
+          </a:prstGeom>
+          <a:solidFill>
+            <a:srgbClr val="8DA0A6"/>
+          </a:solidFill>
+          <a:ln>
+            <a:noFill/>
+          </a:ln>
+          <a:effectLst/>
+          <a:scene3d>
+            <a:camera prst="orthographicFront">
+              <a:rot lat="0" lon="0" rev="0"/>
+            </a:camera>
+            <a:lightRig rig="glow" dir="t">
+              <a:rot lat="0" lon="0" rev="14100000"/>
+            </a:lightRig>
+          </a:scene3d>
+          <a:sp3d prstMaterial="softEdge">
+            <a:bevelT w="127000" prst="artDeco"/>
+          </a:sp3d>
+        </p:spPr>
+        <p:style>
+          <a:lnRef idx="2">
+            <a:schemeClr val="accent1">
+              <a:shade val="50000"/>
+            </a:schemeClr>
+          </a:lnRef>
+          <a:fillRef idx="1">
+            <a:schemeClr val="accent1"/>
+          </a:fillRef>
+          <a:effectRef idx="0">
+            <a:schemeClr val="accent1"/>
+          </a:effectRef>
+          <a:fontRef idx="minor">
+            <a:schemeClr val="lt1"/>
+          </a:fontRef>
+        </p:style>
+        <p:txBody>
+          <a:bodyPr rtlCol="0" anchor="ctr"/>
+          <a:lstStyle/>
+          <a:p>
+            <a:pPr algn="ctr"/>
+            <a:r>
+              <a:rPr lang="pt-BR" sz="1000" b="1" dirty="0">
+                <a:solidFill>
+                  <a:srgbClr val="1E4550"/>
+                </a:solidFill>
+              </a:rPr>
+              <a:t>UNIFORME FEMININO</a:t>
+            </a:r>
+          </a:p>
+        </p:txBody>
+      </p:sp>
+      <p:sp>
+        <p:nvSpPr>
+          <p:cNvPr id="6" name="Retângulo: Cantos Arredondados 5">
+            <a:extLst>
+              <a:ext uri="{FF2B5EF4-FFF2-40B4-BE49-F238E27FC236}">
+                <a16:creationId xmlns:a16="http://schemas.microsoft.com/office/drawing/2014/main" id="{280433ED-7F73-FE69-2CE3-ED9CFC2ACCD8}"/>
+              </a:ext>
+            </a:extLst>
+          </p:cNvPr>
+          <p:cNvSpPr/>
+          <p:nvPr/>
+        </p:nvSpPr>
+        <p:spPr>
+          <a:xfrm>
+            <a:off x="45770" y="4426146"/>
             <a:ext cx="915845" cy="516923"/>
           </a:xfrm>
           <a:prstGeom prst="roundRect">
@@ -6337,17 +7248,17 @@
             <a:pPr algn="ctr"/>
             <a:r>
               <a:rPr lang="pt-BR" sz="1000" b="1" dirty="0"/>
-              <a:t>ENTRADA E SAIDA</a:t>
+              <a:t>COLETES</a:t>
             </a:r>
           </a:p>
         </p:txBody>
       </p:sp>
       <p:sp>
         <p:nvSpPr>
-          <p:cNvPr id="24" name="Retângulo: Cantos Arredondados 23">
-            <a:extLst>
-              <a:ext uri="{FF2B5EF4-FFF2-40B4-BE49-F238E27FC236}">
-                <a16:creationId xmlns:a16="http://schemas.microsoft.com/office/drawing/2014/main" id="{EF17E9E0-E4FF-9D2B-5007-CA7DE9A4AB12}"/>
+          <p:cNvPr id="7" name="Retângulo: Cantos Arredondados 6">
+            <a:extLst>
+              <a:ext uri="{FF2B5EF4-FFF2-40B4-BE49-F238E27FC236}">
+                <a16:creationId xmlns:a16="http://schemas.microsoft.com/office/drawing/2014/main" id="{7C219EB7-6150-0DAF-D2E1-27272C61EB0D}"/>
               </a:ext>
             </a:extLst>
           </p:cNvPr>
@@ -6356,29 +7267,35 @@
         </p:nvSpPr>
         <p:spPr>
           <a:xfrm>
-            <a:off x="36440" y="1681608"/>
-            <a:ext cx="924613" cy="516923"/>
+            <a:off x="45769" y="3628328"/>
+            <a:ext cx="915845" cy="516923"/>
           </a:xfrm>
           <a:prstGeom prst="roundRect">
             <a:avLst/>
           </a:prstGeom>
           <a:solidFill>
-            <a:srgbClr val="A0B0B5"/>
+            <a:srgbClr val="547179"/>
           </a:solidFill>
           <a:ln>
             <a:noFill/>
           </a:ln>
-          <a:effectLst/>
+          <a:effectLst>
+            <a:outerShdw blurRad="44450" dist="27940" dir="5400000" algn="ctr">
+              <a:srgbClr val="000000">
+                <a:alpha val="32000"/>
+              </a:srgbClr>
+            </a:outerShdw>
+          </a:effectLst>
           <a:scene3d>
             <a:camera prst="orthographicFront">
               <a:rot lat="0" lon="0" rev="0"/>
             </a:camera>
-            <a:lightRig rig="glow" dir="t">
-              <a:rot lat="0" lon="0" rev="14100000"/>
+            <a:lightRig rig="balanced" dir="t">
+              <a:rot lat="0" lon="0" rev="8700000"/>
             </a:lightRig>
           </a:scene3d>
-          <a:sp3d prstMaterial="softEdge">
-            <a:bevelT w="127000" prst="artDeco"/>
+          <a:sp3d>
+            <a:bevelT w="190500" h="38100"/>
           </a:sp3d>
         </p:spPr>
         <p:style>
@@ -6405,851 +7322,84 @@
             <a:r>
               <a:rPr lang="pt-BR" sz="1000" b="1" dirty="0">
                 <a:solidFill>
-                  <a:srgbClr val="1D4450"/>
+                  <a:schemeClr val="bg1"/>
                 </a:solidFill>
               </a:rPr>
-              <a:t>UNIFORME FEMININO</a:t>
+              <a:t>ACESSORIOS</a:t>
             </a:r>
           </a:p>
         </p:txBody>
       </p:sp>
       <p:sp>
         <p:nvSpPr>
-          <p:cNvPr id="40" name="Retângulo: Cantos Arredondados 39">
-            <a:extLst>
-              <a:ext uri="{FF2B5EF4-FFF2-40B4-BE49-F238E27FC236}">
-                <a16:creationId xmlns:a16="http://schemas.microsoft.com/office/drawing/2014/main" id="{5FA9686C-233E-E9CB-0A91-16AB329DD1BD}"/>
-              </a:ext>
-            </a:extLst>
-          </p:cNvPr>
-          <p:cNvSpPr/>
-          <p:nvPr/>
-        </p:nvSpPr>
-        <p:spPr>
-          <a:xfrm rot="5400000">
-            <a:off x="653423" y="1230823"/>
-            <a:ext cx="5986627" cy="4991831"/>
-          </a:xfrm>
-          <a:prstGeom prst="roundRect">
-            <a:avLst/>
-          </a:prstGeom>
-          <a:gradFill flip="none" rotWithShape="0">
-            <a:gsLst>
-              <a:gs pos="29000">
-                <a:srgbClr val="05313D"/>
-              </a:gs>
-              <a:gs pos="52000">
-                <a:srgbClr val="123B47"/>
-              </a:gs>
-              <a:gs pos="70000">
-                <a:srgbClr val="1E4550"/>
-              </a:gs>
-            </a:gsLst>
-            <a:lin ang="2700000" scaled="1"/>
-            <a:tileRect/>
-          </a:gradFill>
+          <p:cNvPr id="8" name="Retângulo: Cantos Arredondados 7">
+            <a:extLst>
+              <a:ext uri="{FF2B5EF4-FFF2-40B4-BE49-F238E27FC236}">
+                <a16:creationId xmlns:a16="http://schemas.microsoft.com/office/drawing/2014/main" id="{5234A8E4-2356-D74E-F40A-6ED37577F1F5}"/>
+              </a:ext>
+            </a:extLst>
+          </p:cNvPr>
+          <p:cNvSpPr/>
+          <p:nvPr/>
+        </p:nvSpPr>
+        <p:spPr>
+          <a:xfrm>
+            <a:off x="38442" y="2845857"/>
+            <a:ext cx="915845" cy="516923"/>
+          </a:xfrm>
+          <a:prstGeom prst="roundRect">
+            <a:avLst/>
+          </a:prstGeom>
+          <a:solidFill>
+            <a:srgbClr val="506E77"/>
+          </a:solidFill>
           <a:ln>
             <a:noFill/>
           </a:ln>
           <a:effectLst>
-            <a:outerShdw blurRad="50800" dist="38100" dir="10800000" algn="r" rotWithShape="0">
-              <a:prstClr val="black">
-                <a:alpha val="40000"/>
-              </a:prstClr>
+            <a:outerShdw blurRad="44450" dist="27940" dir="5400000" algn="ctr">
+              <a:srgbClr val="000000">
+                <a:alpha val="32000"/>
+              </a:srgbClr>
             </a:outerShdw>
           </a:effectLst>
-        </p:spPr>
-        <p:style>
-          <a:lnRef idx="2">
-            <a:schemeClr val="accent1">
-              <a:shade val="50000"/>
-            </a:schemeClr>
-          </a:lnRef>
-          <a:fillRef idx="1">
-            <a:schemeClr val="accent1"/>
-          </a:fillRef>
-          <a:effectRef idx="0">
-            <a:schemeClr val="accent1"/>
-          </a:effectRef>
-          <a:fontRef idx="minor">
-            <a:schemeClr val="lt1"/>
-          </a:fontRef>
-        </p:style>
-        <p:txBody>
-          <a:bodyPr rtlCol="0" anchor="ctr"/>
-          <a:lstStyle/>
-          <a:p>
-            <a:pPr algn="ctr"/>
-            <a:endParaRPr lang="pt-BR"/>
-          </a:p>
-        </p:txBody>
-      </p:sp>
-      <p:sp>
-        <p:nvSpPr>
-          <p:cNvPr id="41" name="Retângulo: Cantos Arredondados 40">
-            <a:extLst>
-              <a:ext uri="{FF2B5EF4-FFF2-40B4-BE49-F238E27FC236}">
-                <a16:creationId xmlns:a16="http://schemas.microsoft.com/office/drawing/2014/main" id="{6F5A945A-CF5D-F525-1185-FC8D80CD79DD}"/>
-              </a:ext>
-            </a:extLst>
-          </p:cNvPr>
-          <p:cNvSpPr/>
-          <p:nvPr/>
-        </p:nvSpPr>
-        <p:spPr>
-          <a:xfrm rot="5400000">
-            <a:off x="7791290" y="1711081"/>
-            <a:ext cx="2678805" cy="5712421"/>
-          </a:xfrm>
-          <a:prstGeom prst="roundRect">
-            <a:avLst/>
-          </a:prstGeom>
-          <a:gradFill flip="none" rotWithShape="0">
-            <a:gsLst>
-              <a:gs pos="29000">
-                <a:srgbClr val="05313D"/>
-              </a:gs>
-              <a:gs pos="52000">
-                <a:srgbClr val="123B47"/>
-              </a:gs>
-              <a:gs pos="70000">
-                <a:srgbClr val="1E4550"/>
-              </a:gs>
-            </a:gsLst>
-            <a:lin ang="2700000" scaled="1"/>
-            <a:tileRect/>
-          </a:gradFill>
-          <a:ln>
-            <a:noFill/>
-          </a:ln>
-          <a:effectLst>
-            <a:outerShdw blurRad="50800" dist="38100" dir="2700000" algn="tl" rotWithShape="0">
-              <a:prstClr val="black">
-                <a:alpha val="40000"/>
-              </a:prstClr>
-            </a:outerShdw>
-          </a:effectLst>
-        </p:spPr>
-        <p:style>
-          <a:lnRef idx="2">
-            <a:schemeClr val="accent1">
-              <a:shade val="50000"/>
-            </a:schemeClr>
-          </a:lnRef>
-          <a:fillRef idx="1">
-            <a:schemeClr val="accent1"/>
-          </a:fillRef>
-          <a:effectRef idx="0">
-            <a:schemeClr val="accent1"/>
-          </a:effectRef>
-          <a:fontRef idx="minor">
-            <a:schemeClr val="lt1"/>
-          </a:fontRef>
-        </p:style>
-        <p:txBody>
-          <a:bodyPr rtlCol="0" anchor="ctr"/>
-          <a:lstStyle/>
-          <a:p>
-            <a:pPr algn="ctr"/>
-            <a:endParaRPr lang="pt-BR"/>
-          </a:p>
-        </p:txBody>
-      </p:sp>
-      <p:sp>
-        <p:nvSpPr>
-          <p:cNvPr id="42" name="Retângulo: Cantos Arredondados 41">
-            <a:extLst>
-              <a:ext uri="{FF2B5EF4-FFF2-40B4-BE49-F238E27FC236}">
-                <a16:creationId xmlns:a16="http://schemas.microsoft.com/office/drawing/2014/main" id="{6978003E-C296-E369-008D-6BB09622C9CF}"/>
-              </a:ext>
-            </a:extLst>
-          </p:cNvPr>
-          <p:cNvSpPr/>
-          <p:nvPr/>
-        </p:nvSpPr>
-        <p:spPr>
-          <a:xfrm rot="5400000">
-            <a:off x="6846453" y="161456"/>
-            <a:ext cx="715273" cy="1859211"/>
-          </a:xfrm>
-          <a:prstGeom prst="roundRect">
-            <a:avLst/>
-          </a:prstGeom>
-          <a:gradFill flip="none" rotWithShape="0">
-            <a:gsLst>
-              <a:gs pos="29000">
-                <a:srgbClr val="05313D"/>
-              </a:gs>
-              <a:gs pos="52000">
-                <a:srgbClr val="123B47"/>
-              </a:gs>
-              <a:gs pos="70000">
-                <a:srgbClr val="1E4550"/>
-              </a:gs>
-            </a:gsLst>
-            <a:lin ang="2700000" scaled="1"/>
-            <a:tileRect/>
-          </a:gradFill>
-          <a:ln>
-            <a:noFill/>
-          </a:ln>
-          <a:effectLst>
-            <a:outerShdw blurRad="50800" dist="38100" dir="16200000" rotWithShape="0">
-              <a:prstClr val="black">
-                <a:alpha val="40000"/>
-              </a:prstClr>
-            </a:outerShdw>
-          </a:effectLst>
-        </p:spPr>
-        <p:style>
-          <a:lnRef idx="2">
-            <a:schemeClr val="accent1">
-              <a:shade val="50000"/>
-            </a:schemeClr>
-          </a:lnRef>
-          <a:fillRef idx="1">
-            <a:schemeClr val="accent1"/>
-          </a:fillRef>
-          <a:effectRef idx="0">
-            <a:schemeClr val="accent1"/>
-          </a:effectRef>
-          <a:fontRef idx="minor">
-            <a:schemeClr val="lt1"/>
-          </a:fontRef>
-        </p:style>
-        <p:txBody>
-          <a:bodyPr rtlCol="0" anchor="ctr"/>
-          <a:lstStyle/>
-          <a:p>
-            <a:pPr algn="ctr"/>
-            <a:endParaRPr lang="pt-BR"/>
-          </a:p>
-        </p:txBody>
-      </p:sp>
-      <p:sp>
-        <p:nvSpPr>
-          <p:cNvPr id="43" name="Retângulo: Cantos Arredondados 42">
-            <a:extLst>
-              <a:ext uri="{FF2B5EF4-FFF2-40B4-BE49-F238E27FC236}">
-                <a16:creationId xmlns:a16="http://schemas.microsoft.com/office/drawing/2014/main" id="{EFBDF87C-B321-45F5-14E7-7AA73014CC86}"/>
-              </a:ext>
-            </a:extLst>
-          </p:cNvPr>
-          <p:cNvSpPr/>
-          <p:nvPr/>
-        </p:nvSpPr>
-        <p:spPr>
-          <a:xfrm rot="5400000">
-            <a:off x="8773056" y="162042"/>
-            <a:ext cx="715273" cy="1859211"/>
-          </a:xfrm>
-          <a:prstGeom prst="roundRect">
-            <a:avLst/>
-          </a:prstGeom>
-          <a:gradFill flip="none" rotWithShape="0">
-            <a:gsLst>
-              <a:gs pos="29000">
-                <a:srgbClr val="05313D"/>
-              </a:gs>
-              <a:gs pos="52000">
-                <a:srgbClr val="123B47"/>
-              </a:gs>
-              <a:gs pos="70000">
-                <a:srgbClr val="1E4550"/>
-              </a:gs>
-            </a:gsLst>
-            <a:lin ang="2700000" scaled="1"/>
-            <a:tileRect/>
-          </a:gradFill>
-          <a:ln>
-            <a:noFill/>
-          </a:ln>
-          <a:effectLst>
-            <a:outerShdw blurRad="50800" dist="38100" dir="16200000" rotWithShape="0">
-              <a:prstClr val="black">
-                <a:alpha val="40000"/>
-              </a:prstClr>
-            </a:outerShdw>
-          </a:effectLst>
-        </p:spPr>
-        <p:style>
-          <a:lnRef idx="2">
-            <a:schemeClr val="accent1">
-              <a:shade val="50000"/>
-            </a:schemeClr>
-          </a:lnRef>
-          <a:fillRef idx="1">
-            <a:schemeClr val="accent1"/>
-          </a:fillRef>
-          <a:effectRef idx="0">
-            <a:schemeClr val="accent1"/>
-          </a:effectRef>
-          <a:fontRef idx="minor">
-            <a:schemeClr val="lt1"/>
-          </a:fontRef>
-        </p:style>
-        <p:txBody>
-          <a:bodyPr rtlCol="0" anchor="ctr"/>
-          <a:lstStyle/>
-          <a:p>
-            <a:pPr algn="ctr"/>
-            <a:endParaRPr lang="pt-BR"/>
-          </a:p>
-        </p:txBody>
-      </p:sp>
-      <p:sp>
-        <p:nvSpPr>
-          <p:cNvPr id="44" name="Retângulo: Cantos Arredondados 43">
-            <a:extLst>
-              <a:ext uri="{FF2B5EF4-FFF2-40B4-BE49-F238E27FC236}">
-                <a16:creationId xmlns:a16="http://schemas.microsoft.com/office/drawing/2014/main" id="{E25C6F85-8A35-1D0C-37F6-D5B6F2AA5106}"/>
-              </a:ext>
-            </a:extLst>
-          </p:cNvPr>
-          <p:cNvSpPr/>
-          <p:nvPr/>
-        </p:nvSpPr>
-        <p:spPr>
-          <a:xfrm rot="5400000">
-            <a:off x="10699659" y="158391"/>
-            <a:ext cx="715273" cy="1859211"/>
-          </a:xfrm>
-          <a:prstGeom prst="roundRect">
-            <a:avLst/>
-          </a:prstGeom>
-          <a:gradFill flip="none" rotWithShape="0">
-            <a:gsLst>
-              <a:gs pos="29000">
-                <a:srgbClr val="05313D"/>
-              </a:gs>
-              <a:gs pos="52000">
-                <a:srgbClr val="123B47"/>
-              </a:gs>
-              <a:gs pos="70000">
-                <a:srgbClr val="1E4550"/>
-              </a:gs>
-            </a:gsLst>
-            <a:lin ang="2700000" scaled="1"/>
-            <a:tileRect/>
-          </a:gradFill>
-          <a:ln>
-            <a:noFill/>
-          </a:ln>
-          <a:effectLst>
-            <a:outerShdw blurRad="50800" dist="38100" dir="18900000" algn="bl" rotWithShape="0">
-              <a:prstClr val="black">
-                <a:alpha val="40000"/>
-              </a:prstClr>
-            </a:outerShdw>
-          </a:effectLst>
-        </p:spPr>
-        <p:style>
-          <a:lnRef idx="2">
-            <a:schemeClr val="accent1">
-              <a:shade val="50000"/>
-            </a:schemeClr>
-          </a:lnRef>
-          <a:fillRef idx="1">
-            <a:schemeClr val="accent1"/>
-          </a:fillRef>
-          <a:effectRef idx="0">
-            <a:schemeClr val="accent1"/>
-          </a:effectRef>
-          <a:fontRef idx="minor">
-            <a:schemeClr val="lt1"/>
-          </a:fontRef>
-        </p:style>
-        <p:txBody>
-          <a:bodyPr rtlCol="0" anchor="ctr"/>
-          <a:lstStyle/>
-          <a:p>
-            <a:pPr algn="ctr"/>
-            <a:endParaRPr lang="pt-BR"/>
-          </a:p>
-        </p:txBody>
-      </p:sp>
-      <p:sp>
-        <p:nvSpPr>
-          <p:cNvPr id="45" name="Retângulo: Cantos Arredondados 44">
-            <a:extLst>
-              <a:ext uri="{FF2B5EF4-FFF2-40B4-BE49-F238E27FC236}">
-                <a16:creationId xmlns:a16="http://schemas.microsoft.com/office/drawing/2014/main" id="{E9636E49-52DF-A622-E068-2F1444FE0FC1}"/>
-              </a:ext>
-            </a:extLst>
-          </p:cNvPr>
-          <p:cNvSpPr/>
-          <p:nvPr/>
-        </p:nvSpPr>
-        <p:spPr>
-          <a:xfrm rot="5400000">
-            <a:off x="6846453" y="992840"/>
-            <a:ext cx="715273" cy="1859211"/>
-          </a:xfrm>
-          <a:prstGeom prst="roundRect">
-            <a:avLst/>
-          </a:prstGeom>
-          <a:gradFill flip="none" rotWithShape="0">
-            <a:gsLst>
-              <a:gs pos="29000">
-                <a:srgbClr val="05313D"/>
-              </a:gs>
-              <a:gs pos="52000">
-                <a:srgbClr val="123B47"/>
-              </a:gs>
-              <a:gs pos="70000">
-                <a:srgbClr val="1E4550"/>
-              </a:gs>
-            </a:gsLst>
-            <a:lin ang="2700000" scaled="1"/>
-            <a:tileRect/>
-          </a:gradFill>
-          <a:ln>
-            <a:noFill/>
-          </a:ln>
-          <a:effectLst>
-            <a:outerShdw blurRad="63500" sx="102000" sy="102000" algn="ctr" rotWithShape="0">
-              <a:prstClr val="black">
-                <a:alpha val="40000"/>
-              </a:prstClr>
-            </a:outerShdw>
-          </a:effectLst>
-        </p:spPr>
-        <p:style>
-          <a:lnRef idx="2">
-            <a:schemeClr val="accent1">
-              <a:shade val="50000"/>
-            </a:schemeClr>
-          </a:lnRef>
-          <a:fillRef idx="1">
-            <a:schemeClr val="accent1"/>
-          </a:fillRef>
-          <a:effectRef idx="0">
-            <a:schemeClr val="accent1"/>
-          </a:effectRef>
-          <a:fontRef idx="minor">
-            <a:schemeClr val="lt1"/>
-          </a:fontRef>
-        </p:style>
-        <p:txBody>
-          <a:bodyPr rtlCol="0" anchor="ctr"/>
-          <a:lstStyle/>
-          <a:p>
-            <a:pPr algn="ctr"/>
-            <a:endParaRPr lang="pt-BR"/>
-          </a:p>
-        </p:txBody>
-      </p:sp>
-      <p:sp>
-        <p:nvSpPr>
-          <p:cNvPr id="46" name="Retângulo: Cantos Arredondados 45">
-            <a:extLst>
-              <a:ext uri="{FF2B5EF4-FFF2-40B4-BE49-F238E27FC236}">
-                <a16:creationId xmlns:a16="http://schemas.microsoft.com/office/drawing/2014/main" id="{F78D945A-878C-95B0-3DB5-02A2CCDB3456}"/>
-              </a:ext>
-            </a:extLst>
-          </p:cNvPr>
-          <p:cNvSpPr/>
-          <p:nvPr/>
-        </p:nvSpPr>
-        <p:spPr>
-          <a:xfrm rot="5400000">
-            <a:off x="8771716" y="999334"/>
-            <a:ext cx="715273" cy="1859211"/>
-          </a:xfrm>
-          <a:prstGeom prst="roundRect">
-            <a:avLst/>
-          </a:prstGeom>
-          <a:gradFill flip="none" rotWithShape="0">
-            <a:gsLst>
-              <a:gs pos="29000">
-                <a:srgbClr val="05313D"/>
-              </a:gs>
-              <a:gs pos="52000">
-                <a:srgbClr val="123B47"/>
-              </a:gs>
-              <a:gs pos="70000">
-                <a:srgbClr val="1E4550"/>
-              </a:gs>
-            </a:gsLst>
-            <a:lin ang="2700000" scaled="1"/>
-            <a:tileRect/>
-          </a:gradFill>
-          <a:ln>
-            <a:noFill/>
-          </a:ln>
-          <a:effectLst>
-            <a:outerShdw blurRad="63500" sx="102000" sy="102000" algn="ctr" rotWithShape="0">
-              <a:prstClr val="black">
-                <a:alpha val="40000"/>
-              </a:prstClr>
-            </a:outerShdw>
-          </a:effectLst>
-        </p:spPr>
-        <p:style>
-          <a:lnRef idx="2">
-            <a:schemeClr val="accent1">
-              <a:shade val="50000"/>
-            </a:schemeClr>
-          </a:lnRef>
-          <a:fillRef idx="1">
-            <a:schemeClr val="accent1"/>
-          </a:fillRef>
-          <a:effectRef idx="0">
-            <a:schemeClr val="accent1"/>
-          </a:effectRef>
-          <a:fontRef idx="minor">
-            <a:schemeClr val="lt1"/>
-          </a:fontRef>
-        </p:style>
-        <p:txBody>
-          <a:bodyPr rtlCol="0" anchor="ctr"/>
-          <a:lstStyle/>
-          <a:p>
-            <a:pPr algn="ctr"/>
-            <a:endParaRPr lang="pt-BR"/>
-          </a:p>
-        </p:txBody>
-      </p:sp>
-      <p:sp>
-        <p:nvSpPr>
-          <p:cNvPr id="47" name="Retângulo: Cantos Arredondados 46">
-            <a:extLst>
-              <a:ext uri="{FF2B5EF4-FFF2-40B4-BE49-F238E27FC236}">
-                <a16:creationId xmlns:a16="http://schemas.microsoft.com/office/drawing/2014/main" id="{C8CABD5D-3E47-5AE5-E4E5-7BE71D4871CB}"/>
-              </a:ext>
-            </a:extLst>
-          </p:cNvPr>
-          <p:cNvSpPr/>
-          <p:nvPr/>
-        </p:nvSpPr>
-        <p:spPr>
-          <a:xfrm rot="5400000">
-            <a:off x="10699659" y="999333"/>
-            <a:ext cx="715273" cy="1859211"/>
-          </a:xfrm>
-          <a:prstGeom prst="roundRect">
-            <a:avLst/>
-          </a:prstGeom>
-          <a:gradFill flip="none" rotWithShape="0">
-            <a:gsLst>
-              <a:gs pos="29000">
-                <a:srgbClr val="05313D"/>
-              </a:gs>
-              <a:gs pos="52000">
-                <a:srgbClr val="123B47"/>
-              </a:gs>
-              <a:gs pos="70000">
-                <a:srgbClr val="1E4550"/>
-              </a:gs>
-            </a:gsLst>
-            <a:lin ang="2700000" scaled="1"/>
-            <a:tileRect/>
-          </a:gradFill>
-          <a:ln>
-            <a:noFill/>
-          </a:ln>
-          <a:effectLst>
-            <a:outerShdw blurRad="50800" dist="38100" algn="l" rotWithShape="0">
-              <a:prstClr val="black">
-                <a:alpha val="40000"/>
-              </a:prstClr>
-            </a:outerShdw>
-          </a:effectLst>
-        </p:spPr>
-        <p:style>
-          <a:lnRef idx="2">
-            <a:schemeClr val="accent1">
-              <a:shade val="50000"/>
-            </a:schemeClr>
-          </a:lnRef>
-          <a:fillRef idx="1">
-            <a:schemeClr val="accent1"/>
-          </a:fillRef>
-          <a:effectRef idx="0">
-            <a:schemeClr val="accent1"/>
-          </a:effectRef>
-          <a:fontRef idx="minor">
-            <a:schemeClr val="lt1"/>
-          </a:fontRef>
-        </p:style>
-        <p:txBody>
-          <a:bodyPr rtlCol="0" anchor="ctr"/>
-          <a:lstStyle/>
-          <a:p>
-            <a:pPr algn="ctr"/>
-            <a:endParaRPr lang="pt-BR"/>
-          </a:p>
-        </p:txBody>
-      </p:sp>
-      <p:sp>
-        <p:nvSpPr>
-          <p:cNvPr id="48" name="Retângulo: Cantos Arredondados 47">
-            <a:extLst>
-              <a:ext uri="{FF2B5EF4-FFF2-40B4-BE49-F238E27FC236}">
-                <a16:creationId xmlns:a16="http://schemas.microsoft.com/office/drawing/2014/main" id="{5CAC9684-C2E3-6DD2-2B24-4B9EC59257D3}"/>
-              </a:ext>
-            </a:extLst>
-          </p:cNvPr>
-          <p:cNvSpPr/>
-          <p:nvPr/>
-        </p:nvSpPr>
-        <p:spPr>
-          <a:xfrm rot="5400000">
-            <a:off x="8801221" y="5432810"/>
-            <a:ext cx="715273" cy="1859211"/>
-          </a:xfrm>
-          <a:prstGeom prst="roundRect">
-            <a:avLst/>
-          </a:prstGeom>
-          <a:gradFill flip="none" rotWithShape="0">
-            <a:gsLst>
-              <a:gs pos="29000">
-                <a:srgbClr val="05313D"/>
-              </a:gs>
-              <a:gs pos="52000">
-                <a:srgbClr val="123B47"/>
-              </a:gs>
-              <a:gs pos="70000">
-                <a:srgbClr val="1E4550"/>
-              </a:gs>
-            </a:gsLst>
-            <a:lin ang="2700000" scaled="1"/>
-            <a:tileRect/>
-          </a:gradFill>
-          <a:ln>
-            <a:noFill/>
-          </a:ln>
-          <a:effectLst>
-            <a:outerShdw blurRad="50800" dist="38100" dir="5400000" algn="t" rotWithShape="0">
-              <a:prstClr val="black">
-                <a:alpha val="40000"/>
-              </a:prstClr>
-            </a:outerShdw>
-          </a:effectLst>
-        </p:spPr>
-        <p:style>
-          <a:lnRef idx="2">
-            <a:schemeClr val="accent1">
-              <a:shade val="50000"/>
-            </a:schemeClr>
-          </a:lnRef>
-          <a:fillRef idx="1">
-            <a:schemeClr val="accent1"/>
-          </a:fillRef>
-          <a:effectRef idx="0">
-            <a:schemeClr val="accent1"/>
-          </a:effectRef>
-          <a:fontRef idx="minor">
-            <a:schemeClr val="lt1"/>
-          </a:fontRef>
-        </p:style>
-        <p:txBody>
-          <a:bodyPr rtlCol="0" anchor="ctr"/>
-          <a:lstStyle/>
-          <a:p>
-            <a:pPr algn="ctr"/>
-            <a:endParaRPr lang="pt-BR" dirty="0"/>
-          </a:p>
-        </p:txBody>
-      </p:sp>
-      <p:sp>
-        <p:nvSpPr>
-          <p:cNvPr id="49" name="Retângulo: Cantos Arredondados 48">
-            <a:extLst>
-              <a:ext uri="{FF2B5EF4-FFF2-40B4-BE49-F238E27FC236}">
-                <a16:creationId xmlns:a16="http://schemas.microsoft.com/office/drawing/2014/main" id="{21B88E4E-CBC4-14D5-9741-C7C56AA4F403}"/>
-              </a:ext>
-            </a:extLst>
-          </p:cNvPr>
-          <p:cNvSpPr/>
-          <p:nvPr/>
-        </p:nvSpPr>
-        <p:spPr>
-          <a:xfrm>
-            <a:off x="1038707" y="69933"/>
-            <a:ext cx="3364273" cy="461666"/>
-          </a:xfrm>
-          <a:prstGeom prst="roundRect">
-            <a:avLst/>
-          </a:prstGeom>
-          <a:gradFill flip="none" rotWithShape="1">
-            <a:gsLst>
-              <a:gs pos="0">
-                <a:srgbClr val="506E77">
-                  <a:shade val="30000"/>
-                  <a:satMod val="115000"/>
-                </a:srgbClr>
-              </a:gs>
-              <a:gs pos="50000">
-                <a:srgbClr val="506E77">
-                  <a:shade val="67500"/>
-                  <a:satMod val="115000"/>
-                </a:srgbClr>
-              </a:gs>
-              <a:gs pos="100000">
-                <a:srgbClr val="506E77">
-                  <a:shade val="100000"/>
-                  <a:satMod val="115000"/>
-                </a:srgbClr>
-              </a:gs>
-            </a:gsLst>
-            <a:lin ang="18900000" scaled="1"/>
-            <a:tileRect/>
-          </a:gradFill>
-          <a:ln>
-            <a:noFill/>
-          </a:ln>
-          <a:effectLst>
-            <a:outerShdw blurRad="50800" dist="38100" dir="8100000" algn="tr" rotWithShape="0">
-              <a:prstClr val="black">
-                <a:alpha val="40000"/>
-              </a:prstClr>
-            </a:outerShdw>
-          </a:effectLst>
-        </p:spPr>
-        <p:style>
-          <a:lnRef idx="2">
-            <a:schemeClr val="accent1">
-              <a:shade val="50000"/>
-            </a:schemeClr>
-          </a:lnRef>
-          <a:fillRef idx="1">
-            <a:schemeClr val="accent1"/>
-          </a:fillRef>
-          <a:effectRef idx="0">
-            <a:schemeClr val="accent1"/>
-          </a:effectRef>
-          <a:fontRef idx="minor">
-            <a:schemeClr val="lt1"/>
-          </a:fontRef>
-        </p:style>
-        <p:txBody>
-          <a:bodyPr rtlCol="0" anchor="ctr"/>
-          <a:lstStyle/>
-          <a:p>
-            <a:pPr algn="ctr"/>
-            <a:endParaRPr lang="pt-BR"/>
-          </a:p>
-        </p:txBody>
-      </p:sp>
-      <p:sp>
-        <p:nvSpPr>
-          <p:cNvPr id="50" name="CaixaDeTexto 49">
-            <a:extLst>
-              <a:ext uri="{FF2B5EF4-FFF2-40B4-BE49-F238E27FC236}">
-                <a16:creationId xmlns:a16="http://schemas.microsoft.com/office/drawing/2014/main" id="{FC4D271A-45D9-58BD-738D-062F6942BEF0}"/>
-              </a:ext>
-            </a:extLst>
-          </p:cNvPr>
-          <p:cNvSpPr txBox="1">
-            <a:spLocks/>
-          </p:cNvSpPr>
-          <p:nvPr/>
-        </p:nvSpPr>
-        <p:spPr>
-          <a:xfrm>
-            <a:off x="1058421" y="69934"/>
-            <a:ext cx="3037329" cy="461665"/>
-          </a:xfrm>
-          <a:prstGeom prst="rect">
-            <a:avLst/>
-          </a:prstGeom>
-          <a:noFill/>
-          <a:effectLst>
-            <a:outerShdw blurRad="50800" dist="38100" dir="2700000" algn="tl" rotWithShape="0">
-              <a:prstClr val="black">
-                <a:alpha val="40000"/>
-              </a:prstClr>
-            </a:outerShdw>
-          </a:effectLst>
-        </p:spPr>
-        <p:txBody>
-          <a:bodyPr wrap="square" rtlCol="0">
-            <a:spAutoFit/>
-          </a:bodyPr>
-          <a:lstStyle/>
-          <a:p>
+          <a:scene3d>
+            <a:camera prst="orthographicFront">
+              <a:rot lat="0" lon="0" rev="0"/>
+            </a:camera>
+            <a:lightRig rig="balanced" dir="t">
+              <a:rot lat="0" lon="0" rev="8700000"/>
+            </a:lightRig>
+          </a:scene3d>
+          <a:sp3d>
+            <a:bevelT w="190500" h="38100"/>
+          </a:sp3d>
+        </p:spPr>
+        <p:style>
+          <a:lnRef idx="2">
+            <a:schemeClr val="accent1">
+              <a:shade val="50000"/>
+            </a:schemeClr>
+          </a:lnRef>
+          <a:fillRef idx="1">
+            <a:schemeClr val="accent1"/>
+          </a:fillRef>
+          <a:effectRef idx="0">
+            <a:schemeClr val="accent1"/>
+          </a:effectRef>
+          <a:fontRef idx="minor">
+            <a:schemeClr val="lt1"/>
+          </a:fontRef>
+        </p:style>
+        <p:txBody>
+          <a:bodyPr rtlCol="0" anchor="ctr"/>
+          <a:lstStyle/>
+          <a:p>
+            <a:pPr algn="ctr"/>
             <a:r>
-              <a:rPr lang="pt-BR" sz="2400" b="1" dirty="0">
-                <a:solidFill>
-                  <a:schemeClr val="bg1">
-                    <a:lumMod val="85000"/>
-                  </a:schemeClr>
-                </a:solidFill>
-              </a:rPr>
-              <a:t>Uniforme Feminino</a:t>
+              <a:rPr lang="pt-BR" sz="1000" b="1" dirty="0"/>
+              <a:t>CONTROLE DE ESTQOUE</a:t>
             </a:r>
-          </a:p>
-        </p:txBody>
-      </p:sp>
-      <p:sp>
-        <p:nvSpPr>
-          <p:cNvPr id="51" name="Retângulo: Cantos Arredondados 50">
-            <a:extLst>
-              <a:ext uri="{FF2B5EF4-FFF2-40B4-BE49-F238E27FC236}">
-                <a16:creationId xmlns:a16="http://schemas.microsoft.com/office/drawing/2014/main" id="{977D8EB5-93B3-1592-BC57-E237DD8673E2}"/>
-              </a:ext>
-            </a:extLst>
-          </p:cNvPr>
-          <p:cNvSpPr/>
-          <p:nvPr/>
-        </p:nvSpPr>
-        <p:spPr>
-          <a:xfrm rot="5400000">
-            <a:off x="8801221" y="1842562"/>
-            <a:ext cx="715273" cy="1859211"/>
-          </a:xfrm>
-          <a:prstGeom prst="roundRect">
-            <a:avLst/>
-          </a:prstGeom>
-          <a:gradFill flip="none" rotWithShape="0">
-            <a:gsLst>
-              <a:gs pos="29000">
-                <a:srgbClr val="05313D"/>
-              </a:gs>
-              <a:gs pos="52000">
-                <a:srgbClr val="123B47"/>
-              </a:gs>
-              <a:gs pos="70000">
-                <a:srgbClr val="1E4550"/>
-              </a:gs>
-            </a:gsLst>
-            <a:lin ang="2700000" scaled="1"/>
-            <a:tileRect/>
-          </a:gradFill>
-          <a:ln>
-            <a:noFill/>
-          </a:ln>
-          <a:effectLst>
-            <a:outerShdw blurRad="50800" dist="38100" dir="5400000" algn="t" rotWithShape="0">
-              <a:prstClr val="black">
-                <a:alpha val="40000"/>
-              </a:prstClr>
-            </a:outerShdw>
-          </a:effectLst>
-        </p:spPr>
-        <p:style>
-          <a:lnRef idx="2">
-            <a:schemeClr val="accent1">
-              <a:shade val="50000"/>
-            </a:schemeClr>
-          </a:lnRef>
-          <a:fillRef idx="1">
-            <a:schemeClr val="accent1"/>
-          </a:fillRef>
-          <a:effectRef idx="0">
-            <a:schemeClr val="accent1"/>
-          </a:effectRef>
-          <a:fontRef idx="minor">
-            <a:schemeClr val="lt1"/>
-          </a:fontRef>
-        </p:style>
-        <p:txBody>
-          <a:bodyPr rtlCol="0" anchor="ctr"/>
-          <a:lstStyle/>
-          <a:p>
-            <a:pPr algn="ctr"/>
-            <a:endParaRPr lang="pt-BR" dirty="0"/>
           </a:p>
         </p:txBody>
       </p:sp>
@@ -8204,10 +8354,10 @@
       </p:sp>
       <p:sp>
         <p:nvSpPr>
-          <p:cNvPr id="4" name="Retângulo: Cantos Arredondados 3">
-            <a:extLst>
-              <a:ext uri="{FF2B5EF4-FFF2-40B4-BE49-F238E27FC236}">
-                <a16:creationId xmlns:a16="http://schemas.microsoft.com/office/drawing/2014/main" id="{CE9EA477-BCDD-43FE-57AF-866C85042526}"/>
+          <p:cNvPr id="7" name="Retângulo: Cantos Arredondados 6">
+            <a:extLst>
+              <a:ext uri="{FF2B5EF4-FFF2-40B4-BE49-F238E27FC236}">
+                <a16:creationId xmlns:a16="http://schemas.microsoft.com/office/drawing/2014/main" id="{D383C4CC-4D03-517A-821B-EFF87374DA43}"/>
               </a:ext>
             </a:extLst>
           </p:cNvPr>
@@ -8216,8 +8366,209 @@
         </p:nvSpPr>
         <p:spPr>
           <a:xfrm>
-            <a:off x="38444" y="3227888"/>
+            <a:off x="1038707" y="69933"/>
+            <a:ext cx="3364273" cy="461666"/>
+          </a:xfrm>
+          <a:prstGeom prst="roundRect">
+            <a:avLst/>
+          </a:prstGeom>
+          <a:gradFill flip="none" rotWithShape="1">
+            <a:gsLst>
+              <a:gs pos="0">
+                <a:srgbClr val="506E77">
+                  <a:shade val="30000"/>
+                  <a:satMod val="115000"/>
+                </a:srgbClr>
+              </a:gs>
+              <a:gs pos="50000">
+                <a:srgbClr val="506E77">
+                  <a:shade val="67500"/>
+                  <a:satMod val="115000"/>
+                </a:srgbClr>
+              </a:gs>
+              <a:gs pos="100000">
+                <a:srgbClr val="506E77">
+                  <a:shade val="100000"/>
+                  <a:satMod val="115000"/>
+                </a:srgbClr>
+              </a:gs>
+            </a:gsLst>
+            <a:lin ang="18900000" scaled="1"/>
+            <a:tileRect/>
+          </a:gradFill>
+          <a:ln>
+            <a:noFill/>
+          </a:ln>
+          <a:effectLst>
+            <a:outerShdw blurRad="50800" dist="38100" dir="8100000" algn="tr" rotWithShape="0">
+              <a:prstClr val="black">
+                <a:alpha val="40000"/>
+              </a:prstClr>
+            </a:outerShdw>
+          </a:effectLst>
+        </p:spPr>
+        <p:style>
+          <a:lnRef idx="2">
+            <a:schemeClr val="accent1">
+              <a:shade val="50000"/>
+            </a:schemeClr>
+          </a:lnRef>
+          <a:fillRef idx="1">
+            <a:schemeClr val="accent1"/>
+          </a:fillRef>
+          <a:effectRef idx="0">
+            <a:schemeClr val="accent1"/>
+          </a:effectRef>
+          <a:fontRef idx="minor">
+            <a:schemeClr val="lt1"/>
+          </a:fontRef>
+        </p:style>
+        <p:txBody>
+          <a:bodyPr rtlCol="0" anchor="ctr"/>
+          <a:lstStyle/>
+          <a:p>
+            <a:pPr algn="ctr"/>
+            <a:endParaRPr lang="pt-BR" u="sng"/>
+          </a:p>
+        </p:txBody>
+      </p:sp>
+      <p:sp>
+        <p:nvSpPr>
+          <p:cNvPr id="8" name="CaixaDeTexto 7">
+            <a:extLst>
+              <a:ext uri="{FF2B5EF4-FFF2-40B4-BE49-F238E27FC236}">
+                <a16:creationId xmlns:a16="http://schemas.microsoft.com/office/drawing/2014/main" id="{7BA40852-8483-3182-B108-034D89D346AC}"/>
+              </a:ext>
+            </a:extLst>
+          </p:cNvPr>
+          <p:cNvSpPr txBox="1">
+            <a:spLocks/>
+          </p:cNvSpPr>
+          <p:nvPr/>
+        </p:nvSpPr>
+        <p:spPr>
+          <a:xfrm>
+            <a:off x="1058421" y="69934"/>
+            <a:ext cx="3037329" cy="461665"/>
+          </a:xfrm>
+          <a:prstGeom prst="rect">
+            <a:avLst/>
+          </a:prstGeom>
+          <a:noFill/>
+          <a:effectLst>
+            <a:outerShdw blurRad="50800" dist="38100" dir="2700000" algn="tl" rotWithShape="0">
+              <a:prstClr val="black">
+                <a:alpha val="40000"/>
+              </a:prstClr>
+            </a:outerShdw>
+          </a:effectLst>
+        </p:spPr>
+        <p:txBody>
+          <a:bodyPr wrap="square" rtlCol="0">
+            <a:spAutoFit/>
+          </a:bodyPr>
+          <a:lstStyle/>
+          <a:p>
+            <a:r>
+              <a:rPr lang="pt-BR" sz="2400" b="1" dirty="0">
+                <a:solidFill>
+                  <a:schemeClr val="bg1">
+                    <a:lumMod val="85000"/>
+                  </a:schemeClr>
+                </a:solidFill>
+              </a:rPr>
+              <a:t>Uniforme Masculino</a:t>
+            </a:r>
+          </a:p>
+        </p:txBody>
+      </p:sp>
+      <p:sp>
+        <p:nvSpPr>
+          <p:cNvPr id="14" name="Retângulo: Cantos Arredondados 13">
+            <a:extLst>
+              <a:ext uri="{FF2B5EF4-FFF2-40B4-BE49-F238E27FC236}">
+                <a16:creationId xmlns:a16="http://schemas.microsoft.com/office/drawing/2014/main" id="{5EC1F44F-4B2D-9AF6-FEBA-A7E87ED32DAB}"/>
+              </a:ext>
+            </a:extLst>
+          </p:cNvPr>
+          <p:cNvSpPr/>
+          <p:nvPr/>
+        </p:nvSpPr>
+        <p:spPr>
+          <a:xfrm>
+            <a:off x="38443" y="2078733"/>
             <a:ext cx="915845" cy="516923"/>
+          </a:xfrm>
+          <a:prstGeom prst="roundRect">
+            <a:avLst/>
+          </a:prstGeom>
+          <a:solidFill>
+            <a:srgbClr val="8DA0A6"/>
+          </a:solidFill>
+          <a:ln>
+            <a:noFill/>
+          </a:ln>
+          <a:effectLst/>
+          <a:scene3d>
+            <a:camera prst="orthographicFront">
+              <a:rot lat="0" lon="0" rev="0"/>
+            </a:camera>
+            <a:lightRig rig="glow" dir="t">
+              <a:rot lat="0" lon="0" rev="14100000"/>
+            </a:lightRig>
+          </a:scene3d>
+          <a:sp3d prstMaterial="softEdge">
+            <a:bevelT w="127000" prst="artDeco"/>
+          </a:sp3d>
+        </p:spPr>
+        <p:style>
+          <a:lnRef idx="2">
+            <a:schemeClr val="accent1">
+              <a:shade val="50000"/>
+            </a:schemeClr>
+          </a:lnRef>
+          <a:fillRef idx="1">
+            <a:schemeClr val="accent1"/>
+          </a:fillRef>
+          <a:effectRef idx="0">
+            <a:schemeClr val="accent1"/>
+          </a:effectRef>
+          <a:fontRef idx="minor">
+            <a:schemeClr val="lt1"/>
+          </a:fontRef>
+        </p:style>
+        <p:txBody>
+          <a:bodyPr rtlCol="0" anchor="ctr"/>
+          <a:lstStyle/>
+          <a:p>
+            <a:pPr algn="ctr"/>
+            <a:r>
+              <a:rPr lang="pt-BR" sz="1000" b="1" dirty="0">
+                <a:solidFill>
+                  <a:srgbClr val="1E4550"/>
+                </a:solidFill>
+              </a:rPr>
+              <a:t>UNIFORME MASCULINO</a:t>
+            </a:r>
+          </a:p>
+        </p:txBody>
+      </p:sp>
+      <p:sp>
+        <p:nvSpPr>
+          <p:cNvPr id="15" name="Retângulo: Cantos Arredondados 14">
+            <a:extLst>
+              <a:ext uri="{FF2B5EF4-FFF2-40B4-BE49-F238E27FC236}">
+                <a16:creationId xmlns:a16="http://schemas.microsoft.com/office/drawing/2014/main" id="{A06A2077-6966-2456-C122-B7B2ECF6D2D5}"/>
+              </a:ext>
+            </a:extLst>
+          </p:cNvPr>
+          <p:cNvSpPr/>
+          <p:nvPr/>
+        </p:nvSpPr>
+        <p:spPr>
+          <a:xfrm>
+            <a:off x="45771" y="1296262"/>
+            <a:ext cx="924613" cy="516923"/>
           </a:xfrm>
           <a:prstGeom prst="roundRect">
             <a:avLst/>
@@ -8270,17 +8621,17 @@
             <a:pPr algn="ctr"/>
             <a:r>
               <a:rPr lang="pt-BR" sz="1000" b="1" dirty="0"/>
-              <a:t>ENTRADA E SAIDA</a:t>
+              <a:t>UNIFORME FEMININO</a:t>
             </a:r>
           </a:p>
         </p:txBody>
       </p:sp>
       <p:sp>
         <p:nvSpPr>
-          <p:cNvPr id="5" name="Retângulo: Cantos Arredondados 4">
-            <a:extLst>
-              <a:ext uri="{FF2B5EF4-FFF2-40B4-BE49-F238E27FC236}">
-                <a16:creationId xmlns:a16="http://schemas.microsoft.com/office/drawing/2014/main" id="{61E960FC-E063-865F-D163-45960A218259}"/>
+          <p:cNvPr id="16" name="Retângulo: Cantos Arredondados 15">
+            <a:extLst>
+              <a:ext uri="{FF2B5EF4-FFF2-40B4-BE49-F238E27FC236}">
+                <a16:creationId xmlns:a16="http://schemas.microsoft.com/office/drawing/2014/main" id="{0D594596-4A2A-8659-3369-73573D00EF5C}"/>
               </a:ext>
             </a:extLst>
           </p:cNvPr>
@@ -8289,8 +8640,8 @@
         </p:nvSpPr>
         <p:spPr>
           <a:xfrm>
-            <a:off x="45771" y="1672277"/>
-            <a:ext cx="924613" cy="516923"/>
+            <a:off x="45770" y="4426146"/>
+            <a:ext cx="915845" cy="516923"/>
           </a:xfrm>
           <a:prstGeom prst="roundRect">
             <a:avLst/>
@@ -8343,17 +8694,17 @@
             <a:pPr algn="ctr"/>
             <a:r>
               <a:rPr lang="pt-BR" sz="1000" b="1" dirty="0"/>
-              <a:t>UNIFORME FEMININO</a:t>
+              <a:t>COLETES</a:t>
             </a:r>
           </a:p>
         </p:txBody>
       </p:sp>
       <p:sp>
         <p:nvSpPr>
-          <p:cNvPr id="6" name="Retângulo: Cantos Arredondados 5">
-            <a:extLst>
-              <a:ext uri="{FF2B5EF4-FFF2-40B4-BE49-F238E27FC236}">
-                <a16:creationId xmlns:a16="http://schemas.microsoft.com/office/drawing/2014/main" id="{DFA71942-C3B5-8BF0-2937-914A1AFC8BF2}"/>
+          <p:cNvPr id="17" name="Retângulo: Cantos Arredondados 16">
+            <a:extLst>
+              <a:ext uri="{FF2B5EF4-FFF2-40B4-BE49-F238E27FC236}">
+                <a16:creationId xmlns:a16="http://schemas.microsoft.com/office/drawing/2014/main" id="{F76FE69E-94E3-AB64-CA80-343A18AE1CAE}"/>
               </a:ext>
             </a:extLst>
           </p:cNvPr>
@@ -8362,29 +8713,35 @@
         </p:nvSpPr>
         <p:spPr>
           <a:xfrm>
-            <a:off x="38444" y="2454748"/>
+            <a:off x="45769" y="3628328"/>
             <a:ext cx="915845" cy="516923"/>
           </a:xfrm>
           <a:prstGeom prst="roundRect">
             <a:avLst/>
           </a:prstGeom>
           <a:solidFill>
-            <a:srgbClr val="A0B0B5"/>
+            <a:srgbClr val="547179"/>
           </a:solidFill>
           <a:ln>
             <a:noFill/>
           </a:ln>
-          <a:effectLst/>
+          <a:effectLst>
+            <a:outerShdw blurRad="44450" dist="27940" dir="5400000" algn="ctr">
+              <a:srgbClr val="000000">
+                <a:alpha val="32000"/>
+              </a:srgbClr>
+            </a:outerShdw>
+          </a:effectLst>
           <a:scene3d>
             <a:camera prst="orthographicFront">
               <a:rot lat="0" lon="0" rev="0"/>
             </a:camera>
-            <a:lightRig rig="glow" dir="t">
-              <a:rot lat="0" lon="0" rev="14100000"/>
+            <a:lightRig rig="balanced" dir="t">
+              <a:rot lat="0" lon="0" rev="8700000"/>
             </a:lightRig>
           </a:scene3d>
-          <a:sp3d prstMaterial="softEdge">
-            <a:bevelT w="127000" prst="artDeco"/>
+          <a:sp3d>
+            <a:bevelT w="190500" h="38100"/>
           </a:sp3d>
         </p:spPr>
         <p:style>
@@ -8411,20 +8768,20 @@
             <a:r>
               <a:rPr lang="pt-BR" sz="1000" b="1" dirty="0">
                 <a:solidFill>
-                  <a:srgbClr val="1D4450"/>
+                  <a:schemeClr val="bg1"/>
                 </a:solidFill>
               </a:rPr>
-              <a:t>UNIFORME MASCULINO</a:t>
+              <a:t>ACESSORIOS</a:t>
             </a:r>
           </a:p>
         </p:txBody>
       </p:sp>
       <p:sp>
         <p:nvSpPr>
-          <p:cNvPr id="7" name="Retângulo: Cantos Arredondados 6">
-            <a:extLst>
-              <a:ext uri="{FF2B5EF4-FFF2-40B4-BE49-F238E27FC236}">
-                <a16:creationId xmlns:a16="http://schemas.microsoft.com/office/drawing/2014/main" id="{D383C4CC-4D03-517A-821B-EFF87374DA43}"/>
+          <p:cNvPr id="19" name="Retângulo: Cantos Arredondados 18">
+            <a:extLst>
+              <a:ext uri="{FF2B5EF4-FFF2-40B4-BE49-F238E27FC236}">
+                <a16:creationId xmlns:a16="http://schemas.microsoft.com/office/drawing/2014/main" id="{1744936E-3F5E-4906-B815-B30F550A6F76}"/>
               </a:ext>
             </a:extLst>
           </p:cNvPr>
@@ -8433,118 +8790,61 @@
         </p:nvSpPr>
         <p:spPr>
           <a:xfrm>
-            <a:off x="1038707" y="69933"/>
-            <a:ext cx="3364273" cy="461666"/>
-          </a:xfrm>
-          <a:prstGeom prst="roundRect">
-            <a:avLst/>
-          </a:prstGeom>
-          <a:gradFill flip="none" rotWithShape="1">
-            <a:gsLst>
-              <a:gs pos="0">
-                <a:srgbClr val="506E77">
-                  <a:shade val="30000"/>
-                  <a:satMod val="115000"/>
-                </a:srgbClr>
-              </a:gs>
-              <a:gs pos="50000">
-                <a:srgbClr val="506E77">
-                  <a:shade val="67500"/>
-                  <a:satMod val="115000"/>
-                </a:srgbClr>
-              </a:gs>
-              <a:gs pos="100000">
-                <a:srgbClr val="506E77">
-                  <a:shade val="100000"/>
-                  <a:satMod val="115000"/>
-                </a:srgbClr>
-              </a:gs>
-            </a:gsLst>
-            <a:lin ang="18900000" scaled="1"/>
-            <a:tileRect/>
-          </a:gradFill>
+            <a:off x="38442" y="2845857"/>
+            <a:ext cx="915845" cy="516923"/>
+          </a:xfrm>
+          <a:prstGeom prst="roundRect">
+            <a:avLst/>
+          </a:prstGeom>
+          <a:solidFill>
+            <a:srgbClr val="506E77"/>
+          </a:solidFill>
           <a:ln>
             <a:noFill/>
           </a:ln>
           <a:effectLst>
-            <a:outerShdw blurRad="50800" dist="38100" dir="8100000" algn="tr" rotWithShape="0">
-              <a:prstClr val="black">
-                <a:alpha val="40000"/>
-              </a:prstClr>
+            <a:outerShdw blurRad="44450" dist="27940" dir="5400000" algn="ctr">
+              <a:srgbClr val="000000">
+                <a:alpha val="32000"/>
+              </a:srgbClr>
             </a:outerShdw>
           </a:effectLst>
-        </p:spPr>
-        <p:style>
-          <a:lnRef idx="2">
-            <a:schemeClr val="accent1">
-              <a:shade val="50000"/>
-            </a:schemeClr>
-          </a:lnRef>
-          <a:fillRef idx="1">
-            <a:schemeClr val="accent1"/>
-          </a:fillRef>
-          <a:effectRef idx="0">
-            <a:schemeClr val="accent1"/>
-          </a:effectRef>
-          <a:fontRef idx="minor">
-            <a:schemeClr val="lt1"/>
-          </a:fontRef>
-        </p:style>
-        <p:txBody>
-          <a:bodyPr rtlCol="0" anchor="ctr"/>
-          <a:lstStyle/>
-          <a:p>
-            <a:pPr algn="ctr"/>
-            <a:endParaRPr lang="pt-BR" u="sng"/>
-          </a:p>
-        </p:txBody>
-      </p:sp>
-      <p:sp>
-        <p:nvSpPr>
-          <p:cNvPr id="8" name="CaixaDeTexto 7">
-            <a:extLst>
-              <a:ext uri="{FF2B5EF4-FFF2-40B4-BE49-F238E27FC236}">
-                <a16:creationId xmlns:a16="http://schemas.microsoft.com/office/drawing/2014/main" id="{7BA40852-8483-3182-B108-034D89D346AC}"/>
-              </a:ext>
-            </a:extLst>
-          </p:cNvPr>
-          <p:cNvSpPr txBox="1">
-            <a:spLocks/>
-          </p:cNvSpPr>
-          <p:nvPr/>
-        </p:nvSpPr>
-        <p:spPr>
-          <a:xfrm>
-            <a:off x="1058421" y="69934"/>
-            <a:ext cx="3037329" cy="461665"/>
-          </a:xfrm>
-          <a:prstGeom prst="rect">
-            <a:avLst/>
-          </a:prstGeom>
-          <a:noFill/>
-          <a:effectLst>
-            <a:outerShdw blurRad="50800" dist="38100" dir="2700000" algn="tl" rotWithShape="0">
-              <a:prstClr val="black">
-                <a:alpha val="40000"/>
-              </a:prstClr>
-            </a:outerShdw>
-          </a:effectLst>
-        </p:spPr>
-        <p:txBody>
-          <a:bodyPr wrap="square" rtlCol="0">
-            <a:spAutoFit/>
-          </a:bodyPr>
-          <a:lstStyle/>
-          <a:p>
+          <a:scene3d>
+            <a:camera prst="orthographicFront">
+              <a:rot lat="0" lon="0" rev="0"/>
+            </a:camera>
+            <a:lightRig rig="balanced" dir="t">
+              <a:rot lat="0" lon="0" rev="8700000"/>
+            </a:lightRig>
+          </a:scene3d>
+          <a:sp3d>
+            <a:bevelT w="190500" h="38100"/>
+          </a:sp3d>
+        </p:spPr>
+        <p:style>
+          <a:lnRef idx="2">
+            <a:schemeClr val="accent1">
+              <a:shade val="50000"/>
+            </a:schemeClr>
+          </a:lnRef>
+          <a:fillRef idx="1">
+            <a:schemeClr val="accent1"/>
+          </a:fillRef>
+          <a:effectRef idx="0">
+            <a:schemeClr val="accent1"/>
+          </a:effectRef>
+          <a:fontRef idx="minor">
+            <a:schemeClr val="lt1"/>
+          </a:fontRef>
+        </p:style>
+        <p:txBody>
+          <a:bodyPr rtlCol="0" anchor="ctr"/>
+          <a:lstStyle/>
+          <a:p>
+            <a:pPr algn="ctr"/>
             <a:r>
-              <a:rPr lang="pt-BR" sz="2400" b="1" dirty="0">
-                <a:solidFill>
-                  <a:schemeClr val="bg1">
-                    <a:lumMod val="85000"/>
-                  </a:schemeClr>
-                </a:solidFill>
-              </a:rPr>
-              <a:t>Uniforme Masculino</a:t>
+              <a:rPr lang="pt-BR" sz="1000" b="1" dirty="0"/>
+              <a:t>CONTROLE DE ESTQOUE</a:t>
             </a:r>
           </a:p>
         </p:txBody>
@@ -8578,7 +8878,7 @@
         <p:cNvPr id="1" name="">
           <a:extLst>
             <a:ext uri="{FF2B5EF4-FFF2-40B4-BE49-F238E27FC236}">
-              <a16:creationId xmlns:a16="http://schemas.microsoft.com/office/drawing/2014/main" id="{F00EA46F-A076-D12E-47B5-60AB5AD16158}"/>
+              <a16:creationId xmlns:a16="http://schemas.microsoft.com/office/drawing/2014/main" id="{F4DEF2CE-DFEB-C5FF-2822-3C86E6EA9CB2}"/>
             </a:ext>
           </a:extLst>
         </p:cNvPr>
@@ -8595,10 +8895,10 @@
       </p:grpSpPr>
       <p:sp>
         <p:nvSpPr>
-          <p:cNvPr id="2" name="Retângulo: Cantos Arredondados 1">
-            <a:extLst>
-              <a:ext uri="{FF2B5EF4-FFF2-40B4-BE49-F238E27FC236}">
-                <a16:creationId xmlns:a16="http://schemas.microsoft.com/office/drawing/2014/main" id="{854E03E9-5466-09F4-7DB7-9EFFFC52D181}"/>
+          <p:cNvPr id="52" name="Retângulo: Cantos Arredondados 51">
+            <a:extLst>
+              <a:ext uri="{FF2B5EF4-FFF2-40B4-BE49-F238E27FC236}">
+                <a16:creationId xmlns:a16="http://schemas.microsoft.com/office/drawing/2014/main" id="{4EEA2246-AC97-EEE7-2E3E-E128543A3E2F}"/>
               </a:ext>
             </a:extLst>
           </p:cNvPr>
@@ -8647,81 +8947,12 @@
           </a:p>
         </p:txBody>
       </p:sp>
-      <p:sp>
-        <p:nvSpPr>
-          <p:cNvPr id="37" name="Retângulo: Cantos Arredondados 36">
-            <a:extLst>
-              <a:ext uri="{FF2B5EF4-FFF2-40B4-BE49-F238E27FC236}">
-                <a16:creationId xmlns:a16="http://schemas.microsoft.com/office/drawing/2014/main" id="{8E365C70-0EF3-D339-D082-C98E3953A92F}"/>
-              </a:ext>
-            </a:extLst>
-          </p:cNvPr>
-          <p:cNvSpPr/>
-          <p:nvPr/>
-        </p:nvSpPr>
-        <p:spPr>
-          <a:xfrm rot="5400000">
-            <a:off x="5784428" y="-5799900"/>
-            <a:ext cx="632473" cy="12201332"/>
-          </a:xfrm>
-          <a:prstGeom prst="roundRect">
-            <a:avLst>
-              <a:gd name="adj" fmla="val 0"/>
-            </a:avLst>
-          </a:prstGeom>
-          <a:gradFill flip="none" rotWithShape="1">
-            <a:gsLst>
-              <a:gs pos="82400">
-                <a:srgbClr val="1D4450"/>
-              </a:gs>
-              <a:gs pos="0">
-                <a:srgbClr val="05313D"/>
-              </a:gs>
-              <a:gs pos="50000">
-                <a:srgbClr val="1E4550"/>
-              </a:gs>
-              <a:gs pos="100000">
-                <a:srgbClr val="0E3844"/>
-              </a:gs>
-            </a:gsLst>
-            <a:lin ang="13500000" scaled="1"/>
-            <a:tileRect/>
-          </a:gradFill>
-          <a:ln>
-            <a:noFill/>
-          </a:ln>
-        </p:spPr>
-        <p:style>
-          <a:lnRef idx="2">
-            <a:schemeClr val="accent1">
-              <a:shade val="50000"/>
-            </a:schemeClr>
-          </a:lnRef>
-          <a:fillRef idx="1">
-            <a:schemeClr val="accent1"/>
-          </a:fillRef>
-          <a:effectRef idx="0">
-            <a:schemeClr val="accent1"/>
-          </a:effectRef>
-          <a:fontRef idx="minor">
-            <a:schemeClr val="lt1"/>
-          </a:fontRef>
-        </p:style>
-        <p:txBody>
-          <a:bodyPr rtlCol="0" anchor="ctr"/>
-          <a:lstStyle/>
-          <a:p>
-            <a:pPr algn="ctr"/>
-            <a:endParaRPr lang="pt-BR"/>
-          </a:p>
-        </p:txBody>
-      </p:sp>
       <p:pic>
         <p:nvPicPr>
-          <p:cNvPr id="18" name="Imagem 17" descr="Logotipo&#10;&#10;Descrição gerada automaticamente com confiança média">
-            <a:extLst>
-              <a:ext uri="{FF2B5EF4-FFF2-40B4-BE49-F238E27FC236}">
-                <a16:creationId xmlns:a16="http://schemas.microsoft.com/office/drawing/2014/main" id="{B8D5191A-2DCD-EBDD-4D39-25B3394C19A0}"/>
+          <p:cNvPr id="24" name="Imagem 23" descr="Logotipo&#10;&#10;Descrição gerada automaticamente com confiança média">
+            <a:extLst>
+              <a:ext uri="{FF2B5EF4-FFF2-40B4-BE49-F238E27FC236}">
+                <a16:creationId xmlns:a16="http://schemas.microsoft.com/office/drawing/2014/main" id="{A116F722-F414-E36F-A99C-999711662AB1}"/>
               </a:ext>
             </a:extLst>
           </p:cNvPr>
@@ -8790,10 +9021,79 @@
       </p:pic>
       <p:sp>
         <p:nvSpPr>
-          <p:cNvPr id="4" name="Retângulo: Cantos Arredondados 3">
-            <a:extLst>
-              <a:ext uri="{FF2B5EF4-FFF2-40B4-BE49-F238E27FC236}">
-                <a16:creationId xmlns:a16="http://schemas.microsoft.com/office/drawing/2014/main" id="{4D6CEA13-FEC7-7B0A-2DFA-04BA1DE3D31E}"/>
+          <p:cNvPr id="40" name="Retângulo: Cantos Arredondados 39">
+            <a:extLst>
+              <a:ext uri="{FF2B5EF4-FFF2-40B4-BE49-F238E27FC236}">
+                <a16:creationId xmlns:a16="http://schemas.microsoft.com/office/drawing/2014/main" id="{BA20DC06-DD40-58E5-F323-8C4965A04B8D}"/>
+              </a:ext>
+            </a:extLst>
+          </p:cNvPr>
+          <p:cNvSpPr/>
+          <p:nvPr/>
+        </p:nvSpPr>
+        <p:spPr>
+          <a:xfrm rot="5400000">
+            <a:off x="5784428" y="-5799900"/>
+            <a:ext cx="632473" cy="12201332"/>
+          </a:xfrm>
+          <a:prstGeom prst="roundRect">
+            <a:avLst>
+              <a:gd name="adj" fmla="val 0"/>
+            </a:avLst>
+          </a:prstGeom>
+          <a:gradFill flip="none" rotWithShape="1">
+            <a:gsLst>
+              <a:gs pos="82400">
+                <a:srgbClr val="1D4450"/>
+              </a:gs>
+              <a:gs pos="0">
+                <a:srgbClr val="05313D"/>
+              </a:gs>
+              <a:gs pos="50000">
+                <a:srgbClr val="1E4550"/>
+              </a:gs>
+              <a:gs pos="100000">
+                <a:srgbClr val="0E3844"/>
+              </a:gs>
+            </a:gsLst>
+            <a:lin ang="13500000" scaled="1"/>
+            <a:tileRect/>
+          </a:gradFill>
+          <a:ln>
+            <a:noFill/>
+          </a:ln>
+        </p:spPr>
+        <p:style>
+          <a:lnRef idx="2">
+            <a:schemeClr val="accent1">
+              <a:shade val="50000"/>
+            </a:schemeClr>
+          </a:lnRef>
+          <a:fillRef idx="1">
+            <a:schemeClr val="accent1"/>
+          </a:fillRef>
+          <a:effectRef idx="0">
+            <a:schemeClr val="accent1"/>
+          </a:effectRef>
+          <a:fontRef idx="minor">
+            <a:schemeClr val="lt1"/>
+          </a:fontRef>
+        </p:style>
+        <p:txBody>
+          <a:bodyPr rtlCol="0" anchor="ctr"/>
+          <a:lstStyle/>
+          <a:p>
+            <a:pPr algn="ctr"/>
+            <a:endParaRPr lang="pt-BR"/>
+          </a:p>
+        </p:txBody>
+      </p:sp>
+      <p:sp>
+        <p:nvSpPr>
+          <p:cNvPr id="41" name="Retângulo: Cantos Arredondados 40">
+            <a:extLst>
+              <a:ext uri="{FF2B5EF4-FFF2-40B4-BE49-F238E27FC236}">
+                <a16:creationId xmlns:a16="http://schemas.microsoft.com/office/drawing/2014/main" id="{EAE608C5-15D5-D4A8-CA57-9628C1B287F4}"/>
               </a:ext>
             </a:extLst>
           </p:cNvPr>
@@ -8802,14 +9102,142 @@
         </p:nvSpPr>
         <p:spPr>
           <a:xfrm>
-            <a:off x="38444" y="3227888"/>
-            <a:ext cx="915845" cy="516923"/>
+            <a:off x="1038512" y="67608"/>
+            <a:ext cx="3364273" cy="461666"/>
+          </a:xfrm>
+          <a:prstGeom prst="roundRect">
+            <a:avLst/>
+          </a:prstGeom>
+          <a:gradFill flip="none" rotWithShape="1">
+            <a:gsLst>
+              <a:gs pos="0">
+                <a:srgbClr val="506E77">
+                  <a:shade val="30000"/>
+                  <a:satMod val="115000"/>
+                </a:srgbClr>
+              </a:gs>
+              <a:gs pos="50000">
+                <a:srgbClr val="506E77">
+                  <a:shade val="67500"/>
+                  <a:satMod val="115000"/>
+                </a:srgbClr>
+              </a:gs>
+              <a:gs pos="100000">
+                <a:srgbClr val="506E77">
+                  <a:shade val="100000"/>
+                  <a:satMod val="115000"/>
+                </a:srgbClr>
+              </a:gs>
+            </a:gsLst>
+            <a:lin ang="18900000" scaled="1"/>
+            <a:tileRect/>
+          </a:gradFill>
+          <a:ln>
+            <a:noFill/>
+          </a:ln>
+          <a:effectLst>
+            <a:outerShdw blurRad="50800" dist="38100" dir="8100000" algn="tr" rotWithShape="0">
+              <a:prstClr val="black">
+                <a:alpha val="40000"/>
+              </a:prstClr>
+            </a:outerShdw>
+          </a:effectLst>
+        </p:spPr>
+        <p:style>
+          <a:lnRef idx="2">
+            <a:schemeClr val="accent1">
+              <a:shade val="50000"/>
+            </a:schemeClr>
+          </a:lnRef>
+          <a:fillRef idx="1">
+            <a:schemeClr val="accent1"/>
+          </a:fillRef>
+          <a:effectRef idx="0">
+            <a:schemeClr val="accent1"/>
+          </a:effectRef>
+          <a:fontRef idx="minor">
+            <a:schemeClr val="lt1"/>
+          </a:fontRef>
+        </p:style>
+        <p:txBody>
+          <a:bodyPr rtlCol="0" anchor="ctr"/>
+          <a:lstStyle/>
+          <a:p>
+            <a:pPr algn="ctr"/>
+            <a:endParaRPr lang="pt-BR"/>
+          </a:p>
+        </p:txBody>
+      </p:sp>
+      <p:sp>
+        <p:nvSpPr>
+          <p:cNvPr id="46" name="CaixaDeTexto 45">
+            <a:extLst>
+              <a:ext uri="{FF2B5EF4-FFF2-40B4-BE49-F238E27FC236}">
+                <a16:creationId xmlns:a16="http://schemas.microsoft.com/office/drawing/2014/main" id="{52BAE6AD-8C37-4DFD-901D-B94533BE1A3D}"/>
+              </a:ext>
+            </a:extLst>
+          </p:cNvPr>
+          <p:cNvSpPr txBox="1"/>
+          <p:nvPr/>
+        </p:nvSpPr>
+        <p:spPr>
+          <a:xfrm>
+            <a:off x="1034806" y="58083"/>
+            <a:ext cx="3364273" cy="461665"/>
+          </a:xfrm>
+          <a:prstGeom prst="rect">
+            <a:avLst/>
+          </a:prstGeom>
+          <a:noFill/>
+          <a:effectLst>
+            <a:outerShdw blurRad="50800" dist="38100" dir="2700000" algn="tl" rotWithShape="0">
+              <a:prstClr val="black">
+                <a:alpha val="40000"/>
+              </a:prstClr>
+            </a:outerShdw>
+          </a:effectLst>
+        </p:spPr>
+        <p:txBody>
+          <a:bodyPr wrap="square" rtlCol="0">
+            <a:spAutoFit/>
+          </a:bodyPr>
+          <a:lstStyle/>
+          <a:p>
+            <a:r>
+              <a:rPr lang="pt-BR" sz="2400" b="1" dirty="0">
+                <a:solidFill>
+                  <a:schemeClr val="bg1">
+                    <a:lumMod val="85000"/>
+                  </a:schemeClr>
+                </a:solidFill>
+              </a:rPr>
+              <a:t>Controle de Estoque</a:t>
+            </a:r>
+          </a:p>
+        </p:txBody>
+      </p:sp>
+      <p:sp>
+        <p:nvSpPr>
+          <p:cNvPr id="47" name="Retângulo: Cantos Arredondados 46">
+            <a:extLst>
+              <a:ext uri="{FF2B5EF4-FFF2-40B4-BE49-F238E27FC236}">
+                <a16:creationId xmlns:a16="http://schemas.microsoft.com/office/drawing/2014/main" id="{E4129BBB-33E1-BA35-B1D9-F7CA62C5F6D1}"/>
+              </a:ext>
+            </a:extLst>
+          </p:cNvPr>
+          <p:cNvSpPr/>
+          <p:nvPr/>
+        </p:nvSpPr>
+        <p:spPr>
+          <a:xfrm rot="5400000">
+            <a:off x="6792936" y="-476531"/>
+            <a:ext cx="442618" cy="1549944"/>
           </a:xfrm>
           <a:prstGeom prst="roundRect">
             <a:avLst/>
           </a:prstGeom>
           <a:solidFill>
-            <a:srgbClr val="506E77"/>
+            <a:srgbClr val="668188"/>
           </a:solidFill>
           <a:ln>
             <a:noFill/>
@@ -8854,35 +9282,32 @@
           <a:lstStyle/>
           <a:p>
             <a:pPr algn="ctr"/>
-            <a:r>
-              <a:rPr lang="pt-BR" sz="1000" b="1" dirty="0"/>
-              <a:t>ENTRADA E SAIDA</a:t>
-            </a:r>
-          </a:p>
-        </p:txBody>
-      </p:sp>
-      <p:sp>
-        <p:nvSpPr>
-          <p:cNvPr id="5" name="Retângulo: Cantos Arredondados 4">
-            <a:extLst>
-              <a:ext uri="{FF2B5EF4-FFF2-40B4-BE49-F238E27FC236}">
-                <a16:creationId xmlns:a16="http://schemas.microsoft.com/office/drawing/2014/main" id="{D8EF5804-A61F-C18F-1E87-1B6D744330A4}"/>
-              </a:ext>
-            </a:extLst>
-          </p:cNvPr>
-          <p:cNvSpPr/>
-          <p:nvPr/>
-        </p:nvSpPr>
-        <p:spPr>
-          <a:xfrm>
-            <a:off x="45771" y="1672277"/>
-            <a:ext cx="924613" cy="516923"/>
+            <a:endParaRPr lang="pt-BR"/>
+          </a:p>
+        </p:txBody>
+      </p:sp>
+      <p:sp>
+        <p:nvSpPr>
+          <p:cNvPr id="48" name="Retângulo: Cantos Arredondados 47">
+            <a:extLst>
+              <a:ext uri="{FF2B5EF4-FFF2-40B4-BE49-F238E27FC236}">
+                <a16:creationId xmlns:a16="http://schemas.microsoft.com/office/drawing/2014/main" id="{E1AFBDA9-5D98-24A0-5E6A-AD48843CC0F5}"/>
+              </a:ext>
+            </a:extLst>
+          </p:cNvPr>
+          <p:cNvSpPr/>
+          <p:nvPr/>
+        </p:nvSpPr>
+        <p:spPr>
+          <a:xfrm rot="5400000">
+            <a:off x="8462045" y="-476532"/>
+            <a:ext cx="442616" cy="1549944"/>
           </a:xfrm>
           <a:prstGeom prst="roundRect">
             <a:avLst/>
           </a:prstGeom>
           <a:solidFill>
-            <a:srgbClr val="506E77"/>
+            <a:srgbClr val="668188"/>
           </a:solidFill>
           <a:ln>
             <a:noFill/>
@@ -8927,6 +9352,296 @@
           <a:lstStyle/>
           <a:p>
             <a:pPr algn="ctr"/>
+            <a:endParaRPr lang="pt-BR"/>
+          </a:p>
+        </p:txBody>
+      </p:sp>
+      <p:sp>
+        <p:nvSpPr>
+          <p:cNvPr id="49" name="Retângulo: Cantos Arredondados 48">
+            <a:extLst>
+              <a:ext uri="{FF2B5EF4-FFF2-40B4-BE49-F238E27FC236}">
+                <a16:creationId xmlns:a16="http://schemas.microsoft.com/office/drawing/2014/main" id="{8CCC0899-92D3-4BC4-A15D-0AF2B0EC3732}"/>
+              </a:ext>
+            </a:extLst>
+          </p:cNvPr>
+          <p:cNvSpPr/>
+          <p:nvPr/>
+        </p:nvSpPr>
+        <p:spPr>
+          <a:xfrm rot="5400000">
+            <a:off x="10131153" y="-476532"/>
+            <a:ext cx="442616" cy="1549944"/>
+          </a:xfrm>
+          <a:prstGeom prst="roundRect">
+            <a:avLst/>
+          </a:prstGeom>
+          <a:solidFill>
+            <a:srgbClr val="668188"/>
+          </a:solidFill>
+          <a:ln>
+            <a:noFill/>
+          </a:ln>
+          <a:effectLst>
+            <a:outerShdw blurRad="44450" dist="27940" dir="5400000" algn="ctr">
+              <a:srgbClr val="000000">
+                <a:alpha val="32000"/>
+              </a:srgbClr>
+            </a:outerShdw>
+          </a:effectLst>
+          <a:scene3d>
+            <a:camera prst="orthographicFront">
+              <a:rot lat="0" lon="0" rev="0"/>
+            </a:camera>
+            <a:lightRig rig="balanced" dir="t">
+              <a:rot lat="0" lon="0" rev="8700000"/>
+            </a:lightRig>
+          </a:scene3d>
+          <a:sp3d>
+            <a:bevelT w="190500" h="38100"/>
+          </a:sp3d>
+        </p:spPr>
+        <p:style>
+          <a:lnRef idx="2">
+            <a:schemeClr val="accent1">
+              <a:shade val="50000"/>
+            </a:schemeClr>
+          </a:lnRef>
+          <a:fillRef idx="1">
+            <a:schemeClr val="accent1"/>
+          </a:fillRef>
+          <a:effectRef idx="0">
+            <a:schemeClr val="accent1"/>
+          </a:effectRef>
+          <a:fontRef idx="minor">
+            <a:schemeClr val="lt1"/>
+          </a:fontRef>
+        </p:style>
+        <p:txBody>
+          <a:bodyPr rtlCol="0" anchor="ctr"/>
+          <a:lstStyle/>
+          <a:p>
+            <a:pPr algn="ctr"/>
+            <a:endParaRPr lang="pt-BR"/>
+          </a:p>
+        </p:txBody>
+      </p:sp>
+      <p:sp>
+        <p:nvSpPr>
+          <p:cNvPr id="53" name="Retângulo 52">
+            <a:extLst>
+              <a:ext uri="{FF2B5EF4-FFF2-40B4-BE49-F238E27FC236}">
+                <a16:creationId xmlns:a16="http://schemas.microsoft.com/office/drawing/2014/main" id="{0B6FAA14-3B6E-4DF6-1A5C-3557DDFE34CF}"/>
+              </a:ext>
+            </a:extLst>
+          </p:cNvPr>
+          <p:cNvSpPr/>
+          <p:nvPr/>
+        </p:nvSpPr>
+        <p:spPr>
+          <a:xfrm>
+            <a:off x="1138078" y="723900"/>
+            <a:ext cx="10930098" cy="6010514"/>
+          </a:xfrm>
+          <a:prstGeom prst="rect">
+            <a:avLst/>
+          </a:prstGeom>
+          <a:gradFill flip="none" rotWithShape="1">
+            <a:gsLst>
+              <a:gs pos="0">
+                <a:srgbClr val="668188">
+                  <a:shade val="30000"/>
+                  <a:satMod val="115000"/>
+                </a:srgbClr>
+              </a:gs>
+              <a:gs pos="50000">
+                <a:srgbClr val="668188">
+                  <a:shade val="67500"/>
+                  <a:satMod val="115000"/>
+                </a:srgbClr>
+              </a:gs>
+              <a:gs pos="100000">
+                <a:srgbClr val="668188">
+                  <a:shade val="100000"/>
+                  <a:satMod val="115000"/>
+                </a:srgbClr>
+              </a:gs>
+            </a:gsLst>
+            <a:lin ang="13500000" scaled="1"/>
+            <a:tileRect/>
+          </a:gradFill>
+          <a:effectLst>
+            <a:outerShdw blurRad="50800" dist="38100" dir="2700000" algn="tl" rotWithShape="0">
+              <a:prstClr val="black">
+                <a:alpha val="40000"/>
+              </a:prstClr>
+            </a:outerShdw>
+          </a:effectLst>
+        </p:spPr>
+        <p:style>
+          <a:lnRef idx="2">
+            <a:schemeClr val="accent1">
+              <a:shade val="15000"/>
+            </a:schemeClr>
+          </a:lnRef>
+          <a:fillRef idx="1">
+            <a:schemeClr val="accent1"/>
+          </a:fillRef>
+          <a:effectRef idx="0">
+            <a:schemeClr val="accent1"/>
+          </a:effectRef>
+          <a:fontRef idx="minor">
+            <a:schemeClr val="lt1"/>
+          </a:fontRef>
+        </p:style>
+        <p:txBody>
+          <a:bodyPr rtlCol="0" anchor="ctr"/>
+          <a:lstStyle/>
+          <a:p>
+            <a:pPr algn="ctr"/>
+            <a:endParaRPr lang="pt-BR"/>
+          </a:p>
+        </p:txBody>
+      </p:sp>
+      <p:sp>
+        <p:nvSpPr>
+          <p:cNvPr id="2" name="Retângulo: Cantos Arredondados 1">
+            <a:extLst>
+              <a:ext uri="{FF2B5EF4-FFF2-40B4-BE49-F238E27FC236}">
+                <a16:creationId xmlns:a16="http://schemas.microsoft.com/office/drawing/2014/main" id="{AF31F9E1-D976-4A32-5032-3802EE7A957D}"/>
+              </a:ext>
+            </a:extLst>
+          </p:cNvPr>
+          <p:cNvSpPr/>
+          <p:nvPr/>
+        </p:nvSpPr>
+        <p:spPr>
+          <a:xfrm>
+            <a:off x="38443" y="2078733"/>
+            <a:ext cx="915845" cy="516923"/>
+          </a:xfrm>
+          <a:prstGeom prst="roundRect">
+            <a:avLst/>
+          </a:prstGeom>
+          <a:solidFill>
+            <a:srgbClr val="506E77"/>
+          </a:solidFill>
+          <a:ln>
+            <a:noFill/>
+          </a:ln>
+          <a:effectLst>
+            <a:outerShdw blurRad="44450" dist="27940" dir="5400000" algn="ctr">
+              <a:srgbClr val="000000">
+                <a:alpha val="32000"/>
+              </a:srgbClr>
+            </a:outerShdw>
+          </a:effectLst>
+          <a:scene3d>
+            <a:camera prst="orthographicFront">
+              <a:rot lat="0" lon="0" rev="0"/>
+            </a:camera>
+            <a:lightRig rig="balanced" dir="t">
+              <a:rot lat="0" lon="0" rev="8700000"/>
+            </a:lightRig>
+          </a:scene3d>
+          <a:sp3d>
+            <a:bevelT w="190500" h="38100"/>
+          </a:sp3d>
+        </p:spPr>
+        <p:style>
+          <a:lnRef idx="2">
+            <a:schemeClr val="accent1">
+              <a:shade val="50000"/>
+            </a:schemeClr>
+          </a:lnRef>
+          <a:fillRef idx="1">
+            <a:schemeClr val="accent1"/>
+          </a:fillRef>
+          <a:effectRef idx="0">
+            <a:schemeClr val="accent1"/>
+          </a:effectRef>
+          <a:fontRef idx="minor">
+            <a:schemeClr val="lt1"/>
+          </a:fontRef>
+        </p:style>
+        <p:txBody>
+          <a:bodyPr rtlCol="0" anchor="ctr"/>
+          <a:lstStyle/>
+          <a:p>
+            <a:pPr algn="ctr"/>
+            <a:r>
+              <a:rPr lang="pt-BR" sz="1000" b="1" dirty="0"/>
+              <a:t>UNIFORME MASCULINO</a:t>
+            </a:r>
+          </a:p>
+        </p:txBody>
+      </p:sp>
+      <p:sp>
+        <p:nvSpPr>
+          <p:cNvPr id="3" name="Retângulo: Cantos Arredondados 2">
+            <a:extLst>
+              <a:ext uri="{FF2B5EF4-FFF2-40B4-BE49-F238E27FC236}">
+                <a16:creationId xmlns:a16="http://schemas.microsoft.com/office/drawing/2014/main" id="{57C4C34A-068E-4E49-4B80-7C1D2A343972}"/>
+              </a:ext>
+            </a:extLst>
+          </p:cNvPr>
+          <p:cNvSpPr/>
+          <p:nvPr/>
+        </p:nvSpPr>
+        <p:spPr>
+          <a:xfrm>
+            <a:off x="45771" y="1296262"/>
+            <a:ext cx="924613" cy="516923"/>
+          </a:xfrm>
+          <a:prstGeom prst="roundRect">
+            <a:avLst/>
+          </a:prstGeom>
+          <a:solidFill>
+            <a:srgbClr val="506E77"/>
+          </a:solidFill>
+          <a:ln>
+            <a:noFill/>
+          </a:ln>
+          <a:effectLst>
+            <a:outerShdw blurRad="44450" dist="27940" dir="5400000" algn="ctr">
+              <a:srgbClr val="000000">
+                <a:alpha val="32000"/>
+              </a:srgbClr>
+            </a:outerShdw>
+          </a:effectLst>
+          <a:scene3d>
+            <a:camera prst="orthographicFront">
+              <a:rot lat="0" lon="0" rev="0"/>
+            </a:camera>
+            <a:lightRig rig="balanced" dir="t">
+              <a:rot lat="0" lon="0" rev="8700000"/>
+            </a:lightRig>
+          </a:scene3d>
+          <a:sp3d>
+            <a:bevelT w="190500" h="38100"/>
+          </a:sp3d>
+        </p:spPr>
+        <p:style>
+          <a:lnRef idx="2">
+            <a:schemeClr val="accent1">
+              <a:shade val="50000"/>
+            </a:schemeClr>
+          </a:lnRef>
+          <a:fillRef idx="1">
+            <a:schemeClr val="accent1"/>
+          </a:fillRef>
+          <a:effectRef idx="0">
+            <a:schemeClr val="accent1"/>
+          </a:effectRef>
+          <a:fontRef idx="minor">
+            <a:schemeClr val="lt1"/>
+          </a:fontRef>
+        </p:style>
+        <p:txBody>
+          <a:bodyPr rtlCol="0" anchor="ctr"/>
+          <a:lstStyle/>
+          <a:p>
+            <a:pPr algn="ctr"/>
             <a:r>
               <a:rPr lang="pt-BR" sz="1000" b="1" dirty="0"/>
               <a:t>UNIFORME FEMININO</a:t>
@@ -8936,10 +9651,10 @@
       </p:sp>
       <p:sp>
         <p:nvSpPr>
-          <p:cNvPr id="6" name="Retângulo: Cantos Arredondados 5">
-            <a:extLst>
-              <a:ext uri="{FF2B5EF4-FFF2-40B4-BE49-F238E27FC236}">
-                <a16:creationId xmlns:a16="http://schemas.microsoft.com/office/drawing/2014/main" id="{61D50B54-34B4-BF95-9CDD-6716999F0B34}"/>
+          <p:cNvPr id="5" name="Retângulo: Cantos Arredondados 4">
+            <a:extLst>
+              <a:ext uri="{FF2B5EF4-FFF2-40B4-BE49-F238E27FC236}">
+                <a16:creationId xmlns:a16="http://schemas.microsoft.com/office/drawing/2014/main" id="{37BCB581-E5A3-3F68-93F2-39529FA2D85A}"/>
               </a:ext>
             </a:extLst>
           </p:cNvPr>
@@ -8948,14 +9663,164 @@
         </p:nvSpPr>
         <p:spPr>
           <a:xfrm>
-            <a:off x="38444" y="2454748"/>
+            <a:off x="45770" y="4426146"/>
             <a:ext cx="915845" cy="516923"/>
           </a:xfrm>
           <a:prstGeom prst="roundRect">
             <a:avLst/>
           </a:prstGeom>
           <a:solidFill>
-            <a:srgbClr val="A0B0B5"/>
+            <a:srgbClr val="506E77"/>
+          </a:solidFill>
+          <a:ln>
+            <a:noFill/>
+          </a:ln>
+          <a:effectLst>
+            <a:outerShdw blurRad="44450" dist="27940" dir="5400000" algn="ctr">
+              <a:srgbClr val="000000">
+                <a:alpha val="32000"/>
+              </a:srgbClr>
+            </a:outerShdw>
+          </a:effectLst>
+          <a:scene3d>
+            <a:camera prst="orthographicFront">
+              <a:rot lat="0" lon="0" rev="0"/>
+            </a:camera>
+            <a:lightRig rig="balanced" dir="t">
+              <a:rot lat="0" lon="0" rev="8700000"/>
+            </a:lightRig>
+          </a:scene3d>
+          <a:sp3d>
+            <a:bevelT w="190500" h="38100"/>
+          </a:sp3d>
+        </p:spPr>
+        <p:style>
+          <a:lnRef idx="2">
+            <a:schemeClr val="accent1">
+              <a:shade val="50000"/>
+            </a:schemeClr>
+          </a:lnRef>
+          <a:fillRef idx="1">
+            <a:schemeClr val="accent1"/>
+          </a:fillRef>
+          <a:effectRef idx="0">
+            <a:schemeClr val="accent1"/>
+          </a:effectRef>
+          <a:fontRef idx="minor">
+            <a:schemeClr val="lt1"/>
+          </a:fontRef>
+        </p:style>
+        <p:txBody>
+          <a:bodyPr rtlCol="0" anchor="ctr"/>
+          <a:lstStyle/>
+          <a:p>
+            <a:pPr algn="ctr"/>
+            <a:r>
+              <a:rPr lang="pt-BR" sz="1000" b="1" dirty="0"/>
+              <a:t>COLETES</a:t>
+            </a:r>
+          </a:p>
+        </p:txBody>
+      </p:sp>
+      <p:sp>
+        <p:nvSpPr>
+          <p:cNvPr id="7" name="Retângulo: Cantos Arredondados 6">
+            <a:extLst>
+              <a:ext uri="{FF2B5EF4-FFF2-40B4-BE49-F238E27FC236}">
+                <a16:creationId xmlns:a16="http://schemas.microsoft.com/office/drawing/2014/main" id="{0C68A0E0-D964-6801-F90C-88A97FDD29A1}"/>
+              </a:ext>
+            </a:extLst>
+          </p:cNvPr>
+          <p:cNvSpPr/>
+          <p:nvPr/>
+        </p:nvSpPr>
+        <p:spPr>
+          <a:xfrm>
+            <a:off x="45769" y="3628328"/>
+            <a:ext cx="915845" cy="516923"/>
+          </a:xfrm>
+          <a:prstGeom prst="roundRect">
+            <a:avLst/>
+          </a:prstGeom>
+          <a:solidFill>
+            <a:srgbClr val="547179"/>
+          </a:solidFill>
+          <a:ln>
+            <a:noFill/>
+          </a:ln>
+          <a:effectLst>
+            <a:outerShdw blurRad="44450" dist="27940" dir="5400000" algn="ctr">
+              <a:srgbClr val="000000">
+                <a:alpha val="32000"/>
+              </a:srgbClr>
+            </a:outerShdw>
+          </a:effectLst>
+          <a:scene3d>
+            <a:camera prst="orthographicFront">
+              <a:rot lat="0" lon="0" rev="0"/>
+            </a:camera>
+            <a:lightRig rig="balanced" dir="t">
+              <a:rot lat="0" lon="0" rev="8700000"/>
+            </a:lightRig>
+          </a:scene3d>
+          <a:sp3d>
+            <a:bevelT w="190500" h="38100"/>
+          </a:sp3d>
+        </p:spPr>
+        <p:style>
+          <a:lnRef idx="2">
+            <a:schemeClr val="accent1">
+              <a:shade val="50000"/>
+            </a:schemeClr>
+          </a:lnRef>
+          <a:fillRef idx="1">
+            <a:schemeClr val="accent1"/>
+          </a:fillRef>
+          <a:effectRef idx="0">
+            <a:schemeClr val="accent1"/>
+          </a:effectRef>
+          <a:fontRef idx="minor">
+            <a:schemeClr val="lt1"/>
+          </a:fontRef>
+        </p:style>
+        <p:txBody>
+          <a:bodyPr rtlCol="0" anchor="ctr"/>
+          <a:lstStyle/>
+          <a:p>
+            <a:pPr algn="ctr"/>
+            <a:r>
+              <a:rPr lang="pt-BR" sz="1000" b="1" dirty="0">
+                <a:solidFill>
+                  <a:schemeClr val="bg1"/>
+                </a:solidFill>
+              </a:rPr>
+              <a:t>ACESSORIOS</a:t>
+            </a:r>
+          </a:p>
+        </p:txBody>
+      </p:sp>
+      <p:sp>
+        <p:nvSpPr>
+          <p:cNvPr id="8" name="Retângulo: Cantos Arredondados 7">
+            <a:extLst>
+              <a:ext uri="{FF2B5EF4-FFF2-40B4-BE49-F238E27FC236}">
+                <a16:creationId xmlns:a16="http://schemas.microsoft.com/office/drawing/2014/main" id="{B5AF415C-35F2-F7E8-8ABB-7001FDD6256C}"/>
+              </a:ext>
+            </a:extLst>
+          </p:cNvPr>
+          <p:cNvSpPr/>
+          <p:nvPr/>
+        </p:nvSpPr>
+        <p:spPr>
+          <a:xfrm>
+            <a:off x="38442" y="2845857"/>
+            <a:ext cx="915845" cy="516923"/>
+          </a:xfrm>
+          <a:prstGeom prst="roundRect">
+            <a:avLst/>
+          </a:prstGeom>
+          <a:solidFill>
+            <a:srgbClr val="8DA0A6"/>
           </a:solidFill>
           <a:ln>
             <a:noFill/>
@@ -8997,779 +9862,10 @@
             <a:r>
               <a:rPr lang="pt-BR" sz="1000" b="1" dirty="0">
                 <a:solidFill>
-                  <a:srgbClr val="1D4450"/>
+                  <a:srgbClr val="1E4550"/>
                 </a:solidFill>
               </a:rPr>
-              <a:t>UNIFORME MASCULINO</a:t>
-            </a:r>
-          </a:p>
-        </p:txBody>
-      </p:sp>
-      <p:sp>
-        <p:nvSpPr>
-          <p:cNvPr id="39" name="Retângulo: Cantos Arredondados 38">
-            <a:extLst>
-              <a:ext uri="{FF2B5EF4-FFF2-40B4-BE49-F238E27FC236}">
-                <a16:creationId xmlns:a16="http://schemas.microsoft.com/office/drawing/2014/main" id="{B1E17799-B699-F9C4-B584-224FF23BCA98}"/>
-              </a:ext>
-            </a:extLst>
-          </p:cNvPr>
-          <p:cNvSpPr/>
-          <p:nvPr/>
-        </p:nvSpPr>
-        <p:spPr>
-          <a:xfrm rot="5400000">
-            <a:off x="653423" y="1230823"/>
-            <a:ext cx="5986627" cy="4991831"/>
-          </a:xfrm>
-          <a:prstGeom prst="roundRect">
-            <a:avLst/>
-          </a:prstGeom>
-          <a:gradFill flip="none" rotWithShape="0">
-            <a:gsLst>
-              <a:gs pos="29000">
-                <a:srgbClr val="05313D"/>
-              </a:gs>
-              <a:gs pos="52000">
-                <a:srgbClr val="123B47"/>
-              </a:gs>
-              <a:gs pos="70000">
-                <a:srgbClr val="1E4550"/>
-              </a:gs>
-            </a:gsLst>
-            <a:lin ang="2700000" scaled="1"/>
-            <a:tileRect/>
-          </a:gradFill>
-          <a:ln>
-            <a:noFill/>
-          </a:ln>
-          <a:effectLst>
-            <a:outerShdw blurRad="50800" dist="38100" dir="10800000" algn="r" rotWithShape="0">
-              <a:prstClr val="black">
-                <a:alpha val="40000"/>
-              </a:prstClr>
-            </a:outerShdw>
-          </a:effectLst>
-        </p:spPr>
-        <p:style>
-          <a:lnRef idx="2">
-            <a:schemeClr val="accent1">
-              <a:shade val="50000"/>
-            </a:schemeClr>
-          </a:lnRef>
-          <a:fillRef idx="1">
-            <a:schemeClr val="accent1"/>
-          </a:fillRef>
-          <a:effectRef idx="0">
-            <a:schemeClr val="accent1"/>
-          </a:effectRef>
-          <a:fontRef idx="minor">
-            <a:schemeClr val="lt1"/>
-          </a:fontRef>
-        </p:style>
-        <p:txBody>
-          <a:bodyPr rtlCol="0" anchor="ctr"/>
-          <a:lstStyle/>
-          <a:p>
-            <a:pPr algn="ctr"/>
-            <a:endParaRPr lang="pt-BR"/>
-          </a:p>
-        </p:txBody>
-      </p:sp>
-      <p:sp>
-        <p:nvSpPr>
-          <p:cNvPr id="40" name="Retângulo: Cantos Arredondados 39">
-            <a:extLst>
-              <a:ext uri="{FF2B5EF4-FFF2-40B4-BE49-F238E27FC236}">
-                <a16:creationId xmlns:a16="http://schemas.microsoft.com/office/drawing/2014/main" id="{BD3569D9-2106-11CB-3062-350089131469}"/>
-              </a:ext>
-            </a:extLst>
-          </p:cNvPr>
-          <p:cNvSpPr/>
-          <p:nvPr/>
-        </p:nvSpPr>
-        <p:spPr>
-          <a:xfrm rot="5400000">
-            <a:off x="7358447" y="1278238"/>
-            <a:ext cx="3544492" cy="5712421"/>
-          </a:xfrm>
-          <a:prstGeom prst="roundRect">
-            <a:avLst/>
-          </a:prstGeom>
-          <a:gradFill flip="none" rotWithShape="0">
-            <a:gsLst>
-              <a:gs pos="29000">
-                <a:srgbClr val="05313D"/>
-              </a:gs>
-              <a:gs pos="52000">
-                <a:srgbClr val="123B47"/>
-              </a:gs>
-              <a:gs pos="70000">
-                <a:srgbClr val="1E4550"/>
-              </a:gs>
-            </a:gsLst>
-            <a:lin ang="2700000" scaled="1"/>
-            <a:tileRect/>
-          </a:gradFill>
-          <a:ln>
-            <a:noFill/>
-          </a:ln>
-          <a:effectLst>
-            <a:outerShdw blurRad="50800" dist="38100" dir="2700000" algn="tl" rotWithShape="0">
-              <a:prstClr val="black">
-                <a:alpha val="40000"/>
-              </a:prstClr>
-            </a:outerShdw>
-          </a:effectLst>
-        </p:spPr>
-        <p:style>
-          <a:lnRef idx="2">
-            <a:schemeClr val="accent1">
-              <a:shade val="50000"/>
-            </a:schemeClr>
-          </a:lnRef>
-          <a:fillRef idx="1">
-            <a:schemeClr val="accent1"/>
-          </a:fillRef>
-          <a:effectRef idx="0">
-            <a:schemeClr val="accent1"/>
-          </a:effectRef>
-          <a:fontRef idx="minor">
-            <a:schemeClr val="lt1"/>
-          </a:fontRef>
-        </p:style>
-        <p:txBody>
-          <a:bodyPr rtlCol="0" anchor="ctr"/>
-          <a:lstStyle/>
-          <a:p>
-            <a:pPr algn="ctr"/>
-            <a:endParaRPr lang="pt-BR"/>
-          </a:p>
-        </p:txBody>
-      </p:sp>
-      <p:sp>
-        <p:nvSpPr>
-          <p:cNvPr id="41" name="Retângulo: Cantos Arredondados 40">
-            <a:extLst>
-              <a:ext uri="{FF2B5EF4-FFF2-40B4-BE49-F238E27FC236}">
-                <a16:creationId xmlns:a16="http://schemas.microsoft.com/office/drawing/2014/main" id="{88724F71-733D-C9A2-42DB-1BF258C05AE0}"/>
-              </a:ext>
-            </a:extLst>
-          </p:cNvPr>
-          <p:cNvSpPr/>
-          <p:nvPr/>
-        </p:nvSpPr>
-        <p:spPr>
-          <a:xfrm rot="5400000">
-            <a:off x="6846453" y="161456"/>
-            <a:ext cx="715273" cy="1859211"/>
-          </a:xfrm>
-          <a:prstGeom prst="roundRect">
-            <a:avLst/>
-          </a:prstGeom>
-          <a:gradFill flip="none" rotWithShape="0">
-            <a:gsLst>
-              <a:gs pos="29000">
-                <a:srgbClr val="05313D"/>
-              </a:gs>
-              <a:gs pos="52000">
-                <a:srgbClr val="123B47"/>
-              </a:gs>
-              <a:gs pos="70000">
-                <a:srgbClr val="1E4550"/>
-              </a:gs>
-            </a:gsLst>
-            <a:lin ang="2700000" scaled="1"/>
-            <a:tileRect/>
-          </a:gradFill>
-          <a:ln>
-            <a:noFill/>
-          </a:ln>
-          <a:effectLst>
-            <a:outerShdw blurRad="50800" dist="38100" dir="16200000" rotWithShape="0">
-              <a:prstClr val="black">
-                <a:alpha val="40000"/>
-              </a:prstClr>
-            </a:outerShdw>
-          </a:effectLst>
-        </p:spPr>
-        <p:style>
-          <a:lnRef idx="2">
-            <a:schemeClr val="accent1">
-              <a:shade val="50000"/>
-            </a:schemeClr>
-          </a:lnRef>
-          <a:fillRef idx="1">
-            <a:schemeClr val="accent1"/>
-          </a:fillRef>
-          <a:effectRef idx="0">
-            <a:schemeClr val="accent1"/>
-          </a:effectRef>
-          <a:fontRef idx="minor">
-            <a:schemeClr val="lt1"/>
-          </a:fontRef>
-        </p:style>
-        <p:txBody>
-          <a:bodyPr rtlCol="0" anchor="ctr"/>
-          <a:lstStyle/>
-          <a:p>
-            <a:pPr algn="ctr"/>
-            <a:endParaRPr lang="pt-BR"/>
-          </a:p>
-        </p:txBody>
-      </p:sp>
-      <p:sp>
-        <p:nvSpPr>
-          <p:cNvPr id="42" name="Retângulo: Cantos Arredondados 41">
-            <a:extLst>
-              <a:ext uri="{FF2B5EF4-FFF2-40B4-BE49-F238E27FC236}">
-                <a16:creationId xmlns:a16="http://schemas.microsoft.com/office/drawing/2014/main" id="{DC01D525-0B7A-BC05-0E38-54A5F1ADA224}"/>
-              </a:ext>
-            </a:extLst>
-          </p:cNvPr>
-          <p:cNvSpPr/>
-          <p:nvPr/>
-        </p:nvSpPr>
-        <p:spPr>
-          <a:xfrm rot="5400000">
-            <a:off x="8773056" y="162042"/>
-            <a:ext cx="715273" cy="1859211"/>
-          </a:xfrm>
-          <a:prstGeom prst="roundRect">
-            <a:avLst/>
-          </a:prstGeom>
-          <a:gradFill flip="none" rotWithShape="0">
-            <a:gsLst>
-              <a:gs pos="29000">
-                <a:srgbClr val="05313D"/>
-              </a:gs>
-              <a:gs pos="52000">
-                <a:srgbClr val="123B47"/>
-              </a:gs>
-              <a:gs pos="70000">
-                <a:srgbClr val="1E4550"/>
-              </a:gs>
-            </a:gsLst>
-            <a:lin ang="2700000" scaled="1"/>
-            <a:tileRect/>
-          </a:gradFill>
-          <a:ln>
-            <a:noFill/>
-          </a:ln>
-          <a:effectLst>
-            <a:outerShdw blurRad="50800" dist="38100" dir="16200000" rotWithShape="0">
-              <a:prstClr val="black">
-                <a:alpha val="40000"/>
-              </a:prstClr>
-            </a:outerShdw>
-          </a:effectLst>
-        </p:spPr>
-        <p:style>
-          <a:lnRef idx="2">
-            <a:schemeClr val="accent1">
-              <a:shade val="50000"/>
-            </a:schemeClr>
-          </a:lnRef>
-          <a:fillRef idx="1">
-            <a:schemeClr val="accent1"/>
-          </a:fillRef>
-          <a:effectRef idx="0">
-            <a:schemeClr val="accent1"/>
-          </a:effectRef>
-          <a:fontRef idx="minor">
-            <a:schemeClr val="lt1"/>
-          </a:fontRef>
-        </p:style>
-        <p:txBody>
-          <a:bodyPr rtlCol="0" anchor="ctr"/>
-          <a:lstStyle/>
-          <a:p>
-            <a:pPr algn="ctr"/>
-            <a:endParaRPr lang="pt-BR"/>
-          </a:p>
-        </p:txBody>
-      </p:sp>
-      <p:sp>
-        <p:nvSpPr>
-          <p:cNvPr id="43" name="Retângulo: Cantos Arredondados 42">
-            <a:extLst>
-              <a:ext uri="{FF2B5EF4-FFF2-40B4-BE49-F238E27FC236}">
-                <a16:creationId xmlns:a16="http://schemas.microsoft.com/office/drawing/2014/main" id="{1734E1A1-8CC6-C704-8711-F6BDCCF683C5}"/>
-              </a:ext>
-            </a:extLst>
-          </p:cNvPr>
-          <p:cNvSpPr/>
-          <p:nvPr/>
-        </p:nvSpPr>
-        <p:spPr>
-          <a:xfrm rot="5400000">
-            <a:off x="10699659" y="158391"/>
-            <a:ext cx="715273" cy="1859211"/>
-          </a:xfrm>
-          <a:prstGeom prst="roundRect">
-            <a:avLst/>
-          </a:prstGeom>
-          <a:gradFill flip="none" rotWithShape="0">
-            <a:gsLst>
-              <a:gs pos="29000">
-                <a:srgbClr val="05313D"/>
-              </a:gs>
-              <a:gs pos="52000">
-                <a:srgbClr val="123B47"/>
-              </a:gs>
-              <a:gs pos="70000">
-                <a:srgbClr val="1E4550"/>
-              </a:gs>
-            </a:gsLst>
-            <a:lin ang="2700000" scaled="1"/>
-            <a:tileRect/>
-          </a:gradFill>
-          <a:ln>
-            <a:noFill/>
-          </a:ln>
-          <a:effectLst>
-            <a:outerShdw blurRad="50800" dist="38100" dir="18900000" algn="bl" rotWithShape="0">
-              <a:prstClr val="black">
-                <a:alpha val="40000"/>
-              </a:prstClr>
-            </a:outerShdw>
-          </a:effectLst>
-        </p:spPr>
-        <p:style>
-          <a:lnRef idx="2">
-            <a:schemeClr val="accent1">
-              <a:shade val="50000"/>
-            </a:schemeClr>
-          </a:lnRef>
-          <a:fillRef idx="1">
-            <a:schemeClr val="accent1"/>
-          </a:fillRef>
-          <a:effectRef idx="0">
-            <a:schemeClr val="accent1"/>
-          </a:effectRef>
-          <a:fontRef idx="minor">
-            <a:schemeClr val="lt1"/>
-          </a:fontRef>
-        </p:style>
-        <p:txBody>
-          <a:bodyPr rtlCol="0" anchor="ctr"/>
-          <a:lstStyle/>
-          <a:p>
-            <a:pPr algn="ctr"/>
-            <a:endParaRPr lang="pt-BR"/>
-          </a:p>
-        </p:txBody>
-      </p:sp>
-      <p:sp>
-        <p:nvSpPr>
-          <p:cNvPr id="44" name="Retângulo: Cantos Arredondados 43">
-            <a:extLst>
-              <a:ext uri="{FF2B5EF4-FFF2-40B4-BE49-F238E27FC236}">
-                <a16:creationId xmlns:a16="http://schemas.microsoft.com/office/drawing/2014/main" id="{2E20C2F7-AFE5-50A7-DE08-898C76062DF6}"/>
-              </a:ext>
-            </a:extLst>
-          </p:cNvPr>
-          <p:cNvSpPr/>
-          <p:nvPr/>
-        </p:nvSpPr>
-        <p:spPr>
-          <a:xfrm rot="5400000">
-            <a:off x="6846453" y="992840"/>
-            <a:ext cx="715273" cy="1859211"/>
-          </a:xfrm>
-          <a:prstGeom prst="roundRect">
-            <a:avLst/>
-          </a:prstGeom>
-          <a:gradFill flip="none" rotWithShape="0">
-            <a:gsLst>
-              <a:gs pos="29000">
-                <a:srgbClr val="05313D"/>
-              </a:gs>
-              <a:gs pos="52000">
-                <a:srgbClr val="123B47"/>
-              </a:gs>
-              <a:gs pos="70000">
-                <a:srgbClr val="1E4550"/>
-              </a:gs>
-            </a:gsLst>
-            <a:lin ang="2700000" scaled="1"/>
-            <a:tileRect/>
-          </a:gradFill>
-          <a:ln>
-            <a:noFill/>
-          </a:ln>
-          <a:effectLst>
-            <a:outerShdw blurRad="63500" sx="102000" sy="102000" algn="ctr" rotWithShape="0">
-              <a:prstClr val="black">
-                <a:alpha val="40000"/>
-              </a:prstClr>
-            </a:outerShdw>
-          </a:effectLst>
-        </p:spPr>
-        <p:style>
-          <a:lnRef idx="2">
-            <a:schemeClr val="accent1">
-              <a:shade val="50000"/>
-            </a:schemeClr>
-          </a:lnRef>
-          <a:fillRef idx="1">
-            <a:schemeClr val="accent1"/>
-          </a:fillRef>
-          <a:effectRef idx="0">
-            <a:schemeClr val="accent1"/>
-          </a:effectRef>
-          <a:fontRef idx="minor">
-            <a:schemeClr val="lt1"/>
-          </a:fontRef>
-        </p:style>
-        <p:txBody>
-          <a:bodyPr rtlCol="0" anchor="ctr"/>
-          <a:lstStyle/>
-          <a:p>
-            <a:pPr algn="ctr"/>
-            <a:endParaRPr lang="pt-BR"/>
-          </a:p>
-        </p:txBody>
-      </p:sp>
-      <p:sp>
-        <p:nvSpPr>
-          <p:cNvPr id="45" name="Retângulo: Cantos Arredondados 44">
-            <a:extLst>
-              <a:ext uri="{FF2B5EF4-FFF2-40B4-BE49-F238E27FC236}">
-                <a16:creationId xmlns:a16="http://schemas.microsoft.com/office/drawing/2014/main" id="{1A09521F-2BD5-FC09-6847-5F547075AC5A}"/>
-              </a:ext>
-            </a:extLst>
-          </p:cNvPr>
-          <p:cNvSpPr/>
-          <p:nvPr/>
-        </p:nvSpPr>
-        <p:spPr>
-          <a:xfrm rot="5400000">
-            <a:off x="8771716" y="999334"/>
-            <a:ext cx="715273" cy="1859211"/>
-          </a:xfrm>
-          <a:prstGeom prst="roundRect">
-            <a:avLst/>
-          </a:prstGeom>
-          <a:gradFill flip="none" rotWithShape="0">
-            <a:gsLst>
-              <a:gs pos="29000">
-                <a:srgbClr val="05313D"/>
-              </a:gs>
-              <a:gs pos="52000">
-                <a:srgbClr val="123B47"/>
-              </a:gs>
-              <a:gs pos="70000">
-                <a:srgbClr val="1E4550"/>
-              </a:gs>
-            </a:gsLst>
-            <a:lin ang="2700000" scaled="1"/>
-            <a:tileRect/>
-          </a:gradFill>
-          <a:ln>
-            <a:noFill/>
-          </a:ln>
-          <a:effectLst>
-            <a:outerShdw blurRad="63500" sx="102000" sy="102000" algn="ctr" rotWithShape="0">
-              <a:prstClr val="black">
-                <a:alpha val="40000"/>
-              </a:prstClr>
-            </a:outerShdw>
-          </a:effectLst>
-        </p:spPr>
-        <p:style>
-          <a:lnRef idx="2">
-            <a:schemeClr val="accent1">
-              <a:shade val="50000"/>
-            </a:schemeClr>
-          </a:lnRef>
-          <a:fillRef idx="1">
-            <a:schemeClr val="accent1"/>
-          </a:fillRef>
-          <a:effectRef idx="0">
-            <a:schemeClr val="accent1"/>
-          </a:effectRef>
-          <a:fontRef idx="minor">
-            <a:schemeClr val="lt1"/>
-          </a:fontRef>
-        </p:style>
-        <p:txBody>
-          <a:bodyPr rtlCol="0" anchor="ctr"/>
-          <a:lstStyle/>
-          <a:p>
-            <a:pPr algn="ctr"/>
-            <a:endParaRPr lang="pt-BR"/>
-          </a:p>
-        </p:txBody>
-      </p:sp>
-      <p:sp>
-        <p:nvSpPr>
-          <p:cNvPr id="46" name="Retângulo: Cantos Arredondados 45">
-            <a:extLst>
-              <a:ext uri="{FF2B5EF4-FFF2-40B4-BE49-F238E27FC236}">
-                <a16:creationId xmlns:a16="http://schemas.microsoft.com/office/drawing/2014/main" id="{E665A2F5-A6F8-7EB3-F0CE-5494C11D6760}"/>
-              </a:ext>
-            </a:extLst>
-          </p:cNvPr>
-          <p:cNvSpPr/>
-          <p:nvPr/>
-        </p:nvSpPr>
-        <p:spPr>
-          <a:xfrm rot="5400000">
-            <a:off x="10699659" y="999333"/>
-            <a:ext cx="715273" cy="1859211"/>
-          </a:xfrm>
-          <a:prstGeom prst="roundRect">
-            <a:avLst/>
-          </a:prstGeom>
-          <a:gradFill flip="none" rotWithShape="0">
-            <a:gsLst>
-              <a:gs pos="29000">
-                <a:srgbClr val="05313D"/>
-              </a:gs>
-              <a:gs pos="52000">
-                <a:srgbClr val="123B47"/>
-              </a:gs>
-              <a:gs pos="70000">
-                <a:srgbClr val="1E4550"/>
-              </a:gs>
-            </a:gsLst>
-            <a:lin ang="2700000" scaled="1"/>
-            <a:tileRect/>
-          </a:gradFill>
-          <a:ln>
-            <a:noFill/>
-          </a:ln>
-          <a:effectLst>
-            <a:outerShdw blurRad="50800" dist="38100" algn="l" rotWithShape="0">
-              <a:prstClr val="black">
-                <a:alpha val="40000"/>
-              </a:prstClr>
-            </a:outerShdw>
-          </a:effectLst>
-        </p:spPr>
-        <p:style>
-          <a:lnRef idx="2">
-            <a:schemeClr val="accent1">
-              <a:shade val="50000"/>
-            </a:schemeClr>
-          </a:lnRef>
-          <a:fillRef idx="1">
-            <a:schemeClr val="accent1"/>
-          </a:fillRef>
-          <a:effectRef idx="0">
-            <a:schemeClr val="accent1"/>
-          </a:effectRef>
-          <a:fontRef idx="minor">
-            <a:schemeClr val="lt1"/>
-          </a:fontRef>
-        </p:style>
-        <p:txBody>
-          <a:bodyPr rtlCol="0" anchor="ctr"/>
-          <a:lstStyle/>
-          <a:p>
-            <a:pPr algn="ctr"/>
-            <a:endParaRPr lang="pt-BR"/>
-          </a:p>
-        </p:txBody>
-      </p:sp>
-      <p:sp>
-        <p:nvSpPr>
-          <p:cNvPr id="47" name="Retângulo: Cantos Arredondados 46">
-            <a:extLst>
-              <a:ext uri="{FF2B5EF4-FFF2-40B4-BE49-F238E27FC236}">
-                <a16:creationId xmlns:a16="http://schemas.microsoft.com/office/drawing/2014/main" id="{1C175F66-FE8B-D3A5-8ABA-B973300936B3}"/>
-              </a:ext>
-            </a:extLst>
-          </p:cNvPr>
-          <p:cNvSpPr/>
-          <p:nvPr/>
-        </p:nvSpPr>
-        <p:spPr>
-          <a:xfrm rot="5400000">
-            <a:off x="8801221" y="5432810"/>
-            <a:ext cx="715273" cy="1859211"/>
-          </a:xfrm>
-          <a:prstGeom prst="roundRect">
-            <a:avLst/>
-          </a:prstGeom>
-          <a:gradFill flip="none" rotWithShape="0">
-            <a:gsLst>
-              <a:gs pos="29000">
-                <a:srgbClr val="05313D"/>
-              </a:gs>
-              <a:gs pos="52000">
-                <a:srgbClr val="123B47"/>
-              </a:gs>
-              <a:gs pos="70000">
-                <a:srgbClr val="1E4550"/>
-              </a:gs>
-            </a:gsLst>
-            <a:lin ang="2700000" scaled="1"/>
-            <a:tileRect/>
-          </a:gradFill>
-          <a:ln>
-            <a:noFill/>
-          </a:ln>
-          <a:effectLst>
-            <a:outerShdw blurRad="50800" dist="38100" dir="5400000" algn="t" rotWithShape="0">
-              <a:prstClr val="black">
-                <a:alpha val="40000"/>
-              </a:prstClr>
-            </a:outerShdw>
-          </a:effectLst>
-        </p:spPr>
-        <p:style>
-          <a:lnRef idx="2">
-            <a:schemeClr val="accent1">
-              <a:shade val="50000"/>
-            </a:schemeClr>
-          </a:lnRef>
-          <a:fillRef idx="1">
-            <a:schemeClr val="accent1"/>
-          </a:fillRef>
-          <a:effectRef idx="0">
-            <a:schemeClr val="accent1"/>
-          </a:effectRef>
-          <a:fontRef idx="minor">
-            <a:schemeClr val="lt1"/>
-          </a:fontRef>
-        </p:style>
-        <p:txBody>
-          <a:bodyPr rtlCol="0" anchor="ctr"/>
-          <a:lstStyle/>
-          <a:p>
-            <a:pPr algn="ctr"/>
-            <a:endParaRPr lang="pt-BR" dirty="0"/>
-          </a:p>
-        </p:txBody>
-      </p:sp>
-      <p:sp>
-        <p:nvSpPr>
-          <p:cNvPr id="48" name="Retângulo: Cantos Arredondados 47">
-            <a:extLst>
-              <a:ext uri="{FF2B5EF4-FFF2-40B4-BE49-F238E27FC236}">
-                <a16:creationId xmlns:a16="http://schemas.microsoft.com/office/drawing/2014/main" id="{E67F260F-AB64-860C-CFDC-1C432C458006}"/>
-              </a:ext>
-            </a:extLst>
-          </p:cNvPr>
-          <p:cNvSpPr/>
-          <p:nvPr/>
-        </p:nvSpPr>
-        <p:spPr>
-          <a:xfrm>
-            <a:off x="1038707" y="69933"/>
-            <a:ext cx="3364273" cy="461666"/>
-          </a:xfrm>
-          <a:prstGeom prst="roundRect">
-            <a:avLst/>
-          </a:prstGeom>
-          <a:gradFill flip="none" rotWithShape="1">
-            <a:gsLst>
-              <a:gs pos="0">
-                <a:srgbClr val="506E77">
-                  <a:shade val="30000"/>
-                  <a:satMod val="115000"/>
-                </a:srgbClr>
-              </a:gs>
-              <a:gs pos="50000">
-                <a:srgbClr val="506E77">
-                  <a:shade val="67500"/>
-                  <a:satMod val="115000"/>
-                </a:srgbClr>
-              </a:gs>
-              <a:gs pos="100000">
-                <a:srgbClr val="506E77">
-                  <a:shade val="100000"/>
-                  <a:satMod val="115000"/>
-                </a:srgbClr>
-              </a:gs>
-            </a:gsLst>
-            <a:lin ang="18900000" scaled="1"/>
-            <a:tileRect/>
-          </a:gradFill>
-          <a:ln>
-            <a:noFill/>
-          </a:ln>
-          <a:effectLst>
-            <a:outerShdw blurRad="50800" dist="38100" dir="8100000" algn="tr" rotWithShape="0">
-              <a:prstClr val="black">
-                <a:alpha val="40000"/>
-              </a:prstClr>
-            </a:outerShdw>
-          </a:effectLst>
-        </p:spPr>
-        <p:style>
-          <a:lnRef idx="2">
-            <a:schemeClr val="accent1">
-              <a:shade val="50000"/>
-            </a:schemeClr>
-          </a:lnRef>
-          <a:fillRef idx="1">
-            <a:schemeClr val="accent1"/>
-          </a:fillRef>
-          <a:effectRef idx="0">
-            <a:schemeClr val="accent1"/>
-          </a:effectRef>
-          <a:fontRef idx="minor">
-            <a:schemeClr val="lt1"/>
-          </a:fontRef>
-        </p:style>
-        <p:txBody>
-          <a:bodyPr rtlCol="0" anchor="ctr"/>
-          <a:lstStyle/>
-          <a:p>
-            <a:pPr algn="ctr"/>
-            <a:endParaRPr lang="pt-BR"/>
-          </a:p>
-        </p:txBody>
-      </p:sp>
-      <p:sp>
-        <p:nvSpPr>
-          <p:cNvPr id="38" name="CaixaDeTexto 37">
-            <a:extLst>
-              <a:ext uri="{FF2B5EF4-FFF2-40B4-BE49-F238E27FC236}">
-                <a16:creationId xmlns:a16="http://schemas.microsoft.com/office/drawing/2014/main" id="{D68014B6-2DBA-22C9-23E9-8C186125DC73}"/>
-              </a:ext>
-            </a:extLst>
-          </p:cNvPr>
-          <p:cNvSpPr txBox="1">
-            <a:spLocks/>
-          </p:cNvSpPr>
-          <p:nvPr/>
-        </p:nvSpPr>
-        <p:spPr>
-          <a:xfrm>
-            <a:off x="1058421" y="69934"/>
-            <a:ext cx="3037329" cy="461665"/>
-          </a:xfrm>
-          <a:prstGeom prst="rect">
-            <a:avLst/>
-          </a:prstGeom>
-          <a:noFill/>
-          <a:effectLst>
-            <a:outerShdw blurRad="50800" dist="38100" dir="2700000" algn="tl" rotWithShape="0">
-              <a:prstClr val="black">
-                <a:alpha val="40000"/>
-              </a:prstClr>
-            </a:outerShdw>
-          </a:effectLst>
-        </p:spPr>
-        <p:txBody>
-          <a:bodyPr wrap="square" rtlCol="0">
-            <a:spAutoFit/>
-          </a:bodyPr>
-          <a:lstStyle/>
-          <a:p>
-            <a:r>
-              <a:rPr lang="pt-BR" sz="2400" b="1" dirty="0">
-                <a:solidFill>
-                  <a:schemeClr val="bg1">
-                    <a:lumMod val="85000"/>
-                  </a:schemeClr>
-                </a:solidFill>
-              </a:rPr>
-              <a:t>Uniforme Masculino</a:t>
+              <a:t>CONTROLE DE ESTQOUE</a:t>
             </a:r>
           </a:p>
         </p:txBody>
@@ -9777,7 +9873,7 @@
     </p:spTree>
     <p:extLst>
       <p:ext uri="{BB962C8B-B14F-4D97-AF65-F5344CB8AC3E}">
-        <p14:creationId xmlns:p14="http://schemas.microsoft.com/office/powerpoint/2010/main" val="4292362389"/>
+        <p14:creationId xmlns:p14="http://schemas.microsoft.com/office/powerpoint/2010/main" val="3485702468"/>
       </p:ext>
     </p:extLst>
   </p:cSld>
@@ -9800,13 +9896,7 @@
     </p:bg>
     <p:spTree>
       <p:nvGrpSpPr>
-        <p:cNvPr id="1" name="">
-          <a:extLst>
-            <a:ext uri="{FF2B5EF4-FFF2-40B4-BE49-F238E27FC236}">
-              <a16:creationId xmlns:a16="http://schemas.microsoft.com/office/drawing/2014/main" id="{F4DEF2CE-DFEB-C5FF-2822-3C86E6EA9CB2}"/>
-            </a:ext>
-          </a:extLst>
-        </p:cNvPr>
+        <p:cNvPr id="1" name=""/>
         <p:cNvGrpSpPr/>
         <p:nvPr/>
       </p:nvGrpSpPr>
@@ -9823,7 +9913,7 @@
           <p:cNvPr id="52" name="Retângulo: Cantos Arredondados 51">
             <a:extLst>
               <a:ext uri="{FF2B5EF4-FFF2-40B4-BE49-F238E27FC236}">
-                <a16:creationId xmlns:a16="http://schemas.microsoft.com/office/drawing/2014/main" id="{4EEA2246-AC97-EEE7-2E3E-E128543A3E2F}"/>
+                <a16:creationId xmlns:a16="http://schemas.microsoft.com/office/drawing/2014/main" id="{8C425BCE-EFE4-2239-449C-0AB6A0CB75D8}"/>
               </a:ext>
             </a:extLst>
           </p:cNvPr>
@@ -9872,12 +9962,1225 @@
           </a:p>
         </p:txBody>
       </p:sp>
+      <p:sp>
+        <p:nvSpPr>
+          <p:cNvPr id="41" name="Retângulo: Cantos Arredondados 40">
+            <a:extLst>
+              <a:ext uri="{FF2B5EF4-FFF2-40B4-BE49-F238E27FC236}">
+                <a16:creationId xmlns:a16="http://schemas.microsoft.com/office/drawing/2014/main" id="{D354C338-D567-1357-19E9-0739E0362066}"/>
+              </a:ext>
+            </a:extLst>
+          </p:cNvPr>
+          <p:cNvSpPr/>
+          <p:nvPr/>
+        </p:nvSpPr>
+        <p:spPr>
+          <a:xfrm rot="5400000">
+            <a:off x="5784428" y="-5799900"/>
+            <a:ext cx="632473" cy="12201332"/>
+          </a:xfrm>
+          <a:prstGeom prst="roundRect">
+            <a:avLst>
+              <a:gd name="adj" fmla="val 0"/>
+            </a:avLst>
+          </a:prstGeom>
+          <a:gradFill flip="none" rotWithShape="1">
+            <a:gsLst>
+              <a:gs pos="82400">
+                <a:srgbClr val="1D4450"/>
+              </a:gs>
+              <a:gs pos="0">
+                <a:srgbClr val="05313D"/>
+              </a:gs>
+              <a:gs pos="50000">
+                <a:srgbClr val="1E4550"/>
+              </a:gs>
+              <a:gs pos="100000">
+                <a:srgbClr val="0E3844"/>
+              </a:gs>
+            </a:gsLst>
+            <a:lin ang="13500000" scaled="1"/>
+            <a:tileRect/>
+          </a:gradFill>
+          <a:ln>
+            <a:noFill/>
+          </a:ln>
+        </p:spPr>
+        <p:style>
+          <a:lnRef idx="2">
+            <a:schemeClr val="accent1">
+              <a:shade val="50000"/>
+            </a:schemeClr>
+          </a:lnRef>
+          <a:fillRef idx="1">
+            <a:schemeClr val="accent1"/>
+          </a:fillRef>
+          <a:effectRef idx="0">
+            <a:schemeClr val="accent1"/>
+          </a:effectRef>
+          <a:fontRef idx="minor">
+            <a:schemeClr val="lt1"/>
+          </a:fontRef>
+        </p:style>
+        <p:txBody>
+          <a:bodyPr rtlCol="0" anchor="ctr"/>
+          <a:lstStyle/>
+          <a:p>
+            <a:pPr algn="ctr"/>
+            <a:endParaRPr lang="pt-BR"/>
+          </a:p>
+        </p:txBody>
+      </p:sp>
+      <p:sp>
+        <p:nvSpPr>
+          <p:cNvPr id="2" name="Retângulo: Cantos Arredondados 1">
+            <a:extLst>
+              <a:ext uri="{FF2B5EF4-FFF2-40B4-BE49-F238E27FC236}">
+                <a16:creationId xmlns:a16="http://schemas.microsoft.com/office/drawing/2014/main" id="{6A52CB4E-E91C-926A-44FD-F7A6688AEAC3}"/>
+              </a:ext>
+            </a:extLst>
+          </p:cNvPr>
+          <p:cNvSpPr/>
+          <p:nvPr/>
+        </p:nvSpPr>
+        <p:spPr>
+          <a:xfrm rot="5400000">
+            <a:off x="6798539" y="1614095"/>
+            <a:ext cx="2806382" cy="7609823"/>
+          </a:xfrm>
+          <a:prstGeom prst="roundRect">
+            <a:avLst/>
+          </a:prstGeom>
+          <a:gradFill flip="none" rotWithShape="0">
+            <a:gsLst>
+              <a:gs pos="29000">
+                <a:srgbClr val="05313D"/>
+              </a:gs>
+              <a:gs pos="52000">
+                <a:srgbClr val="123B47"/>
+              </a:gs>
+              <a:gs pos="70000">
+                <a:srgbClr val="1E4550"/>
+              </a:gs>
+            </a:gsLst>
+            <a:lin ang="2700000" scaled="1"/>
+            <a:tileRect/>
+          </a:gradFill>
+          <a:ln>
+            <a:noFill/>
+          </a:ln>
+          <a:effectLst>
+            <a:outerShdw blurRad="50800" dist="38100" dir="2700000" algn="tl" rotWithShape="0">
+              <a:prstClr val="black">
+                <a:alpha val="40000"/>
+              </a:prstClr>
+            </a:outerShdw>
+          </a:effectLst>
+        </p:spPr>
+        <p:style>
+          <a:lnRef idx="2">
+            <a:schemeClr val="accent1">
+              <a:shade val="50000"/>
+            </a:schemeClr>
+          </a:lnRef>
+          <a:fillRef idx="1">
+            <a:schemeClr val="accent1"/>
+          </a:fillRef>
+          <a:effectRef idx="0">
+            <a:schemeClr val="accent1"/>
+          </a:effectRef>
+          <a:fontRef idx="minor">
+            <a:schemeClr val="lt1"/>
+          </a:fontRef>
+        </p:style>
+        <p:txBody>
+          <a:bodyPr rtlCol="0" anchor="ctr"/>
+          <a:lstStyle/>
+          <a:p>
+            <a:pPr algn="ctr"/>
+            <a:endParaRPr lang="pt-BR"/>
+          </a:p>
+        </p:txBody>
+      </p:sp>
+      <p:sp>
+        <p:nvSpPr>
+          <p:cNvPr id="3" name="Retângulo: Cantos Arredondados 2">
+            <a:extLst>
+              <a:ext uri="{FF2B5EF4-FFF2-40B4-BE49-F238E27FC236}">
+                <a16:creationId xmlns:a16="http://schemas.microsoft.com/office/drawing/2014/main" id="{4E1E2562-D86C-7B7B-988D-F3865ADE9BC1}"/>
+              </a:ext>
+            </a:extLst>
+          </p:cNvPr>
+          <p:cNvSpPr/>
+          <p:nvPr/>
+        </p:nvSpPr>
+        <p:spPr>
+          <a:xfrm rot="5400000">
+            <a:off x="4896177" y="213988"/>
+            <a:ext cx="637997" cy="1636715"/>
+          </a:xfrm>
+          <a:prstGeom prst="roundRect">
+            <a:avLst/>
+          </a:prstGeom>
+          <a:gradFill flip="none" rotWithShape="0">
+            <a:gsLst>
+              <a:gs pos="29000">
+                <a:srgbClr val="05313D"/>
+              </a:gs>
+              <a:gs pos="52000">
+                <a:srgbClr val="123B47"/>
+              </a:gs>
+              <a:gs pos="70000">
+                <a:srgbClr val="1E4550"/>
+              </a:gs>
+            </a:gsLst>
+            <a:lin ang="2700000" scaled="1"/>
+            <a:tileRect/>
+          </a:gradFill>
+          <a:ln>
+            <a:noFill/>
+          </a:ln>
+          <a:effectLst>
+            <a:outerShdw blurRad="50800" dist="38100" dir="16200000" rotWithShape="0">
+              <a:prstClr val="black">
+                <a:alpha val="40000"/>
+              </a:prstClr>
+            </a:outerShdw>
+          </a:effectLst>
+        </p:spPr>
+        <p:style>
+          <a:lnRef idx="2">
+            <a:schemeClr val="accent1">
+              <a:shade val="50000"/>
+            </a:schemeClr>
+          </a:lnRef>
+          <a:fillRef idx="1">
+            <a:schemeClr val="accent1"/>
+          </a:fillRef>
+          <a:effectRef idx="0">
+            <a:schemeClr val="accent1"/>
+          </a:effectRef>
+          <a:fontRef idx="minor">
+            <a:schemeClr val="lt1"/>
+          </a:fontRef>
+        </p:style>
+        <p:txBody>
+          <a:bodyPr rtlCol="0" anchor="ctr"/>
+          <a:lstStyle/>
+          <a:p>
+            <a:pPr algn="ctr"/>
+            <a:endParaRPr lang="pt-BR"/>
+          </a:p>
+        </p:txBody>
+      </p:sp>
+      <p:sp>
+        <p:nvSpPr>
+          <p:cNvPr id="8" name="Retângulo: Cantos Arredondados 7">
+            <a:extLst>
+              <a:ext uri="{FF2B5EF4-FFF2-40B4-BE49-F238E27FC236}">
+                <a16:creationId xmlns:a16="http://schemas.microsoft.com/office/drawing/2014/main" id="{9B4DF4F9-9BDD-1959-1473-43BEE995C15B}"/>
+              </a:ext>
+            </a:extLst>
+          </p:cNvPr>
+          <p:cNvSpPr/>
+          <p:nvPr/>
+        </p:nvSpPr>
+        <p:spPr>
+          <a:xfrm rot="5400000">
+            <a:off x="6885115" y="220969"/>
+            <a:ext cx="637997" cy="1636715"/>
+          </a:xfrm>
+          <a:prstGeom prst="roundRect">
+            <a:avLst/>
+          </a:prstGeom>
+          <a:gradFill flip="none" rotWithShape="0">
+            <a:gsLst>
+              <a:gs pos="29000">
+                <a:srgbClr val="05313D"/>
+              </a:gs>
+              <a:gs pos="52000">
+                <a:srgbClr val="123B47"/>
+              </a:gs>
+              <a:gs pos="70000">
+                <a:srgbClr val="1E4550"/>
+              </a:gs>
+            </a:gsLst>
+            <a:lin ang="2700000" scaled="1"/>
+            <a:tileRect/>
+          </a:gradFill>
+          <a:ln>
+            <a:noFill/>
+          </a:ln>
+          <a:effectLst>
+            <a:outerShdw blurRad="50800" dist="38100" dir="16200000" rotWithShape="0">
+              <a:prstClr val="black">
+                <a:alpha val="40000"/>
+              </a:prstClr>
+            </a:outerShdw>
+          </a:effectLst>
+        </p:spPr>
+        <p:style>
+          <a:lnRef idx="2">
+            <a:schemeClr val="accent1">
+              <a:shade val="50000"/>
+            </a:schemeClr>
+          </a:lnRef>
+          <a:fillRef idx="1">
+            <a:schemeClr val="accent1"/>
+          </a:fillRef>
+          <a:effectRef idx="0">
+            <a:schemeClr val="accent1"/>
+          </a:effectRef>
+          <a:fontRef idx="minor">
+            <a:schemeClr val="lt1"/>
+          </a:fontRef>
+        </p:style>
+        <p:txBody>
+          <a:bodyPr rtlCol="0" anchor="ctr"/>
+          <a:lstStyle/>
+          <a:p>
+            <a:pPr algn="ctr"/>
+            <a:endParaRPr lang="pt-BR"/>
+          </a:p>
+        </p:txBody>
+      </p:sp>
+      <p:sp>
+        <p:nvSpPr>
+          <p:cNvPr id="9" name="Retângulo: Cantos Arredondados 8">
+            <a:extLst>
+              <a:ext uri="{FF2B5EF4-FFF2-40B4-BE49-F238E27FC236}">
+                <a16:creationId xmlns:a16="http://schemas.microsoft.com/office/drawing/2014/main" id="{7E6488A8-59FD-2D3A-F91C-20BCF55D7D72}"/>
+              </a:ext>
+            </a:extLst>
+          </p:cNvPr>
+          <p:cNvSpPr/>
+          <p:nvPr/>
+        </p:nvSpPr>
+        <p:spPr>
+          <a:xfrm rot="5400000">
+            <a:off x="8847414" y="210511"/>
+            <a:ext cx="637997" cy="1636715"/>
+          </a:xfrm>
+          <a:prstGeom prst="roundRect">
+            <a:avLst/>
+          </a:prstGeom>
+          <a:gradFill flip="none" rotWithShape="0">
+            <a:gsLst>
+              <a:gs pos="29000">
+                <a:srgbClr val="05313D"/>
+              </a:gs>
+              <a:gs pos="52000">
+                <a:srgbClr val="123B47"/>
+              </a:gs>
+              <a:gs pos="70000">
+                <a:srgbClr val="1E4550"/>
+              </a:gs>
+            </a:gsLst>
+            <a:lin ang="2700000" scaled="1"/>
+            <a:tileRect/>
+          </a:gradFill>
+          <a:ln>
+            <a:noFill/>
+          </a:ln>
+          <a:effectLst>
+            <a:outerShdw blurRad="50800" dist="38100" dir="16200000" rotWithShape="0">
+              <a:prstClr val="black">
+                <a:alpha val="40000"/>
+              </a:prstClr>
+            </a:outerShdw>
+          </a:effectLst>
+        </p:spPr>
+        <p:style>
+          <a:lnRef idx="2">
+            <a:schemeClr val="accent1">
+              <a:shade val="50000"/>
+            </a:schemeClr>
+          </a:lnRef>
+          <a:fillRef idx="1">
+            <a:schemeClr val="accent1"/>
+          </a:fillRef>
+          <a:effectRef idx="0">
+            <a:schemeClr val="accent1"/>
+          </a:effectRef>
+          <a:fontRef idx="minor">
+            <a:schemeClr val="lt1"/>
+          </a:fontRef>
+        </p:style>
+        <p:txBody>
+          <a:bodyPr rtlCol="0" anchor="ctr"/>
+          <a:lstStyle/>
+          <a:p>
+            <a:pPr algn="ctr"/>
+            <a:endParaRPr lang="pt-BR"/>
+          </a:p>
+        </p:txBody>
+      </p:sp>
+      <p:sp>
+        <p:nvSpPr>
+          <p:cNvPr id="11" name="Retângulo: Cantos Arredondados 10">
+            <a:extLst>
+              <a:ext uri="{FF2B5EF4-FFF2-40B4-BE49-F238E27FC236}">
+                <a16:creationId xmlns:a16="http://schemas.microsoft.com/office/drawing/2014/main" id="{2353C82F-66C2-2DD1-3859-3000C7A0443B}"/>
+              </a:ext>
+            </a:extLst>
+          </p:cNvPr>
+          <p:cNvSpPr/>
+          <p:nvPr/>
+        </p:nvSpPr>
+        <p:spPr>
+          <a:xfrm rot="5400000">
+            <a:off x="10809713" y="204340"/>
+            <a:ext cx="637997" cy="1636715"/>
+          </a:xfrm>
+          <a:prstGeom prst="roundRect">
+            <a:avLst/>
+          </a:prstGeom>
+          <a:gradFill flip="none" rotWithShape="0">
+            <a:gsLst>
+              <a:gs pos="29000">
+                <a:srgbClr val="05313D"/>
+              </a:gs>
+              <a:gs pos="52000">
+                <a:srgbClr val="123B47"/>
+              </a:gs>
+              <a:gs pos="70000">
+                <a:srgbClr val="1E4550"/>
+              </a:gs>
+            </a:gsLst>
+            <a:lin ang="2700000" scaled="1"/>
+            <a:tileRect/>
+          </a:gradFill>
+          <a:ln>
+            <a:noFill/>
+          </a:ln>
+          <a:effectLst>
+            <a:outerShdw blurRad="50800" dist="38100" dir="18900000" algn="bl" rotWithShape="0">
+              <a:prstClr val="black">
+                <a:alpha val="40000"/>
+              </a:prstClr>
+            </a:outerShdw>
+          </a:effectLst>
+        </p:spPr>
+        <p:style>
+          <a:lnRef idx="2">
+            <a:schemeClr val="accent1">
+              <a:shade val="50000"/>
+            </a:schemeClr>
+          </a:lnRef>
+          <a:fillRef idx="1">
+            <a:schemeClr val="accent1"/>
+          </a:fillRef>
+          <a:effectRef idx="0">
+            <a:schemeClr val="accent1"/>
+          </a:effectRef>
+          <a:fontRef idx="minor">
+            <a:schemeClr val="lt1"/>
+          </a:fontRef>
+        </p:style>
+        <p:txBody>
+          <a:bodyPr rtlCol="0" anchor="ctr"/>
+          <a:lstStyle/>
+          <a:p>
+            <a:pPr algn="ctr"/>
+            <a:endParaRPr lang="pt-BR"/>
+          </a:p>
+        </p:txBody>
+      </p:sp>
+      <p:sp>
+        <p:nvSpPr>
+          <p:cNvPr id="12" name="Retângulo: Cantos Arredondados 11">
+            <a:extLst>
+              <a:ext uri="{FF2B5EF4-FFF2-40B4-BE49-F238E27FC236}">
+                <a16:creationId xmlns:a16="http://schemas.microsoft.com/office/drawing/2014/main" id="{69E8512B-CD0C-46E7-BFD3-847D122FD6B1}"/>
+              </a:ext>
+            </a:extLst>
+          </p:cNvPr>
+          <p:cNvSpPr/>
+          <p:nvPr/>
+        </p:nvSpPr>
+        <p:spPr>
+          <a:xfrm rot="5400000">
+            <a:off x="4909497" y="1040652"/>
+            <a:ext cx="637997" cy="1636715"/>
+          </a:xfrm>
+          <a:prstGeom prst="roundRect">
+            <a:avLst/>
+          </a:prstGeom>
+          <a:gradFill flip="none" rotWithShape="0">
+            <a:gsLst>
+              <a:gs pos="29000">
+                <a:srgbClr val="05313D"/>
+              </a:gs>
+              <a:gs pos="52000">
+                <a:srgbClr val="123B47"/>
+              </a:gs>
+              <a:gs pos="70000">
+                <a:srgbClr val="1E4550"/>
+              </a:gs>
+            </a:gsLst>
+            <a:lin ang="2700000" scaled="1"/>
+            <a:tileRect/>
+          </a:gradFill>
+          <a:ln>
+            <a:noFill/>
+          </a:ln>
+        </p:spPr>
+        <p:style>
+          <a:lnRef idx="2">
+            <a:schemeClr val="accent1">
+              <a:shade val="50000"/>
+            </a:schemeClr>
+          </a:lnRef>
+          <a:fillRef idx="1">
+            <a:schemeClr val="accent1"/>
+          </a:fillRef>
+          <a:effectRef idx="0">
+            <a:schemeClr val="accent1"/>
+          </a:effectRef>
+          <a:fontRef idx="minor">
+            <a:schemeClr val="lt1"/>
+          </a:fontRef>
+        </p:style>
+        <p:txBody>
+          <a:bodyPr rtlCol="0" anchor="ctr"/>
+          <a:lstStyle/>
+          <a:p>
+            <a:pPr algn="ctr"/>
+            <a:endParaRPr lang="pt-BR"/>
+          </a:p>
+        </p:txBody>
+      </p:sp>
+      <p:sp>
+        <p:nvSpPr>
+          <p:cNvPr id="13" name="Retângulo: Cantos Arredondados 12">
+            <a:extLst>
+              <a:ext uri="{FF2B5EF4-FFF2-40B4-BE49-F238E27FC236}">
+                <a16:creationId xmlns:a16="http://schemas.microsoft.com/office/drawing/2014/main" id="{BBF28DED-8D97-E9C9-1E1C-2FB6C97A565C}"/>
+              </a:ext>
+            </a:extLst>
+          </p:cNvPr>
+          <p:cNvSpPr/>
+          <p:nvPr/>
+        </p:nvSpPr>
+        <p:spPr>
+          <a:xfrm rot="5400000">
+            <a:off x="6891775" y="1040652"/>
+            <a:ext cx="637997" cy="1636715"/>
+          </a:xfrm>
+          <a:prstGeom prst="roundRect">
+            <a:avLst/>
+          </a:prstGeom>
+          <a:gradFill flip="none" rotWithShape="0">
+            <a:gsLst>
+              <a:gs pos="29000">
+                <a:srgbClr val="05313D"/>
+              </a:gs>
+              <a:gs pos="52000">
+                <a:srgbClr val="123B47"/>
+              </a:gs>
+              <a:gs pos="70000">
+                <a:srgbClr val="1E4550"/>
+              </a:gs>
+            </a:gsLst>
+            <a:lin ang="2700000" scaled="1"/>
+            <a:tileRect/>
+          </a:gradFill>
+          <a:ln>
+            <a:noFill/>
+          </a:ln>
+        </p:spPr>
+        <p:style>
+          <a:lnRef idx="2">
+            <a:schemeClr val="accent1">
+              <a:shade val="50000"/>
+            </a:schemeClr>
+          </a:lnRef>
+          <a:fillRef idx="1">
+            <a:schemeClr val="accent1"/>
+          </a:fillRef>
+          <a:effectRef idx="0">
+            <a:schemeClr val="accent1"/>
+          </a:effectRef>
+          <a:fontRef idx="minor">
+            <a:schemeClr val="lt1"/>
+          </a:fontRef>
+        </p:style>
+        <p:txBody>
+          <a:bodyPr rtlCol="0" anchor="ctr"/>
+          <a:lstStyle/>
+          <a:p>
+            <a:pPr algn="ctr"/>
+            <a:endParaRPr lang="pt-BR"/>
+          </a:p>
+        </p:txBody>
+      </p:sp>
+      <p:sp>
+        <p:nvSpPr>
+          <p:cNvPr id="14" name="Retângulo: Cantos Arredondados 13">
+            <a:extLst>
+              <a:ext uri="{FF2B5EF4-FFF2-40B4-BE49-F238E27FC236}">
+                <a16:creationId xmlns:a16="http://schemas.microsoft.com/office/drawing/2014/main" id="{94D45B54-9427-2D1D-681B-52035BBBB42E}"/>
+              </a:ext>
+            </a:extLst>
+          </p:cNvPr>
+          <p:cNvSpPr/>
+          <p:nvPr/>
+        </p:nvSpPr>
+        <p:spPr>
+          <a:xfrm rot="5400000">
+            <a:off x="8874053" y="1040653"/>
+            <a:ext cx="637997" cy="1636715"/>
+          </a:xfrm>
+          <a:prstGeom prst="roundRect">
+            <a:avLst/>
+          </a:prstGeom>
+          <a:gradFill flip="none" rotWithShape="0">
+            <a:gsLst>
+              <a:gs pos="29000">
+                <a:srgbClr val="05313D"/>
+              </a:gs>
+              <a:gs pos="52000">
+                <a:srgbClr val="123B47"/>
+              </a:gs>
+              <a:gs pos="70000">
+                <a:srgbClr val="1E4550"/>
+              </a:gs>
+            </a:gsLst>
+            <a:lin ang="2700000" scaled="1"/>
+            <a:tileRect/>
+          </a:gradFill>
+          <a:ln>
+            <a:noFill/>
+          </a:ln>
+        </p:spPr>
+        <p:style>
+          <a:lnRef idx="2">
+            <a:schemeClr val="accent1">
+              <a:shade val="50000"/>
+            </a:schemeClr>
+          </a:lnRef>
+          <a:fillRef idx="1">
+            <a:schemeClr val="accent1"/>
+          </a:fillRef>
+          <a:effectRef idx="0">
+            <a:schemeClr val="accent1"/>
+          </a:effectRef>
+          <a:fontRef idx="minor">
+            <a:schemeClr val="lt1"/>
+          </a:fontRef>
+        </p:style>
+        <p:txBody>
+          <a:bodyPr rtlCol="0" anchor="ctr"/>
+          <a:lstStyle/>
+          <a:p>
+            <a:pPr algn="ctr"/>
+            <a:endParaRPr lang="pt-BR"/>
+          </a:p>
+        </p:txBody>
+      </p:sp>
+      <p:sp>
+        <p:nvSpPr>
+          <p:cNvPr id="15" name="Retângulo: Cantos Arredondados 14">
+            <a:extLst>
+              <a:ext uri="{FF2B5EF4-FFF2-40B4-BE49-F238E27FC236}">
+                <a16:creationId xmlns:a16="http://schemas.microsoft.com/office/drawing/2014/main" id="{8D8CB65A-18D0-A150-1827-318FFA3EF92A}"/>
+              </a:ext>
+            </a:extLst>
+          </p:cNvPr>
+          <p:cNvSpPr/>
+          <p:nvPr/>
+        </p:nvSpPr>
+        <p:spPr>
+          <a:xfrm rot="5400000">
+            <a:off x="10836352" y="1040653"/>
+            <a:ext cx="637997" cy="1636715"/>
+          </a:xfrm>
+          <a:prstGeom prst="roundRect">
+            <a:avLst/>
+          </a:prstGeom>
+          <a:gradFill flip="none" rotWithShape="0">
+            <a:gsLst>
+              <a:gs pos="29000">
+                <a:srgbClr val="05313D"/>
+              </a:gs>
+              <a:gs pos="52000">
+                <a:srgbClr val="123B47"/>
+              </a:gs>
+              <a:gs pos="70000">
+                <a:srgbClr val="1E4550"/>
+              </a:gs>
+            </a:gsLst>
+            <a:lin ang="2700000" scaled="1"/>
+            <a:tileRect/>
+          </a:gradFill>
+          <a:ln>
+            <a:noFill/>
+          </a:ln>
+          <a:effectLst>
+            <a:outerShdw blurRad="50800" dist="38100" algn="l" rotWithShape="0">
+              <a:prstClr val="black">
+                <a:alpha val="40000"/>
+              </a:prstClr>
+            </a:outerShdw>
+          </a:effectLst>
+        </p:spPr>
+        <p:style>
+          <a:lnRef idx="2">
+            <a:schemeClr val="accent1">
+              <a:shade val="50000"/>
+            </a:schemeClr>
+          </a:lnRef>
+          <a:fillRef idx="1">
+            <a:schemeClr val="accent1"/>
+          </a:fillRef>
+          <a:effectRef idx="0">
+            <a:schemeClr val="accent1"/>
+          </a:effectRef>
+          <a:fontRef idx="minor">
+            <a:schemeClr val="lt1"/>
+          </a:fontRef>
+        </p:style>
+        <p:txBody>
+          <a:bodyPr rtlCol="0" anchor="ctr"/>
+          <a:lstStyle/>
+          <a:p>
+            <a:pPr algn="ctr"/>
+            <a:endParaRPr lang="pt-BR"/>
+          </a:p>
+        </p:txBody>
+      </p:sp>
+      <p:sp>
+        <p:nvSpPr>
+          <p:cNvPr id="16" name="Retângulo: Cantos Arredondados 15">
+            <a:extLst>
+              <a:ext uri="{FF2B5EF4-FFF2-40B4-BE49-F238E27FC236}">
+                <a16:creationId xmlns:a16="http://schemas.microsoft.com/office/drawing/2014/main" id="{B923D6F1-7DEF-B4D9-D891-47E1D17588DD}"/>
+              </a:ext>
+            </a:extLst>
+          </p:cNvPr>
+          <p:cNvSpPr/>
+          <p:nvPr/>
+        </p:nvSpPr>
+        <p:spPr>
+          <a:xfrm rot="5400000">
+            <a:off x="4896177" y="1921844"/>
+            <a:ext cx="637997" cy="1636715"/>
+          </a:xfrm>
+          <a:prstGeom prst="roundRect">
+            <a:avLst/>
+          </a:prstGeom>
+          <a:gradFill flip="none" rotWithShape="0">
+            <a:gsLst>
+              <a:gs pos="29000">
+                <a:srgbClr val="05313D"/>
+              </a:gs>
+              <a:gs pos="52000">
+                <a:srgbClr val="123B47"/>
+              </a:gs>
+              <a:gs pos="70000">
+                <a:srgbClr val="1E4550"/>
+              </a:gs>
+            </a:gsLst>
+            <a:lin ang="2700000" scaled="1"/>
+            <a:tileRect/>
+          </a:gradFill>
+          <a:ln>
+            <a:noFill/>
+          </a:ln>
+        </p:spPr>
+        <p:style>
+          <a:lnRef idx="2">
+            <a:schemeClr val="accent1">
+              <a:shade val="50000"/>
+            </a:schemeClr>
+          </a:lnRef>
+          <a:fillRef idx="1">
+            <a:schemeClr val="accent1"/>
+          </a:fillRef>
+          <a:effectRef idx="0">
+            <a:schemeClr val="accent1"/>
+          </a:effectRef>
+          <a:fontRef idx="minor">
+            <a:schemeClr val="lt1"/>
+          </a:fontRef>
+        </p:style>
+        <p:txBody>
+          <a:bodyPr rtlCol="0" anchor="ctr"/>
+          <a:lstStyle/>
+          <a:p>
+            <a:pPr algn="ctr"/>
+            <a:endParaRPr lang="pt-BR"/>
+          </a:p>
+        </p:txBody>
+      </p:sp>
+      <p:sp>
+        <p:nvSpPr>
+          <p:cNvPr id="33" name="Retângulo: Cantos Arredondados 32">
+            <a:extLst>
+              <a:ext uri="{FF2B5EF4-FFF2-40B4-BE49-F238E27FC236}">
+                <a16:creationId xmlns:a16="http://schemas.microsoft.com/office/drawing/2014/main" id="{B180D216-2645-B2A7-D63D-6F3FF7D7D696}"/>
+              </a:ext>
+            </a:extLst>
+          </p:cNvPr>
+          <p:cNvSpPr/>
+          <p:nvPr/>
+        </p:nvSpPr>
+        <p:spPr>
+          <a:xfrm rot="5400000">
+            <a:off x="6885115" y="1921844"/>
+            <a:ext cx="637997" cy="1636715"/>
+          </a:xfrm>
+          <a:prstGeom prst="roundRect">
+            <a:avLst/>
+          </a:prstGeom>
+          <a:gradFill flip="none" rotWithShape="0">
+            <a:gsLst>
+              <a:gs pos="29000">
+                <a:srgbClr val="05313D"/>
+              </a:gs>
+              <a:gs pos="52000">
+                <a:srgbClr val="123B47"/>
+              </a:gs>
+              <a:gs pos="70000">
+                <a:srgbClr val="1E4550"/>
+              </a:gs>
+            </a:gsLst>
+            <a:lin ang="2700000" scaled="1"/>
+            <a:tileRect/>
+          </a:gradFill>
+          <a:ln>
+            <a:noFill/>
+          </a:ln>
+        </p:spPr>
+        <p:style>
+          <a:lnRef idx="2">
+            <a:schemeClr val="accent1">
+              <a:shade val="50000"/>
+            </a:schemeClr>
+          </a:lnRef>
+          <a:fillRef idx="1">
+            <a:schemeClr val="accent1"/>
+          </a:fillRef>
+          <a:effectRef idx="0">
+            <a:schemeClr val="accent1"/>
+          </a:effectRef>
+          <a:fontRef idx="minor">
+            <a:schemeClr val="lt1"/>
+          </a:fontRef>
+        </p:style>
+        <p:txBody>
+          <a:bodyPr rtlCol="0" anchor="ctr"/>
+          <a:lstStyle/>
+          <a:p>
+            <a:pPr algn="ctr"/>
+            <a:endParaRPr lang="pt-BR"/>
+          </a:p>
+        </p:txBody>
+      </p:sp>
+      <p:sp>
+        <p:nvSpPr>
+          <p:cNvPr id="34" name="Retângulo: Cantos Arredondados 33">
+            <a:extLst>
+              <a:ext uri="{FF2B5EF4-FFF2-40B4-BE49-F238E27FC236}">
+                <a16:creationId xmlns:a16="http://schemas.microsoft.com/office/drawing/2014/main" id="{B00C8391-2CB8-1018-8C9E-94820F531D63}"/>
+              </a:ext>
+            </a:extLst>
+          </p:cNvPr>
+          <p:cNvSpPr/>
+          <p:nvPr/>
+        </p:nvSpPr>
+        <p:spPr>
+          <a:xfrm rot="5400000">
+            <a:off x="8874053" y="1921843"/>
+            <a:ext cx="637997" cy="1636715"/>
+          </a:xfrm>
+          <a:prstGeom prst="roundRect">
+            <a:avLst/>
+          </a:prstGeom>
+          <a:gradFill flip="none" rotWithShape="0">
+            <a:gsLst>
+              <a:gs pos="29000">
+                <a:srgbClr val="05313D"/>
+              </a:gs>
+              <a:gs pos="52000">
+                <a:srgbClr val="123B47"/>
+              </a:gs>
+              <a:gs pos="70000">
+                <a:srgbClr val="1E4550"/>
+              </a:gs>
+            </a:gsLst>
+            <a:lin ang="2700000" scaled="1"/>
+            <a:tileRect/>
+          </a:gradFill>
+          <a:ln>
+            <a:noFill/>
+          </a:ln>
+        </p:spPr>
+        <p:style>
+          <a:lnRef idx="2">
+            <a:schemeClr val="accent1">
+              <a:shade val="50000"/>
+            </a:schemeClr>
+          </a:lnRef>
+          <a:fillRef idx="1">
+            <a:schemeClr val="accent1"/>
+          </a:fillRef>
+          <a:effectRef idx="0">
+            <a:schemeClr val="accent1"/>
+          </a:effectRef>
+          <a:fontRef idx="minor">
+            <a:schemeClr val="lt1"/>
+          </a:fontRef>
+        </p:style>
+        <p:txBody>
+          <a:bodyPr rtlCol="0" anchor="ctr"/>
+          <a:lstStyle/>
+          <a:p>
+            <a:pPr algn="ctr"/>
+            <a:endParaRPr lang="pt-BR"/>
+          </a:p>
+        </p:txBody>
+      </p:sp>
+      <p:sp>
+        <p:nvSpPr>
+          <p:cNvPr id="35" name="Retângulo: Cantos Arredondados 34">
+            <a:extLst>
+              <a:ext uri="{FF2B5EF4-FFF2-40B4-BE49-F238E27FC236}">
+                <a16:creationId xmlns:a16="http://schemas.microsoft.com/office/drawing/2014/main" id="{C291A5FF-BFAF-A545-8044-5EDE9851B494}"/>
+              </a:ext>
+            </a:extLst>
+          </p:cNvPr>
+          <p:cNvSpPr/>
+          <p:nvPr/>
+        </p:nvSpPr>
+        <p:spPr>
+          <a:xfrm rot="5400000">
+            <a:off x="10836352" y="1921843"/>
+            <a:ext cx="637997" cy="1636715"/>
+          </a:xfrm>
+          <a:prstGeom prst="roundRect">
+            <a:avLst/>
+          </a:prstGeom>
+          <a:gradFill flip="none" rotWithShape="0">
+            <a:gsLst>
+              <a:gs pos="29000">
+                <a:srgbClr val="05313D"/>
+              </a:gs>
+              <a:gs pos="52000">
+                <a:srgbClr val="123B47"/>
+              </a:gs>
+              <a:gs pos="70000">
+                <a:srgbClr val="1E4550"/>
+              </a:gs>
+            </a:gsLst>
+            <a:lin ang="2700000" scaled="1"/>
+            <a:tileRect/>
+          </a:gradFill>
+          <a:ln>
+            <a:noFill/>
+          </a:ln>
+          <a:effectLst>
+            <a:outerShdw blurRad="50800" dist="38100" algn="l" rotWithShape="0">
+              <a:prstClr val="black">
+                <a:alpha val="40000"/>
+              </a:prstClr>
+            </a:outerShdw>
+          </a:effectLst>
+        </p:spPr>
+        <p:style>
+          <a:lnRef idx="2">
+            <a:schemeClr val="accent1">
+              <a:shade val="50000"/>
+            </a:schemeClr>
+          </a:lnRef>
+          <a:fillRef idx="1">
+            <a:schemeClr val="accent1"/>
+          </a:fillRef>
+          <a:effectRef idx="0">
+            <a:schemeClr val="accent1"/>
+          </a:effectRef>
+          <a:fontRef idx="minor">
+            <a:schemeClr val="lt1"/>
+          </a:fontRef>
+        </p:style>
+        <p:txBody>
+          <a:bodyPr rtlCol="0" anchor="ctr"/>
+          <a:lstStyle/>
+          <a:p>
+            <a:pPr algn="ctr"/>
+            <a:endParaRPr lang="pt-BR"/>
+          </a:p>
+        </p:txBody>
+      </p:sp>
+      <p:sp>
+        <p:nvSpPr>
+          <p:cNvPr id="36" name="Retângulo: Cantos Arredondados 35">
+            <a:extLst>
+              <a:ext uri="{FF2B5EF4-FFF2-40B4-BE49-F238E27FC236}">
+                <a16:creationId xmlns:a16="http://schemas.microsoft.com/office/drawing/2014/main" id="{C78AB5F9-EAE5-FA4B-520D-84D6F96EE906}"/>
+              </a:ext>
+            </a:extLst>
+          </p:cNvPr>
+          <p:cNvSpPr/>
+          <p:nvPr/>
+        </p:nvSpPr>
+        <p:spPr>
+          <a:xfrm rot="5400000">
+            <a:off x="4896177" y="2803036"/>
+            <a:ext cx="637997" cy="1636715"/>
+          </a:xfrm>
+          <a:prstGeom prst="roundRect">
+            <a:avLst/>
+          </a:prstGeom>
+          <a:gradFill flip="none" rotWithShape="0">
+            <a:gsLst>
+              <a:gs pos="29000">
+                <a:srgbClr val="05313D"/>
+              </a:gs>
+              <a:gs pos="52000">
+                <a:srgbClr val="123B47"/>
+              </a:gs>
+              <a:gs pos="70000">
+                <a:srgbClr val="1E4550"/>
+              </a:gs>
+            </a:gsLst>
+            <a:lin ang="2700000" scaled="1"/>
+            <a:tileRect/>
+          </a:gradFill>
+          <a:ln>
+            <a:noFill/>
+          </a:ln>
+        </p:spPr>
+        <p:style>
+          <a:lnRef idx="2">
+            <a:schemeClr val="accent1">
+              <a:shade val="50000"/>
+            </a:schemeClr>
+          </a:lnRef>
+          <a:fillRef idx="1">
+            <a:schemeClr val="accent1"/>
+          </a:fillRef>
+          <a:effectRef idx="0">
+            <a:schemeClr val="accent1"/>
+          </a:effectRef>
+          <a:fontRef idx="minor">
+            <a:schemeClr val="lt1"/>
+          </a:fontRef>
+        </p:style>
+        <p:txBody>
+          <a:bodyPr rtlCol="0" anchor="ctr"/>
+          <a:lstStyle/>
+          <a:p>
+            <a:pPr algn="ctr"/>
+            <a:endParaRPr lang="pt-BR"/>
+          </a:p>
+        </p:txBody>
+      </p:sp>
+      <p:sp>
+        <p:nvSpPr>
+          <p:cNvPr id="37" name="Retângulo: Cantos Arredondados 36">
+            <a:extLst>
+              <a:ext uri="{FF2B5EF4-FFF2-40B4-BE49-F238E27FC236}">
+                <a16:creationId xmlns:a16="http://schemas.microsoft.com/office/drawing/2014/main" id="{970AA03C-53A9-432F-DE02-E618DA3AAFEA}"/>
+              </a:ext>
+            </a:extLst>
+          </p:cNvPr>
+          <p:cNvSpPr/>
+          <p:nvPr/>
+        </p:nvSpPr>
+        <p:spPr>
+          <a:xfrm rot="5400000">
+            <a:off x="6885115" y="2809972"/>
+            <a:ext cx="637997" cy="1636715"/>
+          </a:xfrm>
+          <a:prstGeom prst="roundRect">
+            <a:avLst/>
+          </a:prstGeom>
+          <a:gradFill flip="none" rotWithShape="0">
+            <a:gsLst>
+              <a:gs pos="29000">
+                <a:srgbClr val="05313D"/>
+              </a:gs>
+              <a:gs pos="52000">
+                <a:srgbClr val="123B47"/>
+              </a:gs>
+              <a:gs pos="70000">
+                <a:srgbClr val="1E4550"/>
+              </a:gs>
+            </a:gsLst>
+            <a:lin ang="2700000" scaled="1"/>
+            <a:tileRect/>
+          </a:gradFill>
+          <a:ln>
+            <a:noFill/>
+          </a:ln>
+        </p:spPr>
+        <p:style>
+          <a:lnRef idx="2">
+            <a:schemeClr val="accent1">
+              <a:shade val="50000"/>
+            </a:schemeClr>
+          </a:lnRef>
+          <a:fillRef idx="1">
+            <a:schemeClr val="accent1"/>
+          </a:fillRef>
+          <a:effectRef idx="0">
+            <a:schemeClr val="accent1"/>
+          </a:effectRef>
+          <a:fontRef idx="minor">
+            <a:schemeClr val="lt1"/>
+          </a:fontRef>
+        </p:style>
+        <p:txBody>
+          <a:bodyPr rtlCol="0" anchor="ctr"/>
+          <a:lstStyle/>
+          <a:p>
+            <a:pPr algn="ctr"/>
+            <a:endParaRPr lang="pt-BR"/>
+          </a:p>
+        </p:txBody>
+      </p:sp>
+      <p:sp>
+        <p:nvSpPr>
+          <p:cNvPr id="38" name="Retângulo: Cantos Arredondados 37">
+            <a:extLst>
+              <a:ext uri="{FF2B5EF4-FFF2-40B4-BE49-F238E27FC236}">
+                <a16:creationId xmlns:a16="http://schemas.microsoft.com/office/drawing/2014/main" id="{98CE6C59-EFA9-207B-9DAB-2AF5530D4271}"/>
+              </a:ext>
+            </a:extLst>
+          </p:cNvPr>
+          <p:cNvSpPr/>
+          <p:nvPr/>
+        </p:nvSpPr>
+        <p:spPr>
+          <a:xfrm rot="5400000">
+            <a:off x="8874053" y="2809971"/>
+            <a:ext cx="637997" cy="1636715"/>
+          </a:xfrm>
+          <a:prstGeom prst="roundRect">
+            <a:avLst/>
+          </a:prstGeom>
+          <a:gradFill flip="none" rotWithShape="0">
+            <a:gsLst>
+              <a:gs pos="29000">
+                <a:srgbClr val="05313D"/>
+              </a:gs>
+              <a:gs pos="52000">
+                <a:srgbClr val="123B47"/>
+              </a:gs>
+              <a:gs pos="70000">
+                <a:srgbClr val="1E4550"/>
+              </a:gs>
+            </a:gsLst>
+            <a:lin ang="2700000" scaled="1"/>
+            <a:tileRect/>
+          </a:gradFill>
+          <a:ln>
+            <a:noFill/>
+          </a:ln>
+        </p:spPr>
+        <p:style>
+          <a:lnRef idx="2">
+            <a:schemeClr val="accent1">
+              <a:shade val="50000"/>
+            </a:schemeClr>
+          </a:lnRef>
+          <a:fillRef idx="1">
+            <a:schemeClr val="accent1"/>
+          </a:fillRef>
+          <a:effectRef idx="0">
+            <a:schemeClr val="accent1"/>
+          </a:effectRef>
+          <a:fontRef idx="minor">
+            <a:schemeClr val="lt1"/>
+          </a:fontRef>
+        </p:style>
+        <p:txBody>
+          <a:bodyPr rtlCol="0" anchor="ctr"/>
+          <a:lstStyle/>
+          <a:p>
+            <a:pPr algn="ctr"/>
+            <a:endParaRPr lang="pt-BR"/>
+          </a:p>
+        </p:txBody>
+      </p:sp>
+      <p:sp>
+        <p:nvSpPr>
+          <p:cNvPr id="39" name="Retângulo: Cantos Arredondados 38">
+            <a:extLst>
+              <a:ext uri="{FF2B5EF4-FFF2-40B4-BE49-F238E27FC236}">
+                <a16:creationId xmlns:a16="http://schemas.microsoft.com/office/drawing/2014/main" id="{6E3CE802-FD29-F001-8344-7F89E14277BB}"/>
+              </a:ext>
+            </a:extLst>
+          </p:cNvPr>
+          <p:cNvSpPr/>
+          <p:nvPr/>
+        </p:nvSpPr>
+        <p:spPr>
+          <a:xfrm rot="5400000">
+            <a:off x="10836352" y="2805329"/>
+            <a:ext cx="637997" cy="1636715"/>
+          </a:xfrm>
+          <a:prstGeom prst="roundRect">
+            <a:avLst/>
+          </a:prstGeom>
+          <a:gradFill flip="none" rotWithShape="0">
+            <a:gsLst>
+              <a:gs pos="29000">
+                <a:srgbClr val="05313D"/>
+              </a:gs>
+              <a:gs pos="52000">
+                <a:srgbClr val="123B47"/>
+              </a:gs>
+              <a:gs pos="70000">
+                <a:srgbClr val="1E4550"/>
+              </a:gs>
+            </a:gsLst>
+            <a:lin ang="2700000" scaled="1"/>
+            <a:tileRect/>
+          </a:gradFill>
+          <a:ln>
+            <a:noFill/>
+          </a:ln>
+          <a:effectLst>
+            <a:outerShdw blurRad="50800" dist="38100" algn="l" rotWithShape="0">
+              <a:prstClr val="black">
+                <a:alpha val="40000"/>
+              </a:prstClr>
+            </a:outerShdw>
+          </a:effectLst>
+        </p:spPr>
+        <p:style>
+          <a:lnRef idx="2">
+            <a:schemeClr val="accent1">
+              <a:shade val="50000"/>
+            </a:schemeClr>
+          </a:lnRef>
+          <a:fillRef idx="1">
+            <a:schemeClr val="accent1"/>
+          </a:fillRef>
+          <a:effectRef idx="0">
+            <a:schemeClr val="accent1"/>
+          </a:effectRef>
+          <a:fontRef idx="minor">
+            <a:schemeClr val="lt1"/>
+          </a:fontRef>
+        </p:style>
+        <p:txBody>
+          <a:bodyPr rtlCol="0" anchor="ctr"/>
+          <a:lstStyle/>
+          <a:p>
+            <a:pPr algn="ctr"/>
+            <a:endParaRPr lang="pt-BR"/>
+          </a:p>
+        </p:txBody>
+      </p:sp>
       <p:pic>
         <p:nvPicPr>
           <p:cNvPr id="24" name="Imagem 23" descr="Logotipo&#10;&#10;Descrição gerada automaticamente com confiança média">
             <a:extLst>
               <a:ext uri="{FF2B5EF4-FFF2-40B4-BE49-F238E27FC236}">
-                <a16:creationId xmlns:a16="http://schemas.microsoft.com/office/drawing/2014/main" id="{A116F722-F414-E36F-A99C-999711662AB1}"/>
+                <a16:creationId xmlns:a16="http://schemas.microsoft.com/office/drawing/2014/main" id="{B40E0D95-69D4-287F-6291-E9CD194158B9}"/>
               </a:ext>
             </a:extLst>
           </p:cNvPr>
@@ -9946,10 +11249,81 @@
       </p:pic>
       <p:sp>
         <p:nvSpPr>
+          <p:cNvPr id="51" name="Retângulo: Cantos Arredondados 50">
+            <a:extLst>
+              <a:ext uri="{FF2B5EF4-FFF2-40B4-BE49-F238E27FC236}">
+                <a16:creationId xmlns:a16="http://schemas.microsoft.com/office/drawing/2014/main" id="{5E7BC536-0B83-B5E5-19B1-DD3D0BFA9D56}"/>
+              </a:ext>
+            </a:extLst>
+          </p:cNvPr>
+          <p:cNvSpPr/>
+          <p:nvPr/>
+        </p:nvSpPr>
+        <p:spPr>
+          <a:xfrm rot="5400000">
+            <a:off x="-355470" y="2235169"/>
+            <a:ext cx="6133741" cy="3030732"/>
+          </a:xfrm>
+          <a:prstGeom prst="roundRect">
+            <a:avLst/>
+          </a:prstGeom>
+          <a:gradFill flip="none" rotWithShape="0">
+            <a:gsLst>
+              <a:gs pos="29000">
+                <a:srgbClr val="05313D"/>
+              </a:gs>
+              <a:gs pos="52000">
+                <a:srgbClr val="123B47"/>
+              </a:gs>
+              <a:gs pos="70000">
+                <a:srgbClr val="1E4550"/>
+              </a:gs>
+            </a:gsLst>
+            <a:lin ang="2700000" scaled="1"/>
+            <a:tileRect/>
+          </a:gradFill>
+          <a:ln>
+            <a:noFill/>
+          </a:ln>
+          <a:effectLst>
+            <a:outerShdw blurRad="50800" dist="38100" dir="10800000" algn="r" rotWithShape="0">
+              <a:prstClr val="black">
+                <a:alpha val="40000"/>
+              </a:prstClr>
+            </a:outerShdw>
+          </a:effectLst>
+        </p:spPr>
+        <p:style>
+          <a:lnRef idx="2">
+            <a:schemeClr val="accent1">
+              <a:shade val="50000"/>
+            </a:schemeClr>
+          </a:lnRef>
+          <a:fillRef idx="1">
+            <a:schemeClr val="accent1"/>
+          </a:fillRef>
+          <a:effectRef idx="0">
+            <a:schemeClr val="accent1"/>
+          </a:effectRef>
+          <a:fontRef idx="minor">
+            <a:schemeClr val="lt1"/>
+          </a:fontRef>
+        </p:style>
+        <p:txBody>
+          <a:bodyPr rtlCol="0" anchor="ctr"/>
+          <a:lstStyle/>
+          <a:p>
+            <a:pPr algn="ctr"/>
+            <a:endParaRPr lang="pt-BR"/>
+          </a:p>
+        </p:txBody>
+      </p:sp>
+      <p:sp>
+        <p:nvSpPr>
           <p:cNvPr id="4" name="Retângulo: Cantos Arredondados 3">
             <a:extLst>
               <a:ext uri="{FF2B5EF4-FFF2-40B4-BE49-F238E27FC236}">
-                <a16:creationId xmlns:a16="http://schemas.microsoft.com/office/drawing/2014/main" id="{A66A7E9F-A5DC-4423-5F05-6748360D1C4D}"/>
+                <a16:creationId xmlns:a16="http://schemas.microsoft.com/office/drawing/2014/main" id="{0A4B9BD8-341E-3ADE-5FED-398978CD86C5}"/>
               </a:ext>
             </a:extLst>
           </p:cNvPr>
@@ -9958,7 +11332,7 @@
         </p:nvSpPr>
         <p:spPr>
           <a:xfrm>
-            <a:off x="38443" y="2454748"/>
+            <a:off x="38443" y="2078733"/>
             <a:ext cx="915845" cy="516923"/>
           </a:xfrm>
           <a:prstGeom prst="roundRect">
@@ -10022,7 +11396,7 @@
           <p:cNvPr id="6" name="Retângulo: Cantos Arredondados 5">
             <a:extLst>
               <a:ext uri="{FF2B5EF4-FFF2-40B4-BE49-F238E27FC236}">
-                <a16:creationId xmlns:a16="http://schemas.microsoft.com/office/drawing/2014/main" id="{BF7E51DE-2FE6-FF35-DE1F-17A4F23D0ED9}"/>
+                <a16:creationId xmlns:a16="http://schemas.microsoft.com/office/drawing/2014/main" id="{C259C735-0AF8-BC9A-2854-2DB055928D26}"/>
               </a:ext>
             </a:extLst>
           </p:cNvPr>
@@ -10031,78 +11405,7 @@
         </p:nvSpPr>
         <p:spPr>
           <a:xfrm>
-            <a:off x="38443" y="3237219"/>
-            <a:ext cx="915845" cy="516923"/>
-          </a:xfrm>
-          <a:prstGeom prst="roundRect">
-            <a:avLst/>
-          </a:prstGeom>
-          <a:solidFill>
-            <a:srgbClr val="A0B0B5"/>
-          </a:solidFill>
-          <a:ln>
-            <a:noFill/>
-          </a:ln>
-          <a:effectLst/>
-          <a:scene3d>
-            <a:camera prst="orthographicFront">
-              <a:rot lat="0" lon="0" rev="0"/>
-            </a:camera>
-            <a:lightRig rig="glow" dir="t">
-              <a:rot lat="0" lon="0" rev="14100000"/>
-            </a:lightRig>
-          </a:scene3d>
-          <a:sp3d prstMaterial="softEdge">
-            <a:bevelT w="127000" prst="artDeco"/>
-          </a:sp3d>
-        </p:spPr>
-        <p:style>
-          <a:lnRef idx="2">
-            <a:schemeClr val="accent1">
-              <a:shade val="50000"/>
-            </a:schemeClr>
-          </a:lnRef>
-          <a:fillRef idx="1">
-            <a:schemeClr val="accent1"/>
-          </a:fillRef>
-          <a:effectRef idx="0">
-            <a:schemeClr val="accent1"/>
-          </a:effectRef>
-          <a:fontRef idx="minor">
-            <a:schemeClr val="lt1"/>
-          </a:fontRef>
-        </p:style>
-        <p:txBody>
-          <a:bodyPr rtlCol="0" anchor="ctr"/>
-          <a:lstStyle/>
-          <a:p>
-            <a:pPr algn="ctr"/>
-            <a:r>
-              <a:rPr lang="pt-BR" sz="1000" b="1" dirty="0">
-                <a:solidFill>
-                  <a:srgbClr val="1D4450"/>
-                </a:solidFill>
-              </a:rPr>
-              <a:t>CONTROLE DE ESTOQUE</a:t>
-            </a:r>
-          </a:p>
-        </p:txBody>
-      </p:sp>
-      <p:sp>
-        <p:nvSpPr>
-          <p:cNvPr id="28" name="Retângulo: Cantos Arredondados 27">
-            <a:extLst>
-              <a:ext uri="{FF2B5EF4-FFF2-40B4-BE49-F238E27FC236}">
-                <a16:creationId xmlns:a16="http://schemas.microsoft.com/office/drawing/2014/main" id="{A20601CE-003B-E7B4-CEFC-7A6872A79D10}"/>
-              </a:ext>
-            </a:extLst>
-          </p:cNvPr>
-          <p:cNvSpPr/>
-          <p:nvPr/>
-        </p:nvSpPr>
-        <p:spPr>
-          <a:xfrm>
-            <a:off x="45771" y="1672277"/>
+            <a:off x="45771" y="1296262"/>
             <a:ext cx="924613" cy="516923"/>
           </a:xfrm>
           <a:prstGeom prst="roundRect">
@@ -10163,79 +11466,10 @@
       </p:sp>
       <p:sp>
         <p:nvSpPr>
-          <p:cNvPr id="40" name="Retângulo: Cantos Arredondados 39">
-            <a:extLst>
-              <a:ext uri="{FF2B5EF4-FFF2-40B4-BE49-F238E27FC236}">
-                <a16:creationId xmlns:a16="http://schemas.microsoft.com/office/drawing/2014/main" id="{BA20DC06-DD40-58E5-F323-8C4965A04B8D}"/>
-              </a:ext>
-            </a:extLst>
-          </p:cNvPr>
-          <p:cNvSpPr/>
-          <p:nvPr/>
-        </p:nvSpPr>
-        <p:spPr>
-          <a:xfrm rot="5400000">
-            <a:off x="5784428" y="-5799900"/>
-            <a:ext cx="632473" cy="12201332"/>
-          </a:xfrm>
-          <a:prstGeom prst="roundRect">
-            <a:avLst>
-              <a:gd name="adj" fmla="val 0"/>
-            </a:avLst>
-          </a:prstGeom>
-          <a:gradFill flip="none" rotWithShape="1">
-            <a:gsLst>
-              <a:gs pos="82400">
-                <a:srgbClr val="1D4450"/>
-              </a:gs>
-              <a:gs pos="0">
-                <a:srgbClr val="05313D"/>
-              </a:gs>
-              <a:gs pos="50000">
-                <a:srgbClr val="1E4550"/>
-              </a:gs>
-              <a:gs pos="100000">
-                <a:srgbClr val="0E3844"/>
-              </a:gs>
-            </a:gsLst>
-            <a:lin ang="13500000" scaled="1"/>
-            <a:tileRect/>
-          </a:gradFill>
-          <a:ln>
-            <a:noFill/>
-          </a:ln>
-        </p:spPr>
-        <p:style>
-          <a:lnRef idx="2">
-            <a:schemeClr val="accent1">
-              <a:shade val="50000"/>
-            </a:schemeClr>
-          </a:lnRef>
-          <a:fillRef idx="1">
-            <a:schemeClr val="accent1"/>
-          </a:fillRef>
-          <a:effectRef idx="0">
-            <a:schemeClr val="accent1"/>
-          </a:effectRef>
-          <a:fontRef idx="minor">
-            <a:schemeClr val="lt1"/>
-          </a:fontRef>
-        </p:style>
-        <p:txBody>
-          <a:bodyPr rtlCol="0" anchor="ctr"/>
-          <a:lstStyle/>
-          <a:p>
-            <a:pPr algn="ctr"/>
-            <a:endParaRPr lang="pt-BR"/>
-          </a:p>
-        </p:txBody>
-      </p:sp>
-      <p:sp>
-        <p:nvSpPr>
-          <p:cNvPr id="41" name="Retângulo: Cantos Arredondados 40">
-            <a:extLst>
-              <a:ext uri="{FF2B5EF4-FFF2-40B4-BE49-F238E27FC236}">
-                <a16:creationId xmlns:a16="http://schemas.microsoft.com/office/drawing/2014/main" id="{EAE608C5-15D5-D4A8-CA57-9628C1B287F4}"/>
+          <p:cNvPr id="19" name="Retângulo: Cantos Arredondados 18">
+            <a:extLst>
+              <a:ext uri="{FF2B5EF4-FFF2-40B4-BE49-F238E27FC236}">
+                <a16:creationId xmlns:a16="http://schemas.microsoft.com/office/drawing/2014/main" id="{876FE639-FDFA-AABC-5704-5F023C7FB074}"/>
               </a:ext>
             </a:extLst>
           </p:cNvPr>
@@ -10244,142 +11478,14 @@
         </p:nvSpPr>
         <p:spPr>
           <a:xfrm>
-            <a:off x="1038512" y="67608"/>
-            <a:ext cx="3364273" cy="461666"/>
-          </a:xfrm>
-          <a:prstGeom prst="roundRect">
-            <a:avLst/>
-          </a:prstGeom>
-          <a:gradFill flip="none" rotWithShape="1">
-            <a:gsLst>
-              <a:gs pos="0">
-                <a:srgbClr val="506E77">
-                  <a:shade val="30000"/>
-                  <a:satMod val="115000"/>
-                </a:srgbClr>
-              </a:gs>
-              <a:gs pos="50000">
-                <a:srgbClr val="506E77">
-                  <a:shade val="67500"/>
-                  <a:satMod val="115000"/>
-                </a:srgbClr>
-              </a:gs>
-              <a:gs pos="100000">
-                <a:srgbClr val="506E77">
-                  <a:shade val="100000"/>
-                  <a:satMod val="115000"/>
-                </a:srgbClr>
-              </a:gs>
-            </a:gsLst>
-            <a:lin ang="18900000" scaled="1"/>
-            <a:tileRect/>
-          </a:gradFill>
-          <a:ln>
-            <a:noFill/>
-          </a:ln>
-          <a:effectLst>
-            <a:outerShdw blurRad="50800" dist="38100" dir="8100000" algn="tr" rotWithShape="0">
-              <a:prstClr val="black">
-                <a:alpha val="40000"/>
-              </a:prstClr>
-            </a:outerShdw>
-          </a:effectLst>
-        </p:spPr>
-        <p:style>
-          <a:lnRef idx="2">
-            <a:schemeClr val="accent1">
-              <a:shade val="50000"/>
-            </a:schemeClr>
-          </a:lnRef>
-          <a:fillRef idx="1">
-            <a:schemeClr val="accent1"/>
-          </a:fillRef>
-          <a:effectRef idx="0">
-            <a:schemeClr val="accent1"/>
-          </a:effectRef>
-          <a:fontRef idx="minor">
-            <a:schemeClr val="lt1"/>
-          </a:fontRef>
-        </p:style>
-        <p:txBody>
-          <a:bodyPr rtlCol="0" anchor="ctr"/>
-          <a:lstStyle/>
-          <a:p>
-            <a:pPr algn="ctr"/>
-            <a:endParaRPr lang="pt-BR"/>
-          </a:p>
-        </p:txBody>
-      </p:sp>
-      <p:sp>
-        <p:nvSpPr>
-          <p:cNvPr id="46" name="CaixaDeTexto 45">
-            <a:extLst>
-              <a:ext uri="{FF2B5EF4-FFF2-40B4-BE49-F238E27FC236}">
-                <a16:creationId xmlns:a16="http://schemas.microsoft.com/office/drawing/2014/main" id="{52BAE6AD-8C37-4DFD-901D-B94533BE1A3D}"/>
-              </a:ext>
-            </a:extLst>
-          </p:cNvPr>
-          <p:cNvSpPr txBox="1"/>
-          <p:nvPr/>
-        </p:nvSpPr>
-        <p:spPr>
-          <a:xfrm>
-            <a:off x="1034806" y="58083"/>
-            <a:ext cx="3364273" cy="461665"/>
-          </a:xfrm>
-          <a:prstGeom prst="rect">
-            <a:avLst/>
-          </a:prstGeom>
-          <a:noFill/>
-          <a:effectLst>
-            <a:outerShdw blurRad="50800" dist="38100" dir="2700000" algn="tl" rotWithShape="0">
-              <a:prstClr val="black">
-                <a:alpha val="40000"/>
-              </a:prstClr>
-            </a:outerShdw>
-          </a:effectLst>
-        </p:spPr>
-        <p:txBody>
-          <a:bodyPr wrap="square" rtlCol="0">
-            <a:spAutoFit/>
-          </a:bodyPr>
-          <a:lstStyle/>
-          <a:p>
-            <a:r>
-              <a:rPr lang="pt-BR" sz="2400" b="1" dirty="0">
-                <a:solidFill>
-                  <a:schemeClr val="bg1">
-                    <a:lumMod val="85000"/>
-                  </a:schemeClr>
-                </a:solidFill>
-              </a:rPr>
-              <a:t>Controle de Estoque</a:t>
-            </a:r>
-          </a:p>
-        </p:txBody>
-      </p:sp>
-      <p:sp>
-        <p:nvSpPr>
-          <p:cNvPr id="47" name="Retângulo: Cantos Arredondados 46">
-            <a:extLst>
-              <a:ext uri="{FF2B5EF4-FFF2-40B4-BE49-F238E27FC236}">
-                <a16:creationId xmlns:a16="http://schemas.microsoft.com/office/drawing/2014/main" id="{E4129BBB-33E1-BA35-B1D9-F7CA62C5F6D1}"/>
-              </a:ext>
-            </a:extLst>
-          </p:cNvPr>
-          <p:cNvSpPr/>
-          <p:nvPr/>
-        </p:nvSpPr>
-        <p:spPr>
-          <a:xfrm rot="5400000">
-            <a:off x="6792936" y="-476531"/>
-            <a:ext cx="442618" cy="1549944"/>
+            <a:off x="45770" y="4426146"/>
+            <a:ext cx="915845" cy="516923"/>
           </a:xfrm>
           <a:prstGeom prst="roundRect">
             <a:avLst/>
           </a:prstGeom>
           <a:solidFill>
-            <a:srgbClr val="668188"/>
+            <a:srgbClr val="506E77"/>
           </a:solidFill>
           <a:ln>
             <a:noFill/>
@@ -10424,32 +11530,106 @@
           <a:lstStyle/>
           <a:p>
             <a:pPr algn="ctr"/>
-            <a:endParaRPr lang="pt-BR"/>
-          </a:p>
-        </p:txBody>
-      </p:sp>
-      <p:sp>
-        <p:nvSpPr>
-          <p:cNvPr id="48" name="Retângulo: Cantos Arredondados 47">
-            <a:extLst>
-              <a:ext uri="{FF2B5EF4-FFF2-40B4-BE49-F238E27FC236}">
-                <a16:creationId xmlns:a16="http://schemas.microsoft.com/office/drawing/2014/main" id="{E1AFBDA9-5D98-24A0-5E6A-AD48843CC0F5}"/>
-              </a:ext>
-            </a:extLst>
-          </p:cNvPr>
-          <p:cNvSpPr/>
-          <p:nvPr/>
-        </p:nvSpPr>
-        <p:spPr>
-          <a:xfrm rot="5400000">
-            <a:off x="8462045" y="-476532"/>
-            <a:ext cx="442616" cy="1549944"/>
+            <a:r>
+              <a:rPr lang="pt-BR" sz="1000" b="1" dirty="0"/>
+              <a:t>COLETES</a:t>
+            </a:r>
+          </a:p>
+        </p:txBody>
+      </p:sp>
+      <p:sp>
+        <p:nvSpPr>
+          <p:cNvPr id="30" name="Retângulo: Cantos Arredondados 29">
+            <a:extLst>
+              <a:ext uri="{FF2B5EF4-FFF2-40B4-BE49-F238E27FC236}">
+                <a16:creationId xmlns:a16="http://schemas.microsoft.com/office/drawing/2014/main" id="{4F3CC64B-2CA6-FD5E-97C4-1AB24179FF1C}"/>
+              </a:ext>
+            </a:extLst>
+          </p:cNvPr>
+          <p:cNvSpPr/>
+          <p:nvPr/>
+        </p:nvSpPr>
+        <p:spPr>
+          <a:xfrm>
+            <a:off x="45769" y="3628328"/>
+            <a:ext cx="915845" cy="516923"/>
           </a:xfrm>
           <a:prstGeom prst="roundRect">
             <a:avLst/>
           </a:prstGeom>
           <a:solidFill>
-            <a:srgbClr val="668188"/>
+            <a:srgbClr val="8DA0A6"/>
+          </a:solidFill>
+          <a:ln>
+            <a:noFill/>
+          </a:ln>
+          <a:effectLst/>
+          <a:scene3d>
+            <a:camera prst="orthographicFront">
+              <a:rot lat="0" lon="0" rev="0"/>
+            </a:camera>
+            <a:lightRig rig="glow" dir="t">
+              <a:rot lat="0" lon="0" rev="14100000"/>
+            </a:lightRig>
+          </a:scene3d>
+          <a:sp3d prstMaterial="softEdge">
+            <a:bevelT w="127000" prst="artDeco"/>
+          </a:sp3d>
+        </p:spPr>
+        <p:style>
+          <a:lnRef idx="2">
+            <a:schemeClr val="accent1">
+              <a:shade val="50000"/>
+            </a:schemeClr>
+          </a:lnRef>
+          <a:fillRef idx="1">
+            <a:schemeClr val="accent1"/>
+          </a:fillRef>
+          <a:effectRef idx="0">
+            <a:schemeClr val="accent1"/>
+          </a:effectRef>
+          <a:fontRef idx="minor">
+            <a:schemeClr val="lt1"/>
+          </a:fontRef>
+        </p:style>
+        <p:txBody>
+          <a:bodyPr rtlCol="0" anchor="ctr"/>
+          <a:lstStyle/>
+          <a:p>
+            <a:pPr algn="ctr"/>
+            <a:r>
+              <a:rPr lang="pt-BR" sz="1000" b="1" dirty="0">
+                <a:solidFill>
+                  <a:srgbClr val="1D4450"/>
+                </a:solidFill>
+              </a:rPr>
+              <a:t>ACESSORIOS</a:t>
+            </a:r>
+          </a:p>
+        </p:txBody>
+      </p:sp>
+      <p:sp>
+        <p:nvSpPr>
+          <p:cNvPr id="31" name="Retângulo: Cantos Arredondados 30">
+            <a:extLst>
+              <a:ext uri="{FF2B5EF4-FFF2-40B4-BE49-F238E27FC236}">
+                <a16:creationId xmlns:a16="http://schemas.microsoft.com/office/drawing/2014/main" id="{F889E947-6728-C4AD-C3F5-D46CDA9B9E61}"/>
+              </a:ext>
+            </a:extLst>
+          </p:cNvPr>
+          <p:cNvSpPr/>
+          <p:nvPr/>
+        </p:nvSpPr>
+        <p:spPr>
+          <a:xfrm>
+            <a:off x="38442" y="2845857"/>
+            <a:ext cx="915845" cy="516923"/>
+          </a:xfrm>
+          <a:prstGeom prst="roundRect">
+            <a:avLst/>
+          </a:prstGeom>
+          <a:solidFill>
+            <a:srgbClr val="506E77"/>
           </a:solidFill>
           <a:ln>
             <a:noFill/>
@@ -10494,86 +11674,19 @@
           <a:lstStyle/>
           <a:p>
             <a:pPr algn="ctr"/>
-            <a:endParaRPr lang="pt-BR"/>
-          </a:p>
-        </p:txBody>
-      </p:sp>
-      <p:sp>
-        <p:nvSpPr>
-          <p:cNvPr id="49" name="Retângulo: Cantos Arredondados 48">
-            <a:extLst>
-              <a:ext uri="{FF2B5EF4-FFF2-40B4-BE49-F238E27FC236}">
-                <a16:creationId xmlns:a16="http://schemas.microsoft.com/office/drawing/2014/main" id="{8CCC0899-92D3-4BC4-A15D-0AF2B0EC3732}"/>
-              </a:ext>
-            </a:extLst>
-          </p:cNvPr>
-          <p:cNvSpPr/>
-          <p:nvPr/>
-        </p:nvSpPr>
-        <p:spPr>
-          <a:xfrm rot="5400000">
-            <a:off x="10131153" y="-476532"/>
-            <a:ext cx="442616" cy="1549944"/>
-          </a:xfrm>
-          <a:prstGeom prst="roundRect">
-            <a:avLst/>
-          </a:prstGeom>
-          <a:solidFill>
-            <a:srgbClr val="668188"/>
-          </a:solidFill>
-          <a:ln>
-            <a:noFill/>
-          </a:ln>
-          <a:effectLst>
-            <a:outerShdw blurRad="44450" dist="27940" dir="5400000" algn="ctr">
-              <a:srgbClr val="000000">
-                <a:alpha val="32000"/>
-              </a:srgbClr>
-            </a:outerShdw>
-          </a:effectLst>
-          <a:scene3d>
-            <a:camera prst="orthographicFront">
-              <a:rot lat="0" lon="0" rev="0"/>
-            </a:camera>
-            <a:lightRig rig="balanced" dir="t">
-              <a:rot lat="0" lon="0" rev="8700000"/>
-            </a:lightRig>
-          </a:scene3d>
-          <a:sp3d>
-            <a:bevelT w="190500" h="38100"/>
-          </a:sp3d>
-        </p:spPr>
-        <p:style>
-          <a:lnRef idx="2">
-            <a:schemeClr val="accent1">
-              <a:shade val="50000"/>
-            </a:schemeClr>
-          </a:lnRef>
-          <a:fillRef idx="1">
-            <a:schemeClr val="accent1"/>
-          </a:fillRef>
-          <a:effectRef idx="0">
-            <a:schemeClr val="accent1"/>
-          </a:effectRef>
-          <a:fontRef idx="minor">
-            <a:schemeClr val="lt1"/>
-          </a:fontRef>
-        </p:style>
-        <p:txBody>
-          <a:bodyPr rtlCol="0" anchor="ctr"/>
-          <a:lstStyle/>
-          <a:p>
-            <a:pPr algn="ctr"/>
-            <a:endParaRPr lang="pt-BR"/>
-          </a:p>
-        </p:txBody>
-      </p:sp>
-      <p:sp>
-        <p:nvSpPr>
-          <p:cNvPr id="53" name="Retângulo 52">
-            <a:extLst>
-              <a:ext uri="{FF2B5EF4-FFF2-40B4-BE49-F238E27FC236}">
-                <a16:creationId xmlns:a16="http://schemas.microsoft.com/office/drawing/2014/main" id="{0B6FAA14-3B6E-4DF6-1A5C-3557DDFE34CF}"/>
+            <a:r>
+              <a:rPr lang="pt-BR" sz="1000" b="1" dirty="0"/>
+              <a:t>CONTROLE DE ESTQOUE</a:t>
+            </a:r>
+          </a:p>
+        </p:txBody>
+      </p:sp>
+      <p:sp>
+        <p:nvSpPr>
+          <p:cNvPr id="32" name="Retângulo: Cantos Arredondados 31">
+            <a:extLst>
+              <a:ext uri="{FF2B5EF4-FFF2-40B4-BE49-F238E27FC236}">
+                <a16:creationId xmlns:a16="http://schemas.microsoft.com/office/drawing/2014/main" id="{52C4F4F9-8F63-EB52-6C10-1B4534DCED23}"/>
               </a:ext>
             </a:extLst>
           </p:cNvPr>
@@ -10582,36 +11695,95 @@
         </p:nvSpPr>
         <p:spPr>
           <a:xfrm>
-            <a:off x="1138078" y="723900"/>
-            <a:ext cx="10930098" cy="6010514"/>
-          </a:xfrm>
-          <a:prstGeom prst="rect">
+            <a:off x="1038707" y="69933"/>
+            <a:ext cx="3364273" cy="461666"/>
+          </a:xfrm>
+          <a:prstGeom prst="roundRect">
             <a:avLst/>
           </a:prstGeom>
           <a:gradFill flip="none" rotWithShape="1">
             <a:gsLst>
               <a:gs pos="0">
-                <a:srgbClr val="668188">
+                <a:srgbClr val="506E77">
                   <a:shade val="30000"/>
                   <a:satMod val="115000"/>
                 </a:srgbClr>
               </a:gs>
               <a:gs pos="50000">
-                <a:srgbClr val="668188">
+                <a:srgbClr val="506E77">
                   <a:shade val="67500"/>
                   <a:satMod val="115000"/>
                 </a:srgbClr>
               </a:gs>
               <a:gs pos="100000">
-                <a:srgbClr val="668188">
+                <a:srgbClr val="506E77">
                   <a:shade val="100000"/>
                   <a:satMod val="115000"/>
                 </a:srgbClr>
               </a:gs>
             </a:gsLst>
-            <a:lin ang="13500000" scaled="1"/>
+            <a:lin ang="18900000" scaled="1"/>
             <a:tileRect/>
           </a:gradFill>
+          <a:ln>
+            <a:noFill/>
+          </a:ln>
+          <a:effectLst>
+            <a:outerShdw blurRad="50800" dist="38100" dir="8100000" algn="tr" rotWithShape="0">
+              <a:prstClr val="black">
+                <a:alpha val="40000"/>
+              </a:prstClr>
+            </a:outerShdw>
+          </a:effectLst>
+        </p:spPr>
+        <p:style>
+          <a:lnRef idx="2">
+            <a:schemeClr val="accent1">
+              <a:shade val="50000"/>
+            </a:schemeClr>
+          </a:lnRef>
+          <a:fillRef idx="1">
+            <a:schemeClr val="accent1"/>
+          </a:fillRef>
+          <a:effectRef idx="0">
+            <a:schemeClr val="accent1"/>
+          </a:effectRef>
+          <a:fontRef idx="minor">
+            <a:schemeClr val="lt1"/>
+          </a:fontRef>
+        </p:style>
+        <p:txBody>
+          <a:bodyPr rtlCol="0" anchor="ctr"/>
+          <a:lstStyle/>
+          <a:p>
+            <a:pPr algn="ctr"/>
+            <a:endParaRPr lang="pt-BR" u="sng"/>
+          </a:p>
+        </p:txBody>
+      </p:sp>
+      <p:sp>
+        <p:nvSpPr>
+          <p:cNvPr id="40" name="CaixaDeTexto 39">
+            <a:extLst>
+              <a:ext uri="{FF2B5EF4-FFF2-40B4-BE49-F238E27FC236}">
+                <a16:creationId xmlns:a16="http://schemas.microsoft.com/office/drawing/2014/main" id="{280F8652-88D8-A4AC-B09F-9777B7A54FD5}"/>
+              </a:ext>
+            </a:extLst>
+          </p:cNvPr>
+          <p:cNvSpPr txBox="1">
+            <a:spLocks/>
+          </p:cNvSpPr>
+          <p:nvPr/>
+        </p:nvSpPr>
+        <p:spPr>
+          <a:xfrm>
+            <a:off x="1058421" y="69934"/>
+            <a:ext cx="3037329" cy="461665"/>
+          </a:xfrm>
+          <a:prstGeom prst="rect">
+            <a:avLst/>
+          </a:prstGeom>
+          <a:noFill/>
           <a:effectLst>
             <a:outerShdw blurRad="50800" dist="38100" dir="2700000" algn="tl" rotWithShape="0">
               <a:prstClr val="black">
@@ -10620,35 +11792,36 @@
             </a:outerShdw>
           </a:effectLst>
         </p:spPr>
-        <p:style>
-          <a:lnRef idx="2">
-            <a:schemeClr val="accent1">
-              <a:shade val="15000"/>
-            </a:schemeClr>
-          </a:lnRef>
-          <a:fillRef idx="1">
-            <a:schemeClr val="accent1"/>
-          </a:fillRef>
-          <a:effectRef idx="0">
-            <a:schemeClr val="accent1"/>
-          </a:effectRef>
-          <a:fontRef idx="minor">
-            <a:schemeClr val="lt1"/>
-          </a:fontRef>
-        </p:style>
-        <p:txBody>
-          <a:bodyPr rtlCol="0" anchor="ctr"/>
-          <a:lstStyle/>
-          <a:p>
-            <a:pPr algn="ctr"/>
-            <a:endParaRPr lang="pt-BR"/>
+        <p:txBody>
+          <a:bodyPr wrap="square" rtlCol="0">
+            <a:spAutoFit/>
+          </a:bodyPr>
+          <a:lstStyle/>
+          <a:p>
+            <a:r>
+              <a:rPr lang="pt-BR" sz="2400" b="1" dirty="0" err="1">
+                <a:solidFill>
+                  <a:schemeClr val="bg1">
+                    <a:lumMod val="85000"/>
+                  </a:schemeClr>
+                </a:solidFill>
+              </a:rPr>
+              <a:t>Acessorios</a:t>
+            </a:r>
+            <a:endParaRPr lang="pt-BR" sz="2400" b="1" dirty="0">
+              <a:solidFill>
+                <a:schemeClr val="bg1">
+                  <a:lumMod val="85000"/>
+                </a:schemeClr>
+              </a:solidFill>
+            </a:endParaRPr>
           </a:p>
         </p:txBody>
       </p:sp>
     </p:spTree>
     <p:extLst>
       <p:ext uri="{BB962C8B-B14F-4D97-AF65-F5344CB8AC3E}">
-        <p14:creationId xmlns:p14="http://schemas.microsoft.com/office/powerpoint/2010/main" val="3485702468"/>
+        <p14:creationId xmlns:p14="http://schemas.microsoft.com/office/powerpoint/2010/main" val="1475888868"/>
       </p:ext>
     </p:extLst>
   </p:cSld>
@@ -14468,7 +15641,13 @@
     </p:bg>
     <p:spTree>
       <p:nvGrpSpPr>
-        <p:cNvPr id="1" name=""/>
+        <p:cNvPr id="1" name="">
+          <a:extLst>
+            <a:ext uri="{FF2B5EF4-FFF2-40B4-BE49-F238E27FC236}">
+              <a16:creationId xmlns:a16="http://schemas.microsoft.com/office/drawing/2014/main" id="{F00EA46F-A076-D12E-47B5-60AB5AD16158}"/>
+            </a:ext>
+          </a:extLst>
+        </p:cNvPr>
         <p:cNvGrpSpPr/>
         <p:nvPr/>
       </p:nvGrpSpPr>
@@ -14482,10 +15661,10 @@
       </p:grpSpPr>
       <p:sp>
         <p:nvSpPr>
-          <p:cNvPr id="52" name="Retângulo: Cantos Arredondados 51">
-            <a:extLst>
-              <a:ext uri="{FF2B5EF4-FFF2-40B4-BE49-F238E27FC236}">
-                <a16:creationId xmlns:a16="http://schemas.microsoft.com/office/drawing/2014/main" id="{8C425BCE-EFE4-2239-449C-0AB6A0CB75D8}"/>
+          <p:cNvPr id="2" name="Retângulo: Cantos Arredondados 1">
+            <a:extLst>
+              <a:ext uri="{FF2B5EF4-FFF2-40B4-BE49-F238E27FC236}">
+                <a16:creationId xmlns:a16="http://schemas.microsoft.com/office/drawing/2014/main" id="{854E03E9-5466-09F4-7DB7-9EFFFC52D181}"/>
               </a:ext>
             </a:extLst>
           </p:cNvPr>
@@ -14536,10 +15715,10 @@
       </p:sp>
       <p:sp>
         <p:nvSpPr>
-          <p:cNvPr id="2" name="Retângulo: Cantos Arredondados 1">
-            <a:extLst>
-              <a:ext uri="{FF2B5EF4-FFF2-40B4-BE49-F238E27FC236}">
-                <a16:creationId xmlns:a16="http://schemas.microsoft.com/office/drawing/2014/main" id="{6A52CB4E-E91C-926A-44FD-F7A6688AEAC3}"/>
+          <p:cNvPr id="37" name="Retângulo: Cantos Arredondados 36">
+            <a:extLst>
+              <a:ext uri="{FF2B5EF4-FFF2-40B4-BE49-F238E27FC236}">
+                <a16:creationId xmlns:a16="http://schemas.microsoft.com/office/drawing/2014/main" id="{8E365C70-0EF3-D339-D082-C98E3953A92F}"/>
               </a:ext>
             </a:extLst>
           </p:cNvPr>
@@ -14548,1152 +15727,8 @@
         </p:nvSpPr>
         <p:spPr>
           <a:xfrm rot="5400000">
-            <a:off x="6798539" y="1614095"/>
-            <a:ext cx="2806382" cy="7609823"/>
-          </a:xfrm>
-          <a:prstGeom prst="roundRect">
-            <a:avLst/>
-          </a:prstGeom>
-          <a:gradFill flip="none" rotWithShape="0">
-            <a:gsLst>
-              <a:gs pos="29000">
-                <a:srgbClr val="05313D"/>
-              </a:gs>
-              <a:gs pos="52000">
-                <a:srgbClr val="123B47"/>
-              </a:gs>
-              <a:gs pos="70000">
-                <a:srgbClr val="1E4550"/>
-              </a:gs>
-            </a:gsLst>
-            <a:lin ang="2700000" scaled="1"/>
-            <a:tileRect/>
-          </a:gradFill>
-          <a:ln>
-            <a:noFill/>
-          </a:ln>
-          <a:effectLst>
-            <a:outerShdw blurRad="50800" dist="38100" dir="2700000" algn="tl" rotWithShape="0">
-              <a:prstClr val="black">
-                <a:alpha val="40000"/>
-              </a:prstClr>
-            </a:outerShdw>
-          </a:effectLst>
-        </p:spPr>
-        <p:style>
-          <a:lnRef idx="2">
-            <a:schemeClr val="accent1">
-              <a:shade val="50000"/>
-            </a:schemeClr>
-          </a:lnRef>
-          <a:fillRef idx="1">
-            <a:schemeClr val="accent1"/>
-          </a:fillRef>
-          <a:effectRef idx="0">
-            <a:schemeClr val="accent1"/>
-          </a:effectRef>
-          <a:fontRef idx="minor">
-            <a:schemeClr val="lt1"/>
-          </a:fontRef>
-        </p:style>
-        <p:txBody>
-          <a:bodyPr rtlCol="0" anchor="ctr"/>
-          <a:lstStyle/>
-          <a:p>
-            <a:pPr algn="ctr"/>
-            <a:endParaRPr lang="pt-BR"/>
-          </a:p>
-        </p:txBody>
-      </p:sp>
-      <p:sp>
-        <p:nvSpPr>
-          <p:cNvPr id="3" name="Retângulo: Cantos Arredondados 2">
-            <a:extLst>
-              <a:ext uri="{FF2B5EF4-FFF2-40B4-BE49-F238E27FC236}">
-                <a16:creationId xmlns:a16="http://schemas.microsoft.com/office/drawing/2014/main" id="{4E1E2562-D86C-7B7B-988D-F3865ADE9BC1}"/>
-              </a:ext>
-            </a:extLst>
-          </p:cNvPr>
-          <p:cNvSpPr/>
-          <p:nvPr/>
-        </p:nvSpPr>
-        <p:spPr>
-          <a:xfrm rot="5400000">
-            <a:off x="4896177" y="573070"/>
-            <a:ext cx="637997" cy="1636715"/>
-          </a:xfrm>
-          <a:prstGeom prst="roundRect">
-            <a:avLst/>
-          </a:prstGeom>
-          <a:gradFill flip="none" rotWithShape="0">
-            <a:gsLst>
-              <a:gs pos="29000">
-                <a:srgbClr val="05313D"/>
-              </a:gs>
-              <a:gs pos="52000">
-                <a:srgbClr val="123B47"/>
-              </a:gs>
-              <a:gs pos="70000">
-                <a:srgbClr val="1E4550"/>
-              </a:gs>
-            </a:gsLst>
-            <a:lin ang="2700000" scaled="1"/>
-            <a:tileRect/>
-          </a:gradFill>
-          <a:ln>
-            <a:noFill/>
-          </a:ln>
-          <a:effectLst>
-            <a:outerShdw blurRad="50800" dist="38100" dir="16200000" rotWithShape="0">
-              <a:prstClr val="black">
-                <a:alpha val="40000"/>
-              </a:prstClr>
-            </a:outerShdw>
-          </a:effectLst>
-        </p:spPr>
-        <p:style>
-          <a:lnRef idx="2">
-            <a:schemeClr val="accent1">
-              <a:shade val="50000"/>
-            </a:schemeClr>
-          </a:lnRef>
-          <a:fillRef idx="1">
-            <a:schemeClr val="accent1"/>
-          </a:fillRef>
-          <a:effectRef idx="0">
-            <a:schemeClr val="accent1"/>
-          </a:effectRef>
-          <a:fontRef idx="minor">
-            <a:schemeClr val="lt1"/>
-          </a:fontRef>
-        </p:style>
-        <p:txBody>
-          <a:bodyPr rtlCol="0" anchor="ctr"/>
-          <a:lstStyle/>
-          <a:p>
-            <a:pPr algn="ctr"/>
-            <a:endParaRPr lang="pt-BR"/>
-          </a:p>
-        </p:txBody>
-      </p:sp>
-      <p:sp>
-        <p:nvSpPr>
-          <p:cNvPr id="8" name="Retângulo: Cantos Arredondados 7">
-            <a:extLst>
-              <a:ext uri="{FF2B5EF4-FFF2-40B4-BE49-F238E27FC236}">
-                <a16:creationId xmlns:a16="http://schemas.microsoft.com/office/drawing/2014/main" id="{9B4DF4F9-9BDD-1959-1473-43BEE995C15B}"/>
-              </a:ext>
-            </a:extLst>
-          </p:cNvPr>
-          <p:cNvSpPr/>
-          <p:nvPr/>
-        </p:nvSpPr>
-        <p:spPr>
-          <a:xfrm rot="5400000">
-            <a:off x="6885115" y="580006"/>
-            <a:ext cx="637997" cy="1636715"/>
-          </a:xfrm>
-          <a:prstGeom prst="roundRect">
-            <a:avLst/>
-          </a:prstGeom>
-          <a:gradFill flip="none" rotWithShape="0">
-            <a:gsLst>
-              <a:gs pos="29000">
-                <a:srgbClr val="05313D"/>
-              </a:gs>
-              <a:gs pos="52000">
-                <a:srgbClr val="123B47"/>
-              </a:gs>
-              <a:gs pos="70000">
-                <a:srgbClr val="1E4550"/>
-              </a:gs>
-            </a:gsLst>
-            <a:lin ang="2700000" scaled="1"/>
-            <a:tileRect/>
-          </a:gradFill>
-          <a:ln>
-            <a:noFill/>
-          </a:ln>
-          <a:effectLst>
-            <a:outerShdw blurRad="50800" dist="38100" dir="16200000" rotWithShape="0">
-              <a:prstClr val="black">
-                <a:alpha val="40000"/>
-              </a:prstClr>
-            </a:outerShdw>
-          </a:effectLst>
-        </p:spPr>
-        <p:style>
-          <a:lnRef idx="2">
-            <a:schemeClr val="accent1">
-              <a:shade val="50000"/>
-            </a:schemeClr>
-          </a:lnRef>
-          <a:fillRef idx="1">
-            <a:schemeClr val="accent1"/>
-          </a:fillRef>
-          <a:effectRef idx="0">
-            <a:schemeClr val="accent1"/>
-          </a:effectRef>
-          <a:fontRef idx="minor">
-            <a:schemeClr val="lt1"/>
-          </a:fontRef>
-        </p:style>
-        <p:txBody>
-          <a:bodyPr rtlCol="0" anchor="ctr"/>
-          <a:lstStyle/>
-          <a:p>
-            <a:pPr algn="ctr"/>
-            <a:endParaRPr lang="pt-BR"/>
-          </a:p>
-        </p:txBody>
-      </p:sp>
-      <p:sp>
-        <p:nvSpPr>
-          <p:cNvPr id="9" name="Retângulo: Cantos Arredondados 8">
-            <a:extLst>
-              <a:ext uri="{FF2B5EF4-FFF2-40B4-BE49-F238E27FC236}">
-                <a16:creationId xmlns:a16="http://schemas.microsoft.com/office/drawing/2014/main" id="{7E6488A8-59FD-2D3A-F91C-20BCF55D7D72}"/>
-              </a:ext>
-            </a:extLst>
-          </p:cNvPr>
-          <p:cNvSpPr/>
-          <p:nvPr/>
-        </p:nvSpPr>
-        <p:spPr>
-          <a:xfrm rot="5400000">
-            <a:off x="8874053" y="580005"/>
-            <a:ext cx="637997" cy="1636715"/>
-          </a:xfrm>
-          <a:prstGeom prst="roundRect">
-            <a:avLst/>
-          </a:prstGeom>
-          <a:gradFill flip="none" rotWithShape="0">
-            <a:gsLst>
-              <a:gs pos="29000">
-                <a:srgbClr val="05313D"/>
-              </a:gs>
-              <a:gs pos="52000">
-                <a:srgbClr val="123B47"/>
-              </a:gs>
-              <a:gs pos="70000">
-                <a:srgbClr val="1E4550"/>
-              </a:gs>
-            </a:gsLst>
-            <a:lin ang="2700000" scaled="1"/>
-            <a:tileRect/>
-          </a:gradFill>
-          <a:ln>
-            <a:noFill/>
-          </a:ln>
-          <a:effectLst>
-            <a:outerShdw blurRad="50800" dist="38100" dir="16200000" rotWithShape="0">
-              <a:prstClr val="black">
-                <a:alpha val="40000"/>
-              </a:prstClr>
-            </a:outerShdw>
-          </a:effectLst>
-        </p:spPr>
-        <p:style>
-          <a:lnRef idx="2">
-            <a:schemeClr val="accent1">
-              <a:shade val="50000"/>
-            </a:schemeClr>
-          </a:lnRef>
-          <a:fillRef idx="1">
-            <a:schemeClr val="accent1"/>
-          </a:fillRef>
-          <a:effectRef idx="0">
-            <a:schemeClr val="accent1"/>
-          </a:effectRef>
-          <a:fontRef idx="minor">
-            <a:schemeClr val="lt1"/>
-          </a:fontRef>
-        </p:style>
-        <p:txBody>
-          <a:bodyPr rtlCol="0" anchor="ctr"/>
-          <a:lstStyle/>
-          <a:p>
-            <a:pPr algn="ctr"/>
-            <a:endParaRPr lang="pt-BR"/>
-          </a:p>
-        </p:txBody>
-      </p:sp>
-      <p:sp>
-        <p:nvSpPr>
-          <p:cNvPr id="11" name="Retângulo: Cantos Arredondados 10">
-            <a:extLst>
-              <a:ext uri="{FF2B5EF4-FFF2-40B4-BE49-F238E27FC236}">
-                <a16:creationId xmlns:a16="http://schemas.microsoft.com/office/drawing/2014/main" id="{2353C82F-66C2-2DD1-3859-3000C7A0443B}"/>
-              </a:ext>
-            </a:extLst>
-          </p:cNvPr>
-          <p:cNvSpPr/>
-          <p:nvPr/>
-        </p:nvSpPr>
-        <p:spPr>
-          <a:xfrm rot="5400000">
-            <a:off x="10836352" y="575363"/>
-            <a:ext cx="637997" cy="1636715"/>
-          </a:xfrm>
-          <a:prstGeom prst="roundRect">
-            <a:avLst/>
-          </a:prstGeom>
-          <a:gradFill flip="none" rotWithShape="0">
-            <a:gsLst>
-              <a:gs pos="29000">
-                <a:srgbClr val="05313D"/>
-              </a:gs>
-              <a:gs pos="52000">
-                <a:srgbClr val="123B47"/>
-              </a:gs>
-              <a:gs pos="70000">
-                <a:srgbClr val="1E4550"/>
-              </a:gs>
-            </a:gsLst>
-            <a:lin ang="2700000" scaled="1"/>
-            <a:tileRect/>
-          </a:gradFill>
-          <a:ln>
-            <a:noFill/>
-          </a:ln>
-          <a:effectLst>
-            <a:outerShdw blurRad="50800" dist="38100" dir="18900000" algn="bl" rotWithShape="0">
-              <a:prstClr val="black">
-                <a:alpha val="40000"/>
-              </a:prstClr>
-            </a:outerShdw>
-          </a:effectLst>
-        </p:spPr>
-        <p:style>
-          <a:lnRef idx="2">
-            <a:schemeClr val="accent1">
-              <a:shade val="50000"/>
-            </a:schemeClr>
-          </a:lnRef>
-          <a:fillRef idx="1">
-            <a:schemeClr val="accent1"/>
-          </a:fillRef>
-          <a:effectRef idx="0">
-            <a:schemeClr val="accent1"/>
-          </a:effectRef>
-          <a:fontRef idx="minor">
-            <a:schemeClr val="lt1"/>
-          </a:fontRef>
-        </p:style>
-        <p:txBody>
-          <a:bodyPr rtlCol="0" anchor="ctr"/>
-          <a:lstStyle/>
-          <a:p>
-            <a:pPr algn="ctr"/>
-            <a:endParaRPr lang="pt-BR"/>
-          </a:p>
-        </p:txBody>
-      </p:sp>
-      <p:sp>
-        <p:nvSpPr>
-          <p:cNvPr id="12" name="Retângulo: Cantos Arredondados 11">
-            <a:extLst>
-              <a:ext uri="{FF2B5EF4-FFF2-40B4-BE49-F238E27FC236}">
-                <a16:creationId xmlns:a16="http://schemas.microsoft.com/office/drawing/2014/main" id="{69E8512B-CD0C-46E7-BFD3-847D122FD6B1}"/>
-              </a:ext>
-            </a:extLst>
-          </p:cNvPr>
-          <p:cNvSpPr/>
-          <p:nvPr/>
-        </p:nvSpPr>
-        <p:spPr>
-          <a:xfrm rot="5400000">
-            <a:off x="4896177" y="1317392"/>
-            <a:ext cx="637997" cy="1636715"/>
-          </a:xfrm>
-          <a:prstGeom prst="roundRect">
-            <a:avLst/>
-          </a:prstGeom>
-          <a:gradFill flip="none" rotWithShape="0">
-            <a:gsLst>
-              <a:gs pos="29000">
-                <a:srgbClr val="05313D"/>
-              </a:gs>
-              <a:gs pos="52000">
-                <a:srgbClr val="123B47"/>
-              </a:gs>
-              <a:gs pos="70000">
-                <a:srgbClr val="1E4550"/>
-              </a:gs>
-            </a:gsLst>
-            <a:lin ang="2700000" scaled="1"/>
-            <a:tileRect/>
-          </a:gradFill>
-          <a:ln>
-            <a:noFill/>
-          </a:ln>
-        </p:spPr>
-        <p:style>
-          <a:lnRef idx="2">
-            <a:schemeClr val="accent1">
-              <a:shade val="50000"/>
-            </a:schemeClr>
-          </a:lnRef>
-          <a:fillRef idx="1">
-            <a:schemeClr val="accent1"/>
-          </a:fillRef>
-          <a:effectRef idx="0">
-            <a:schemeClr val="accent1"/>
-          </a:effectRef>
-          <a:fontRef idx="minor">
-            <a:schemeClr val="lt1"/>
-          </a:fontRef>
-        </p:style>
-        <p:txBody>
-          <a:bodyPr rtlCol="0" anchor="ctr"/>
-          <a:lstStyle/>
-          <a:p>
-            <a:pPr algn="ctr"/>
-            <a:endParaRPr lang="pt-BR"/>
-          </a:p>
-        </p:txBody>
-      </p:sp>
-      <p:sp>
-        <p:nvSpPr>
-          <p:cNvPr id="13" name="Retângulo: Cantos Arredondados 12">
-            <a:extLst>
-              <a:ext uri="{FF2B5EF4-FFF2-40B4-BE49-F238E27FC236}">
-                <a16:creationId xmlns:a16="http://schemas.microsoft.com/office/drawing/2014/main" id="{BBF28DED-8D97-E9C9-1E1C-2FB6C97A565C}"/>
-              </a:ext>
-            </a:extLst>
-          </p:cNvPr>
-          <p:cNvSpPr/>
-          <p:nvPr/>
-        </p:nvSpPr>
-        <p:spPr>
-          <a:xfrm rot="5400000">
-            <a:off x="6885115" y="1324328"/>
-            <a:ext cx="637997" cy="1636715"/>
-          </a:xfrm>
-          <a:prstGeom prst="roundRect">
-            <a:avLst/>
-          </a:prstGeom>
-          <a:gradFill flip="none" rotWithShape="0">
-            <a:gsLst>
-              <a:gs pos="29000">
-                <a:srgbClr val="05313D"/>
-              </a:gs>
-              <a:gs pos="52000">
-                <a:srgbClr val="123B47"/>
-              </a:gs>
-              <a:gs pos="70000">
-                <a:srgbClr val="1E4550"/>
-              </a:gs>
-            </a:gsLst>
-            <a:lin ang="2700000" scaled="1"/>
-            <a:tileRect/>
-          </a:gradFill>
-          <a:ln>
-            <a:noFill/>
-          </a:ln>
-        </p:spPr>
-        <p:style>
-          <a:lnRef idx="2">
-            <a:schemeClr val="accent1">
-              <a:shade val="50000"/>
-            </a:schemeClr>
-          </a:lnRef>
-          <a:fillRef idx="1">
-            <a:schemeClr val="accent1"/>
-          </a:fillRef>
-          <a:effectRef idx="0">
-            <a:schemeClr val="accent1"/>
-          </a:effectRef>
-          <a:fontRef idx="minor">
-            <a:schemeClr val="lt1"/>
-          </a:fontRef>
-        </p:style>
-        <p:txBody>
-          <a:bodyPr rtlCol="0" anchor="ctr"/>
-          <a:lstStyle/>
-          <a:p>
-            <a:pPr algn="ctr"/>
-            <a:endParaRPr lang="pt-BR"/>
-          </a:p>
-        </p:txBody>
-      </p:sp>
-      <p:sp>
-        <p:nvSpPr>
-          <p:cNvPr id="14" name="Retângulo: Cantos Arredondados 13">
-            <a:extLst>
-              <a:ext uri="{FF2B5EF4-FFF2-40B4-BE49-F238E27FC236}">
-                <a16:creationId xmlns:a16="http://schemas.microsoft.com/office/drawing/2014/main" id="{94D45B54-9427-2D1D-681B-52035BBBB42E}"/>
-              </a:ext>
-            </a:extLst>
-          </p:cNvPr>
-          <p:cNvSpPr/>
-          <p:nvPr/>
-        </p:nvSpPr>
-        <p:spPr>
-          <a:xfrm rot="5400000">
-            <a:off x="8874053" y="1324327"/>
-            <a:ext cx="637997" cy="1636715"/>
-          </a:xfrm>
-          <a:prstGeom prst="roundRect">
-            <a:avLst/>
-          </a:prstGeom>
-          <a:gradFill flip="none" rotWithShape="0">
-            <a:gsLst>
-              <a:gs pos="29000">
-                <a:srgbClr val="05313D"/>
-              </a:gs>
-              <a:gs pos="52000">
-                <a:srgbClr val="123B47"/>
-              </a:gs>
-              <a:gs pos="70000">
-                <a:srgbClr val="1E4550"/>
-              </a:gs>
-            </a:gsLst>
-            <a:lin ang="2700000" scaled="1"/>
-            <a:tileRect/>
-          </a:gradFill>
-          <a:ln>
-            <a:noFill/>
-          </a:ln>
-        </p:spPr>
-        <p:style>
-          <a:lnRef idx="2">
-            <a:schemeClr val="accent1">
-              <a:shade val="50000"/>
-            </a:schemeClr>
-          </a:lnRef>
-          <a:fillRef idx="1">
-            <a:schemeClr val="accent1"/>
-          </a:fillRef>
-          <a:effectRef idx="0">
-            <a:schemeClr val="accent1"/>
-          </a:effectRef>
-          <a:fontRef idx="minor">
-            <a:schemeClr val="lt1"/>
-          </a:fontRef>
-        </p:style>
-        <p:txBody>
-          <a:bodyPr rtlCol="0" anchor="ctr"/>
-          <a:lstStyle/>
-          <a:p>
-            <a:pPr algn="ctr"/>
-            <a:endParaRPr lang="pt-BR"/>
-          </a:p>
-        </p:txBody>
-      </p:sp>
-      <p:sp>
-        <p:nvSpPr>
-          <p:cNvPr id="15" name="Retângulo: Cantos Arredondados 14">
-            <a:extLst>
-              <a:ext uri="{FF2B5EF4-FFF2-40B4-BE49-F238E27FC236}">
-                <a16:creationId xmlns:a16="http://schemas.microsoft.com/office/drawing/2014/main" id="{8D8CB65A-18D0-A150-1827-318FFA3EF92A}"/>
-              </a:ext>
-            </a:extLst>
-          </p:cNvPr>
-          <p:cNvSpPr/>
-          <p:nvPr/>
-        </p:nvSpPr>
-        <p:spPr>
-          <a:xfrm rot="5400000">
-            <a:off x="10836352" y="1319685"/>
-            <a:ext cx="637997" cy="1636715"/>
-          </a:xfrm>
-          <a:prstGeom prst="roundRect">
-            <a:avLst/>
-          </a:prstGeom>
-          <a:gradFill flip="none" rotWithShape="0">
-            <a:gsLst>
-              <a:gs pos="29000">
-                <a:srgbClr val="05313D"/>
-              </a:gs>
-              <a:gs pos="52000">
-                <a:srgbClr val="123B47"/>
-              </a:gs>
-              <a:gs pos="70000">
-                <a:srgbClr val="1E4550"/>
-              </a:gs>
-            </a:gsLst>
-            <a:lin ang="2700000" scaled="1"/>
-            <a:tileRect/>
-          </a:gradFill>
-          <a:ln>
-            <a:noFill/>
-          </a:ln>
-          <a:effectLst>
-            <a:outerShdw blurRad="50800" dist="38100" algn="l" rotWithShape="0">
-              <a:prstClr val="black">
-                <a:alpha val="40000"/>
-              </a:prstClr>
-            </a:outerShdw>
-          </a:effectLst>
-        </p:spPr>
-        <p:style>
-          <a:lnRef idx="2">
-            <a:schemeClr val="accent1">
-              <a:shade val="50000"/>
-            </a:schemeClr>
-          </a:lnRef>
-          <a:fillRef idx="1">
-            <a:schemeClr val="accent1"/>
-          </a:fillRef>
-          <a:effectRef idx="0">
-            <a:schemeClr val="accent1"/>
-          </a:effectRef>
-          <a:fontRef idx="minor">
-            <a:schemeClr val="lt1"/>
-          </a:fontRef>
-        </p:style>
-        <p:txBody>
-          <a:bodyPr rtlCol="0" anchor="ctr"/>
-          <a:lstStyle/>
-          <a:p>
-            <a:pPr algn="ctr"/>
-            <a:endParaRPr lang="pt-BR"/>
-          </a:p>
-        </p:txBody>
-      </p:sp>
-      <p:sp>
-        <p:nvSpPr>
-          <p:cNvPr id="16" name="Retângulo: Cantos Arredondados 15">
-            <a:extLst>
-              <a:ext uri="{FF2B5EF4-FFF2-40B4-BE49-F238E27FC236}">
-                <a16:creationId xmlns:a16="http://schemas.microsoft.com/office/drawing/2014/main" id="{B923D6F1-7DEF-B4D9-D891-47E1D17588DD}"/>
-              </a:ext>
-            </a:extLst>
-          </p:cNvPr>
-          <p:cNvSpPr/>
-          <p:nvPr/>
-        </p:nvSpPr>
-        <p:spPr>
-          <a:xfrm rot="5400000">
-            <a:off x="4896177" y="2058714"/>
-            <a:ext cx="637997" cy="1636715"/>
-          </a:xfrm>
-          <a:prstGeom prst="roundRect">
-            <a:avLst/>
-          </a:prstGeom>
-          <a:gradFill flip="none" rotWithShape="0">
-            <a:gsLst>
-              <a:gs pos="29000">
-                <a:srgbClr val="05313D"/>
-              </a:gs>
-              <a:gs pos="52000">
-                <a:srgbClr val="123B47"/>
-              </a:gs>
-              <a:gs pos="70000">
-                <a:srgbClr val="1E4550"/>
-              </a:gs>
-            </a:gsLst>
-            <a:lin ang="2700000" scaled="1"/>
-            <a:tileRect/>
-          </a:gradFill>
-          <a:ln>
-            <a:noFill/>
-          </a:ln>
-        </p:spPr>
-        <p:style>
-          <a:lnRef idx="2">
-            <a:schemeClr val="accent1">
-              <a:shade val="50000"/>
-            </a:schemeClr>
-          </a:lnRef>
-          <a:fillRef idx="1">
-            <a:schemeClr val="accent1"/>
-          </a:fillRef>
-          <a:effectRef idx="0">
-            <a:schemeClr val="accent1"/>
-          </a:effectRef>
-          <a:fontRef idx="minor">
-            <a:schemeClr val="lt1"/>
-          </a:fontRef>
-        </p:style>
-        <p:txBody>
-          <a:bodyPr rtlCol="0" anchor="ctr"/>
-          <a:lstStyle/>
-          <a:p>
-            <a:pPr algn="ctr"/>
-            <a:endParaRPr lang="pt-BR"/>
-          </a:p>
-        </p:txBody>
-      </p:sp>
-      <p:sp>
-        <p:nvSpPr>
-          <p:cNvPr id="33" name="Retângulo: Cantos Arredondados 32">
-            <a:extLst>
-              <a:ext uri="{FF2B5EF4-FFF2-40B4-BE49-F238E27FC236}">
-                <a16:creationId xmlns:a16="http://schemas.microsoft.com/office/drawing/2014/main" id="{B180D216-2645-B2A7-D63D-6F3FF7D7D696}"/>
-              </a:ext>
-            </a:extLst>
-          </p:cNvPr>
-          <p:cNvSpPr/>
-          <p:nvPr/>
-        </p:nvSpPr>
-        <p:spPr>
-          <a:xfrm rot="5400000">
-            <a:off x="6885115" y="2065650"/>
-            <a:ext cx="637997" cy="1636715"/>
-          </a:xfrm>
-          <a:prstGeom prst="roundRect">
-            <a:avLst/>
-          </a:prstGeom>
-          <a:gradFill flip="none" rotWithShape="0">
-            <a:gsLst>
-              <a:gs pos="29000">
-                <a:srgbClr val="05313D"/>
-              </a:gs>
-              <a:gs pos="52000">
-                <a:srgbClr val="123B47"/>
-              </a:gs>
-              <a:gs pos="70000">
-                <a:srgbClr val="1E4550"/>
-              </a:gs>
-            </a:gsLst>
-            <a:lin ang="2700000" scaled="1"/>
-            <a:tileRect/>
-          </a:gradFill>
-          <a:ln>
-            <a:noFill/>
-          </a:ln>
-        </p:spPr>
-        <p:style>
-          <a:lnRef idx="2">
-            <a:schemeClr val="accent1">
-              <a:shade val="50000"/>
-            </a:schemeClr>
-          </a:lnRef>
-          <a:fillRef idx="1">
-            <a:schemeClr val="accent1"/>
-          </a:fillRef>
-          <a:effectRef idx="0">
-            <a:schemeClr val="accent1"/>
-          </a:effectRef>
-          <a:fontRef idx="minor">
-            <a:schemeClr val="lt1"/>
-          </a:fontRef>
-        </p:style>
-        <p:txBody>
-          <a:bodyPr rtlCol="0" anchor="ctr"/>
-          <a:lstStyle/>
-          <a:p>
-            <a:pPr algn="ctr"/>
-            <a:endParaRPr lang="pt-BR"/>
-          </a:p>
-        </p:txBody>
-      </p:sp>
-      <p:sp>
-        <p:nvSpPr>
-          <p:cNvPr id="34" name="Retângulo: Cantos Arredondados 33">
-            <a:extLst>
-              <a:ext uri="{FF2B5EF4-FFF2-40B4-BE49-F238E27FC236}">
-                <a16:creationId xmlns:a16="http://schemas.microsoft.com/office/drawing/2014/main" id="{B00C8391-2CB8-1018-8C9E-94820F531D63}"/>
-              </a:ext>
-            </a:extLst>
-          </p:cNvPr>
-          <p:cNvSpPr/>
-          <p:nvPr/>
-        </p:nvSpPr>
-        <p:spPr>
-          <a:xfrm rot="5400000">
-            <a:off x="8874053" y="2065649"/>
-            <a:ext cx="637997" cy="1636715"/>
-          </a:xfrm>
-          <a:prstGeom prst="roundRect">
-            <a:avLst/>
-          </a:prstGeom>
-          <a:gradFill flip="none" rotWithShape="0">
-            <a:gsLst>
-              <a:gs pos="29000">
-                <a:srgbClr val="05313D"/>
-              </a:gs>
-              <a:gs pos="52000">
-                <a:srgbClr val="123B47"/>
-              </a:gs>
-              <a:gs pos="70000">
-                <a:srgbClr val="1E4550"/>
-              </a:gs>
-            </a:gsLst>
-            <a:lin ang="2700000" scaled="1"/>
-            <a:tileRect/>
-          </a:gradFill>
-          <a:ln>
-            <a:noFill/>
-          </a:ln>
-        </p:spPr>
-        <p:style>
-          <a:lnRef idx="2">
-            <a:schemeClr val="accent1">
-              <a:shade val="50000"/>
-            </a:schemeClr>
-          </a:lnRef>
-          <a:fillRef idx="1">
-            <a:schemeClr val="accent1"/>
-          </a:fillRef>
-          <a:effectRef idx="0">
-            <a:schemeClr val="accent1"/>
-          </a:effectRef>
-          <a:fontRef idx="minor">
-            <a:schemeClr val="lt1"/>
-          </a:fontRef>
-        </p:style>
-        <p:txBody>
-          <a:bodyPr rtlCol="0" anchor="ctr"/>
-          <a:lstStyle/>
-          <a:p>
-            <a:pPr algn="ctr"/>
-            <a:endParaRPr lang="pt-BR"/>
-          </a:p>
-        </p:txBody>
-      </p:sp>
-      <p:sp>
-        <p:nvSpPr>
-          <p:cNvPr id="35" name="Retângulo: Cantos Arredondados 34">
-            <a:extLst>
-              <a:ext uri="{FF2B5EF4-FFF2-40B4-BE49-F238E27FC236}">
-                <a16:creationId xmlns:a16="http://schemas.microsoft.com/office/drawing/2014/main" id="{C291A5FF-BFAF-A545-8044-5EDE9851B494}"/>
-              </a:ext>
-            </a:extLst>
-          </p:cNvPr>
-          <p:cNvSpPr/>
-          <p:nvPr/>
-        </p:nvSpPr>
-        <p:spPr>
-          <a:xfrm rot="5400000">
-            <a:off x="10836352" y="2061007"/>
-            <a:ext cx="637997" cy="1636715"/>
-          </a:xfrm>
-          <a:prstGeom prst="roundRect">
-            <a:avLst/>
-          </a:prstGeom>
-          <a:gradFill flip="none" rotWithShape="0">
-            <a:gsLst>
-              <a:gs pos="29000">
-                <a:srgbClr val="05313D"/>
-              </a:gs>
-              <a:gs pos="52000">
-                <a:srgbClr val="123B47"/>
-              </a:gs>
-              <a:gs pos="70000">
-                <a:srgbClr val="1E4550"/>
-              </a:gs>
-            </a:gsLst>
-            <a:lin ang="2700000" scaled="1"/>
-            <a:tileRect/>
-          </a:gradFill>
-          <a:ln>
-            <a:noFill/>
-          </a:ln>
-          <a:effectLst>
-            <a:outerShdw blurRad="50800" dist="38100" algn="l" rotWithShape="0">
-              <a:prstClr val="black">
-                <a:alpha val="40000"/>
-              </a:prstClr>
-            </a:outerShdw>
-          </a:effectLst>
-        </p:spPr>
-        <p:style>
-          <a:lnRef idx="2">
-            <a:schemeClr val="accent1">
-              <a:shade val="50000"/>
-            </a:schemeClr>
-          </a:lnRef>
-          <a:fillRef idx="1">
-            <a:schemeClr val="accent1"/>
-          </a:fillRef>
-          <a:effectRef idx="0">
-            <a:schemeClr val="accent1"/>
-          </a:effectRef>
-          <a:fontRef idx="minor">
-            <a:schemeClr val="lt1"/>
-          </a:fontRef>
-        </p:style>
-        <p:txBody>
-          <a:bodyPr rtlCol="0" anchor="ctr"/>
-          <a:lstStyle/>
-          <a:p>
-            <a:pPr algn="ctr"/>
-            <a:endParaRPr lang="pt-BR"/>
-          </a:p>
-        </p:txBody>
-      </p:sp>
-      <p:sp>
-        <p:nvSpPr>
-          <p:cNvPr id="36" name="Retângulo: Cantos Arredondados 35">
-            <a:extLst>
-              <a:ext uri="{FF2B5EF4-FFF2-40B4-BE49-F238E27FC236}">
-                <a16:creationId xmlns:a16="http://schemas.microsoft.com/office/drawing/2014/main" id="{C78AB5F9-EAE5-FA4B-520D-84D6F96EE906}"/>
-              </a:ext>
-            </a:extLst>
-          </p:cNvPr>
-          <p:cNvSpPr/>
-          <p:nvPr/>
-        </p:nvSpPr>
-        <p:spPr>
-          <a:xfrm rot="5400000">
-            <a:off x="4896177" y="2803036"/>
-            <a:ext cx="637997" cy="1636715"/>
-          </a:xfrm>
-          <a:prstGeom prst="roundRect">
-            <a:avLst/>
-          </a:prstGeom>
-          <a:gradFill flip="none" rotWithShape="0">
-            <a:gsLst>
-              <a:gs pos="29000">
-                <a:srgbClr val="05313D"/>
-              </a:gs>
-              <a:gs pos="52000">
-                <a:srgbClr val="123B47"/>
-              </a:gs>
-              <a:gs pos="70000">
-                <a:srgbClr val="1E4550"/>
-              </a:gs>
-            </a:gsLst>
-            <a:lin ang="2700000" scaled="1"/>
-            <a:tileRect/>
-          </a:gradFill>
-          <a:ln>
-            <a:noFill/>
-          </a:ln>
-        </p:spPr>
-        <p:style>
-          <a:lnRef idx="2">
-            <a:schemeClr val="accent1">
-              <a:shade val="50000"/>
-            </a:schemeClr>
-          </a:lnRef>
-          <a:fillRef idx="1">
-            <a:schemeClr val="accent1"/>
-          </a:fillRef>
-          <a:effectRef idx="0">
-            <a:schemeClr val="accent1"/>
-          </a:effectRef>
-          <a:fontRef idx="minor">
-            <a:schemeClr val="lt1"/>
-          </a:fontRef>
-        </p:style>
-        <p:txBody>
-          <a:bodyPr rtlCol="0" anchor="ctr"/>
-          <a:lstStyle/>
-          <a:p>
-            <a:pPr algn="ctr"/>
-            <a:endParaRPr lang="pt-BR"/>
-          </a:p>
-        </p:txBody>
-      </p:sp>
-      <p:sp>
-        <p:nvSpPr>
-          <p:cNvPr id="37" name="Retângulo: Cantos Arredondados 36">
-            <a:extLst>
-              <a:ext uri="{FF2B5EF4-FFF2-40B4-BE49-F238E27FC236}">
-                <a16:creationId xmlns:a16="http://schemas.microsoft.com/office/drawing/2014/main" id="{970AA03C-53A9-432F-DE02-E618DA3AAFEA}"/>
-              </a:ext>
-            </a:extLst>
-          </p:cNvPr>
-          <p:cNvSpPr/>
-          <p:nvPr/>
-        </p:nvSpPr>
-        <p:spPr>
-          <a:xfrm rot="5400000">
-            <a:off x="6885115" y="2809972"/>
-            <a:ext cx="637997" cy="1636715"/>
-          </a:xfrm>
-          <a:prstGeom prst="roundRect">
-            <a:avLst/>
-          </a:prstGeom>
-          <a:gradFill flip="none" rotWithShape="0">
-            <a:gsLst>
-              <a:gs pos="29000">
-                <a:srgbClr val="05313D"/>
-              </a:gs>
-              <a:gs pos="52000">
-                <a:srgbClr val="123B47"/>
-              </a:gs>
-              <a:gs pos="70000">
-                <a:srgbClr val="1E4550"/>
-              </a:gs>
-            </a:gsLst>
-            <a:lin ang="2700000" scaled="1"/>
-            <a:tileRect/>
-          </a:gradFill>
-          <a:ln>
-            <a:noFill/>
-          </a:ln>
-        </p:spPr>
-        <p:style>
-          <a:lnRef idx="2">
-            <a:schemeClr val="accent1">
-              <a:shade val="50000"/>
-            </a:schemeClr>
-          </a:lnRef>
-          <a:fillRef idx="1">
-            <a:schemeClr val="accent1"/>
-          </a:fillRef>
-          <a:effectRef idx="0">
-            <a:schemeClr val="accent1"/>
-          </a:effectRef>
-          <a:fontRef idx="minor">
-            <a:schemeClr val="lt1"/>
-          </a:fontRef>
-        </p:style>
-        <p:txBody>
-          <a:bodyPr rtlCol="0" anchor="ctr"/>
-          <a:lstStyle/>
-          <a:p>
-            <a:pPr algn="ctr"/>
-            <a:endParaRPr lang="pt-BR"/>
-          </a:p>
-        </p:txBody>
-      </p:sp>
-      <p:sp>
-        <p:nvSpPr>
-          <p:cNvPr id="38" name="Retângulo: Cantos Arredondados 37">
-            <a:extLst>
-              <a:ext uri="{FF2B5EF4-FFF2-40B4-BE49-F238E27FC236}">
-                <a16:creationId xmlns:a16="http://schemas.microsoft.com/office/drawing/2014/main" id="{98CE6C59-EFA9-207B-9DAB-2AF5530D4271}"/>
-              </a:ext>
-            </a:extLst>
-          </p:cNvPr>
-          <p:cNvSpPr/>
-          <p:nvPr/>
-        </p:nvSpPr>
-        <p:spPr>
-          <a:xfrm rot="5400000">
-            <a:off x="8874053" y="2809971"/>
-            <a:ext cx="637997" cy="1636715"/>
-          </a:xfrm>
-          <a:prstGeom prst="roundRect">
-            <a:avLst/>
-          </a:prstGeom>
-          <a:gradFill flip="none" rotWithShape="0">
-            <a:gsLst>
-              <a:gs pos="29000">
-                <a:srgbClr val="05313D"/>
-              </a:gs>
-              <a:gs pos="52000">
-                <a:srgbClr val="123B47"/>
-              </a:gs>
-              <a:gs pos="70000">
-                <a:srgbClr val="1E4550"/>
-              </a:gs>
-            </a:gsLst>
-            <a:lin ang="2700000" scaled="1"/>
-            <a:tileRect/>
-          </a:gradFill>
-          <a:ln>
-            <a:noFill/>
-          </a:ln>
-        </p:spPr>
-        <p:style>
-          <a:lnRef idx="2">
-            <a:schemeClr val="accent1">
-              <a:shade val="50000"/>
-            </a:schemeClr>
-          </a:lnRef>
-          <a:fillRef idx="1">
-            <a:schemeClr val="accent1"/>
-          </a:fillRef>
-          <a:effectRef idx="0">
-            <a:schemeClr val="accent1"/>
-          </a:effectRef>
-          <a:fontRef idx="minor">
-            <a:schemeClr val="lt1"/>
-          </a:fontRef>
-        </p:style>
-        <p:txBody>
-          <a:bodyPr rtlCol="0" anchor="ctr"/>
-          <a:lstStyle/>
-          <a:p>
-            <a:pPr algn="ctr"/>
-            <a:endParaRPr lang="pt-BR"/>
-          </a:p>
-        </p:txBody>
-      </p:sp>
-      <p:sp>
-        <p:nvSpPr>
-          <p:cNvPr id="39" name="Retângulo: Cantos Arredondados 38">
-            <a:extLst>
-              <a:ext uri="{FF2B5EF4-FFF2-40B4-BE49-F238E27FC236}">
-                <a16:creationId xmlns:a16="http://schemas.microsoft.com/office/drawing/2014/main" id="{6E3CE802-FD29-F001-8344-7F89E14277BB}"/>
-              </a:ext>
-            </a:extLst>
-          </p:cNvPr>
-          <p:cNvSpPr/>
-          <p:nvPr/>
-        </p:nvSpPr>
-        <p:spPr>
-          <a:xfrm rot="5400000">
-            <a:off x="10836352" y="2805329"/>
-            <a:ext cx="637997" cy="1636715"/>
-          </a:xfrm>
-          <a:prstGeom prst="roundRect">
-            <a:avLst/>
-          </a:prstGeom>
-          <a:gradFill flip="none" rotWithShape="0">
-            <a:gsLst>
-              <a:gs pos="29000">
-                <a:srgbClr val="05313D"/>
-              </a:gs>
-              <a:gs pos="52000">
-                <a:srgbClr val="123B47"/>
-              </a:gs>
-              <a:gs pos="70000">
-                <a:srgbClr val="1E4550"/>
-              </a:gs>
-            </a:gsLst>
-            <a:lin ang="2700000" scaled="1"/>
-            <a:tileRect/>
-          </a:gradFill>
-          <a:ln>
-            <a:noFill/>
-          </a:ln>
-          <a:effectLst>
-            <a:outerShdw blurRad="50800" dist="38100" algn="l" rotWithShape="0">
-              <a:prstClr val="black">
-                <a:alpha val="40000"/>
-              </a:prstClr>
-            </a:outerShdw>
-          </a:effectLst>
-        </p:spPr>
-        <p:style>
-          <a:lnRef idx="2">
-            <a:schemeClr val="accent1">
-              <a:shade val="50000"/>
-            </a:schemeClr>
-          </a:lnRef>
-          <a:fillRef idx="1">
-            <a:schemeClr val="accent1"/>
-          </a:fillRef>
-          <a:effectRef idx="0">
-            <a:schemeClr val="accent1"/>
-          </a:effectRef>
-          <a:fontRef idx="minor">
-            <a:schemeClr val="lt1"/>
-          </a:fontRef>
-        </p:style>
-        <p:txBody>
-          <a:bodyPr rtlCol="0" anchor="ctr"/>
-          <a:lstStyle/>
-          <a:p>
-            <a:pPr algn="ctr"/>
-            <a:endParaRPr lang="pt-BR"/>
-          </a:p>
-        </p:txBody>
-      </p:sp>
-      <p:sp>
-        <p:nvSpPr>
-          <p:cNvPr id="22" name="Retângulo: Cantos Arredondados 21">
-            <a:extLst>
-              <a:ext uri="{FF2B5EF4-FFF2-40B4-BE49-F238E27FC236}">
-                <a16:creationId xmlns:a16="http://schemas.microsoft.com/office/drawing/2014/main" id="{EC008263-5704-30E5-B345-B2BAED17496E}"/>
-              </a:ext>
-            </a:extLst>
-          </p:cNvPr>
-          <p:cNvSpPr/>
-          <p:nvPr/>
-        </p:nvSpPr>
-        <p:spPr>
-          <a:xfrm rot="5400000">
-            <a:off x="5618921" y="-5634395"/>
-            <a:ext cx="954159" cy="12192001"/>
+            <a:off x="5784428" y="-5799900"/>
+            <a:ext cx="632473" cy="12201332"/>
           </a:xfrm>
           <a:prstGeom prst="roundRect">
             <a:avLst>
@@ -15749,10 +15784,10 @@
       </p:sp>
       <p:pic>
         <p:nvPicPr>
-          <p:cNvPr id="24" name="Imagem 23" descr="Logotipo&#10;&#10;Descrição gerada automaticamente com confiança média">
-            <a:extLst>
-              <a:ext uri="{FF2B5EF4-FFF2-40B4-BE49-F238E27FC236}">
-                <a16:creationId xmlns:a16="http://schemas.microsoft.com/office/drawing/2014/main" id="{B40E0D95-69D4-287F-6291-E9CD194158B9}"/>
+          <p:cNvPr id="18" name="Imagem 17" descr="Logotipo&#10;&#10;Descrição gerada automaticamente com confiança média">
+            <a:extLst>
+              <a:ext uri="{FF2B5EF4-FFF2-40B4-BE49-F238E27FC236}">
+                <a16:creationId xmlns:a16="http://schemas.microsoft.com/office/drawing/2014/main" id="{B8D5191A-2DCD-EBDD-4D39-25B3394C19A0}"/>
               </a:ext>
             </a:extLst>
           </p:cNvPr>
@@ -15819,259 +15854,12 @@
           </a:prstGeom>
         </p:spPr>
       </p:pic>
-      <p:pic>
-        <p:nvPicPr>
-          <p:cNvPr id="25" name="Imagem 24" descr="Ícone&#10;&#10;Descrição gerada automaticamente">
-            <a:extLst>
-              <a:ext uri="{FF2B5EF4-FFF2-40B4-BE49-F238E27FC236}">
-                <a16:creationId xmlns:a16="http://schemas.microsoft.com/office/drawing/2014/main" id="{36A50264-54CA-2982-8CC7-9930E6834416}"/>
-              </a:ext>
-            </a:extLst>
-          </p:cNvPr>
-          <p:cNvPicPr>
-            <a:picLocks noChangeAspect="1"/>
-          </p:cNvPicPr>
-          <p:nvPr/>
-        </p:nvPicPr>
-        <p:blipFill>
-          <a:blip r:embed="rId4">
-            <a:extLst>
-              <a:ext uri="{28A0092B-C50C-407E-A947-70E740481C1C}">
-                <a14:useLocalDpi xmlns:a14="http://schemas.microsoft.com/office/drawing/2010/main" val="0"/>
-              </a:ext>
-            </a:extLst>
-          </a:blip>
-          <a:stretch>
-            <a:fillRect/>
-          </a:stretch>
-        </p:blipFill>
-        <p:spPr>
-          <a:xfrm rot="10800000">
-            <a:off x="764362" y="236785"/>
-            <a:ext cx="431674" cy="431674"/>
-          </a:xfrm>
-          <a:prstGeom prst="rect">
-            <a:avLst/>
-          </a:prstGeom>
-        </p:spPr>
-      </p:pic>
-      <p:pic>
-        <p:nvPicPr>
-          <p:cNvPr id="26" name="Imagem 25" descr="Ícone&#10;&#10;Descrição gerada automaticamente">
-            <a:extLst>
-              <a:ext uri="{FF2B5EF4-FFF2-40B4-BE49-F238E27FC236}">
-                <a16:creationId xmlns:a16="http://schemas.microsoft.com/office/drawing/2014/main" id="{FBB03A87-FAED-0650-612C-5CCA64D8B754}"/>
-              </a:ext>
-            </a:extLst>
-          </p:cNvPr>
-          <p:cNvPicPr>
-            <a:picLocks noChangeAspect="1"/>
-          </p:cNvPicPr>
-          <p:nvPr/>
-        </p:nvPicPr>
-        <p:blipFill>
-          <a:blip r:embed="rId4">
-            <a:extLst>
-              <a:ext uri="{28A0092B-C50C-407E-A947-70E740481C1C}">
-                <a14:useLocalDpi xmlns:a14="http://schemas.microsoft.com/office/drawing/2010/main" val="0"/>
-              </a:ext>
-            </a:extLst>
-          </a:blip>
-          <a:stretch>
-            <a:fillRect/>
-          </a:stretch>
-        </p:blipFill>
-        <p:spPr>
-          <a:xfrm>
-            <a:off x="166344" y="227106"/>
-            <a:ext cx="431674" cy="431674"/>
-          </a:xfrm>
-          <a:prstGeom prst="rect">
-            <a:avLst/>
-          </a:prstGeom>
-        </p:spPr>
-      </p:pic>
-      <p:sp>
-        <p:nvSpPr>
-          <p:cNvPr id="27" name="Retângulo: Cantos Arredondados 26">
-            <a:extLst>
-              <a:ext uri="{FF2B5EF4-FFF2-40B4-BE49-F238E27FC236}">
-                <a16:creationId xmlns:a16="http://schemas.microsoft.com/office/drawing/2014/main" id="{51728D87-A337-DD76-856F-EED3A4014EC4}"/>
-              </a:ext>
-            </a:extLst>
-          </p:cNvPr>
-          <p:cNvSpPr/>
-          <p:nvPr/>
-        </p:nvSpPr>
-        <p:spPr>
-          <a:xfrm>
-            <a:off x="38444" y="2454748"/>
-            <a:ext cx="915845" cy="516923"/>
-          </a:xfrm>
-          <a:prstGeom prst="roundRect">
-            <a:avLst/>
-          </a:prstGeom>
-          <a:solidFill>
-            <a:srgbClr val="506E77"/>
-          </a:solidFill>
-          <a:ln>
-            <a:solidFill>
-              <a:schemeClr val="bg1"/>
-            </a:solidFill>
-          </a:ln>
-        </p:spPr>
-        <p:style>
-          <a:lnRef idx="2">
-            <a:schemeClr val="accent1">
-              <a:shade val="50000"/>
-            </a:schemeClr>
-          </a:lnRef>
-          <a:fillRef idx="1">
-            <a:schemeClr val="accent1"/>
-          </a:fillRef>
-          <a:effectRef idx="0">
-            <a:schemeClr val="accent1"/>
-          </a:effectRef>
-          <a:fontRef idx="minor">
-            <a:schemeClr val="lt1"/>
-          </a:fontRef>
-        </p:style>
-        <p:txBody>
-          <a:bodyPr rtlCol="0" anchor="ctr"/>
-          <a:lstStyle/>
-          <a:p>
-            <a:pPr algn="ctr"/>
-            <a:r>
-              <a:rPr lang="pt-BR" sz="1000" b="1" dirty="0"/>
-              <a:t>UNIFORME MASCULINO</a:t>
-            </a:r>
-          </a:p>
-        </p:txBody>
-      </p:sp>
-      <p:sp>
-        <p:nvSpPr>
-          <p:cNvPr id="28" name="Retângulo: Cantos Arredondados 27">
-            <a:extLst>
-              <a:ext uri="{FF2B5EF4-FFF2-40B4-BE49-F238E27FC236}">
-                <a16:creationId xmlns:a16="http://schemas.microsoft.com/office/drawing/2014/main" id="{8DBE647A-1F38-1F8D-A440-0F731F1B5E5D}"/>
-              </a:ext>
-            </a:extLst>
-          </p:cNvPr>
-          <p:cNvSpPr/>
-          <p:nvPr/>
-        </p:nvSpPr>
-        <p:spPr>
-          <a:xfrm>
-            <a:off x="38444" y="3227888"/>
-            <a:ext cx="915845" cy="516923"/>
-          </a:xfrm>
-          <a:prstGeom prst="roundRect">
-            <a:avLst/>
-          </a:prstGeom>
-          <a:solidFill>
-            <a:srgbClr val="506E77"/>
-          </a:solidFill>
-          <a:ln>
-            <a:solidFill>
-              <a:schemeClr val="bg1"/>
-            </a:solidFill>
-          </a:ln>
-        </p:spPr>
-        <p:style>
-          <a:lnRef idx="2">
-            <a:schemeClr val="accent1">
-              <a:shade val="50000"/>
-            </a:schemeClr>
-          </a:lnRef>
-          <a:fillRef idx="1">
-            <a:schemeClr val="accent1"/>
-          </a:fillRef>
-          <a:effectRef idx="0">
-            <a:schemeClr val="accent1"/>
-          </a:effectRef>
-          <a:fontRef idx="minor">
-            <a:schemeClr val="lt1"/>
-          </a:fontRef>
-        </p:style>
-        <p:txBody>
-          <a:bodyPr rtlCol="0" anchor="ctr"/>
-          <a:lstStyle/>
-          <a:p>
-            <a:pPr algn="ctr"/>
-            <a:r>
-              <a:rPr lang="pt-BR" sz="1000" b="1" dirty="0"/>
-              <a:t>ENTRADA E SAIDA</a:t>
-            </a:r>
-          </a:p>
-        </p:txBody>
-      </p:sp>
-      <p:sp>
-        <p:nvSpPr>
-          <p:cNvPr id="50" name="Retângulo: Cantos Arredondados 49">
-            <a:extLst>
-              <a:ext uri="{FF2B5EF4-FFF2-40B4-BE49-F238E27FC236}">
-                <a16:creationId xmlns:a16="http://schemas.microsoft.com/office/drawing/2014/main" id="{FCE9E10D-A878-6597-6650-194ABE29BD3E}"/>
-              </a:ext>
-            </a:extLst>
-          </p:cNvPr>
-          <p:cNvSpPr/>
-          <p:nvPr/>
-        </p:nvSpPr>
-        <p:spPr>
-          <a:xfrm>
-            <a:off x="36440" y="1681608"/>
-            <a:ext cx="924613" cy="516923"/>
-          </a:xfrm>
-          <a:prstGeom prst="roundRect">
-            <a:avLst/>
-          </a:prstGeom>
-          <a:solidFill>
-            <a:srgbClr val="A0B0B5"/>
-          </a:solidFill>
-          <a:ln>
-            <a:solidFill>
-              <a:schemeClr val="bg1"/>
-            </a:solidFill>
-          </a:ln>
-        </p:spPr>
-        <p:style>
-          <a:lnRef idx="2">
-            <a:schemeClr val="accent1">
-              <a:shade val="50000"/>
-            </a:schemeClr>
-          </a:lnRef>
-          <a:fillRef idx="1">
-            <a:schemeClr val="accent1"/>
-          </a:fillRef>
-          <a:effectRef idx="0">
-            <a:schemeClr val="accent1"/>
-          </a:effectRef>
-          <a:fontRef idx="minor">
-            <a:schemeClr val="lt1"/>
-          </a:fontRef>
-        </p:style>
-        <p:txBody>
-          <a:bodyPr rtlCol="0" anchor="ctr"/>
-          <a:lstStyle/>
-          <a:p>
-            <a:pPr algn="ctr"/>
-            <a:r>
-              <a:rPr lang="pt-BR" sz="1000" b="1" dirty="0">
-                <a:solidFill>
-                  <a:srgbClr val="1D4450"/>
-                </a:solidFill>
-              </a:rPr>
-              <a:t>UNIFORME FEMININO</a:t>
-            </a:r>
-          </a:p>
-        </p:txBody>
-      </p:sp>
-      <p:sp>
-        <p:nvSpPr>
-          <p:cNvPr id="51" name="Retângulo: Cantos Arredondados 50">
-            <a:extLst>
-              <a:ext uri="{FF2B5EF4-FFF2-40B4-BE49-F238E27FC236}">
-                <a16:creationId xmlns:a16="http://schemas.microsoft.com/office/drawing/2014/main" id="{5E7BC536-0B83-B5E5-19B1-DD3D0BFA9D56}"/>
+      <p:sp>
+        <p:nvSpPr>
+          <p:cNvPr id="39" name="Retângulo: Cantos Arredondados 38">
+            <a:extLst>
+              <a:ext uri="{FF2B5EF4-FFF2-40B4-BE49-F238E27FC236}">
+                <a16:creationId xmlns:a16="http://schemas.microsoft.com/office/drawing/2014/main" id="{B1E17799-B699-F9C4-B584-224FF23BCA98}"/>
               </a:ext>
             </a:extLst>
           </p:cNvPr>
@@ -16080,8 +15868,8 @@
         </p:nvSpPr>
         <p:spPr>
           <a:xfrm rot="5400000">
-            <a:off x="-177892" y="2412746"/>
-            <a:ext cx="5778585" cy="3030732"/>
+            <a:off x="653423" y="1230823"/>
+            <a:ext cx="5986627" cy="4991831"/>
           </a:xfrm>
           <a:prstGeom prst="roundRect">
             <a:avLst/>
@@ -16137,10 +15925,1071 @@
           </a:p>
         </p:txBody>
       </p:sp>
+      <p:sp>
+        <p:nvSpPr>
+          <p:cNvPr id="40" name="Retângulo: Cantos Arredondados 39">
+            <a:extLst>
+              <a:ext uri="{FF2B5EF4-FFF2-40B4-BE49-F238E27FC236}">
+                <a16:creationId xmlns:a16="http://schemas.microsoft.com/office/drawing/2014/main" id="{BD3569D9-2106-11CB-3062-350089131469}"/>
+              </a:ext>
+            </a:extLst>
+          </p:cNvPr>
+          <p:cNvSpPr/>
+          <p:nvPr/>
+        </p:nvSpPr>
+        <p:spPr>
+          <a:xfrm rot="5400000">
+            <a:off x="7358447" y="1278238"/>
+            <a:ext cx="3544492" cy="5712421"/>
+          </a:xfrm>
+          <a:prstGeom prst="roundRect">
+            <a:avLst/>
+          </a:prstGeom>
+          <a:gradFill flip="none" rotWithShape="0">
+            <a:gsLst>
+              <a:gs pos="29000">
+                <a:srgbClr val="05313D"/>
+              </a:gs>
+              <a:gs pos="52000">
+                <a:srgbClr val="123B47"/>
+              </a:gs>
+              <a:gs pos="70000">
+                <a:srgbClr val="1E4550"/>
+              </a:gs>
+            </a:gsLst>
+            <a:lin ang="2700000" scaled="1"/>
+            <a:tileRect/>
+          </a:gradFill>
+          <a:ln>
+            <a:noFill/>
+          </a:ln>
+          <a:effectLst>
+            <a:outerShdw blurRad="50800" dist="38100" dir="2700000" algn="tl" rotWithShape="0">
+              <a:prstClr val="black">
+                <a:alpha val="40000"/>
+              </a:prstClr>
+            </a:outerShdw>
+          </a:effectLst>
+        </p:spPr>
+        <p:style>
+          <a:lnRef idx="2">
+            <a:schemeClr val="accent1">
+              <a:shade val="50000"/>
+            </a:schemeClr>
+          </a:lnRef>
+          <a:fillRef idx="1">
+            <a:schemeClr val="accent1"/>
+          </a:fillRef>
+          <a:effectRef idx="0">
+            <a:schemeClr val="accent1"/>
+          </a:effectRef>
+          <a:fontRef idx="minor">
+            <a:schemeClr val="lt1"/>
+          </a:fontRef>
+        </p:style>
+        <p:txBody>
+          <a:bodyPr rtlCol="0" anchor="ctr"/>
+          <a:lstStyle/>
+          <a:p>
+            <a:pPr algn="ctr"/>
+            <a:endParaRPr lang="pt-BR"/>
+          </a:p>
+        </p:txBody>
+      </p:sp>
+      <p:sp>
+        <p:nvSpPr>
+          <p:cNvPr id="41" name="Retângulo: Cantos Arredondados 40">
+            <a:extLst>
+              <a:ext uri="{FF2B5EF4-FFF2-40B4-BE49-F238E27FC236}">
+                <a16:creationId xmlns:a16="http://schemas.microsoft.com/office/drawing/2014/main" id="{88724F71-733D-C9A2-42DB-1BF258C05AE0}"/>
+              </a:ext>
+            </a:extLst>
+          </p:cNvPr>
+          <p:cNvSpPr/>
+          <p:nvPr/>
+        </p:nvSpPr>
+        <p:spPr>
+          <a:xfrm rot="5400000">
+            <a:off x="6846453" y="161456"/>
+            <a:ext cx="715273" cy="1859211"/>
+          </a:xfrm>
+          <a:prstGeom prst="roundRect">
+            <a:avLst/>
+          </a:prstGeom>
+          <a:gradFill flip="none" rotWithShape="0">
+            <a:gsLst>
+              <a:gs pos="29000">
+                <a:srgbClr val="05313D"/>
+              </a:gs>
+              <a:gs pos="52000">
+                <a:srgbClr val="123B47"/>
+              </a:gs>
+              <a:gs pos="70000">
+                <a:srgbClr val="1E4550"/>
+              </a:gs>
+            </a:gsLst>
+            <a:lin ang="2700000" scaled="1"/>
+            <a:tileRect/>
+          </a:gradFill>
+          <a:ln>
+            <a:noFill/>
+          </a:ln>
+          <a:effectLst>
+            <a:outerShdw blurRad="50800" dist="38100" dir="16200000" rotWithShape="0">
+              <a:prstClr val="black">
+                <a:alpha val="40000"/>
+              </a:prstClr>
+            </a:outerShdw>
+          </a:effectLst>
+        </p:spPr>
+        <p:style>
+          <a:lnRef idx="2">
+            <a:schemeClr val="accent1">
+              <a:shade val="50000"/>
+            </a:schemeClr>
+          </a:lnRef>
+          <a:fillRef idx="1">
+            <a:schemeClr val="accent1"/>
+          </a:fillRef>
+          <a:effectRef idx="0">
+            <a:schemeClr val="accent1"/>
+          </a:effectRef>
+          <a:fontRef idx="minor">
+            <a:schemeClr val="lt1"/>
+          </a:fontRef>
+        </p:style>
+        <p:txBody>
+          <a:bodyPr rtlCol="0" anchor="ctr"/>
+          <a:lstStyle/>
+          <a:p>
+            <a:pPr algn="ctr"/>
+            <a:endParaRPr lang="pt-BR"/>
+          </a:p>
+        </p:txBody>
+      </p:sp>
+      <p:sp>
+        <p:nvSpPr>
+          <p:cNvPr id="42" name="Retângulo: Cantos Arredondados 41">
+            <a:extLst>
+              <a:ext uri="{FF2B5EF4-FFF2-40B4-BE49-F238E27FC236}">
+                <a16:creationId xmlns:a16="http://schemas.microsoft.com/office/drawing/2014/main" id="{DC01D525-0B7A-BC05-0E38-54A5F1ADA224}"/>
+              </a:ext>
+            </a:extLst>
+          </p:cNvPr>
+          <p:cNvSpPr/>
+          <p:nvPr/>
+        </p:nvSpPr>
+        <p:spPr>
+          <a:xfrm rot="5400000">
+            <a:off x="8773056" y="162042"/>
+            <a:ext cx="715273" cy="1859211"/>
+          </a:xfrm>
+          <a:prstGeom prst="roundRect">
+            <a:avLst/>
+          </a:prstGeom>
+          <a:gradFill flip="none" rotWithShape="0">
+            <a:gsLst>
+              <a:gs pos="29000">
+                <a:srgbClr val="05313D"/>
+              </a:gs>
+              <a:gs pos="52000">
+                <a:srgbClr val="123B47"/>
+              </a:gs>
+              <a:gs pos="70000">
+                <a:srgbClr val="1E4550"/>
+              </a:gs>
+            </a:gsLst>
+            <a:lin ang="2700000" scaled="1"/>
+            <a:tileRect/>
+          </a:gradFill>
+          <a:ln>
+            <a:noFill/>
+          </a:ln>
+          <a:effectLst>
+            <a:outerShdw blurRad="50800" dist="38100" dir="16200000" rotWithShape="0">
+              <a:prstClr val="black">
+                <a:alpha val="40000"/>
+              </a:prstClr>
+            </a:outerShdw>
+          </a:effectLst>
+        </p:spPr>
+        <p:style>
+          <a:lnRef idx="2">
+            <a:schemeClr val="accent1">
+              <a:shade val="50000"/>
+            </a:schemeClr>
+          </a:lnRef>
+          <a:fillRef idx="1">
+            <a:schemeClr val="accent1"/>
+          </a:fillRef>
+          <a:effectRef idx="0">
+            <a:schemeClr val="accent1"/>
+          </a:effectRef>
+          <a:fontRef idx="minor">
+            <a:schemeClr val="lt1"/>
+          </a:fontRef>
+        </p:style>
+        <p:txBody>
+          <a:bodyPr rtlCol="0" anchor="ctr"/>
+          <a:lstStyle/>
+          <a:p>
+            <a:pPr algn="ctr"/>
+            <a:endParaRPr lang="pt-BR"/>
+          </a:p>
+        </p:txBody>
+      </p:sp>
+      <p:sp>
+        <p:nvSpPr>
+          <p:cNvPr id="43" name="Retângulo: Cantos Arredondados 42">
+            <a:extLst>
+              <a:ext uri="{FF2B5EF4-FFF2-40B4-BE49-F238E27FC236}">
+                <a16:creationId xmlns:a16="http://schemas.microsoft.com/office/drawing/2014/main" id="{1734E1A1-8CC6-C704-8711-F6BDCCF683C5}"/>
+              </a:ext>
+            </a:extLst>
+          </p:cNvPr>
+          <p:cNvSpPr/>
+          <p:nvPr/>
+        </p:nvSpPr>
+        <p:spPr>
+          <a:xfrm rot="5400000">
+            <a:off x="10699659" y="158391"/>
+            <a:ext cx="715273" cy="1859211"/>
+          </a:xfrm>
+          <a:prstGeom prst="roundRect">
+            <a:avLst/>
+          </a:prstGeom>
+          <a:gradFill flip="none" rotWithShape="0">
+            <a:gsLst>
+              <a:gs pos="29000">
+                <a:srgbClr val="05313D"/>
+              </a:gs>
+              <a:gs pos="52000">
+                <a:srgbClr val="123B47"/>
+              </a:gs>
+              <a:gs pos="70000">
+                <a:srgbClr val="1E4550"/>
+              </a:gs>
+            </a:gsLst>
+            <a:lin ang="2700000" scaled="1"/>
+            <a:tileRect/>
+          </a:gradFill>
+          <a:ln>
+            <a:noFill/>
+          </a:ln>
+          <a:effectLst>
+            <a:outerShdw blurRad="50800" dist="38100" dir="18900000" algn="bl" rotWithShape="0">
+              <a:prstClr val="black">
+                <a:alpha val="40000"/>
+              </a:prstClr>
+            </a:outerShdw>
+          </a:effectLst>
+        </p:spPr>
+        <p:style>
+          <a:lnRef idx="2">
+            <a:schemeClr val="accent1">
+              <a:shade val="50000"/>
+            </a:schemeClr>
+          </a:lnRef>
+          <a:fillRef idx="1">
+            <a:schemeClr val="accent1"/>
+          </a:fillRef>
+          <a:effectRef idx="0">
+            <a:schemeClr val="accent1"/>
+          </a:effectRef>
+          <a:fontRef idx="minor">
+            <a:schemeClr val="lt1"/>
+          </a:fontRef>
+        </p:style>
+        <p:txBody>
+          <a:bodyPr rtlCol="0" anchor="ctr"/>
+          <a:lstStyle/>
+          <a:p>
+            <a:pPr algn="ctr"/>
+            <a:endParaRPr lang="pt-BR"/>
+          </a:p>
+        </p:txBody>
+      </p:sp>
+      <p:sp>
+        <p:nvSpPr>
+          <p:cNvPr id="44" name="Retângulo: Cantos Arredondados 43">
+            <a:extLst>
+              <a:ext uri="{FF2B5EF4-FFF2-40B4-BE49-F238E27FC236}">
+                <a16:creationId xmlns:a16="http://schemas.microsoft.com/office/drawing/2014/main" id="{2E20C2F7-AFE5-50A7-DE08-898C76062DF6}"/>
+              </a:ext>
+            </a:extLst>
+          </p:cNvPr>
+          <p:cNvSpPr/>
+          <p:nvPr/>
+        </p:nvSpPr>
+        <p:spPr>
+          <a:xfrm rot="5400000">
+            <a:off x="6846453" y="992840"/>
+            <a:ext cx="715273" cy="1859211"/>
+          </a:xfrm>
+          <a:prstGeom prst="roundRect">
+            <a:avLst/>
+          </a:prstGeom>
+          <a:gradFill flip="none" rotWithShape="0">
+            <a:gsLst>
+              <a:gs pos="29000">
+                <a:srgbClr val="05313D"/>
+              </a:gs>
+              <a:gs pos="52000">
+                <a:srgbClr val="123B47"/>
+              </a:gs>
+              <a:gs pos="70000">
+                <a:srgbClr val="1E4550"/>
+              </a:gs>
+            </a:gsLst>
+            <a:lin ang="2700000" scaled="1"/>
+            <a:tileRect/>
+          </a:gradFill>
+          <a:ln>
+            <a:noFill/>
+          </a:ln>
+          <a:effectLst>
+            <a:outerShdw blurRad="63500" sx="102000" sy="102000" algn="ctr" rotWithShape="0">
+              <a:prstClr val="black">
+                <a:alpha val="40000"/>
+              </a:prstClr>
+            </a:outerShdw>
+          </a:effectLst>
+        </p:spPr>
+        <p:style>
+          <a:lnRef idx="2">
+            <a:schemeClr val="accent1">
+              <a:shade val="50000"/>
+            </a:schemeClr>
+          </a:lnRef>
+          <a:fillRef idx="1">
+            <a:schemeClr val="accent1"/>
+          </a:fillRef>
+          <a:effectRef idx="0">
+            <a:schemeClr val="accent1"/>
+          </a:effectRef>
+          <a:fontRef idx="minor">
+            <a:schemeClr val="lt1"/>
+          </a:fontRef>
+        </p:style>
+        <p:txBody>
+          <a:bodyPr rtlCol="0" anchor="ctr"/>
+          <a:lstStyle/>
+          <a:p>
+            <a:pPr algn="ctr"/>
+            <a:endParaRPr lang="pt-BR"/>
+          </a:p>
+        </p:txBody>
+      </p:sp>
+      <p:sp>
+        <p:nvSpPr>
+          <p:cNvPr id="45" name="Retângulo: Cantos Arredondados 44">
+            <a:extLst>
+              <a:ext uri="{FF2B5EF4-FFF2-40B4-BE49-F238E27FC236}">
+                <a16:creationId xmlns:a16="http://schemas.microsoft.com/office/drawing/2014/main" id="{1A09521F-2BD5-FC09-6847-5F547075AC5A}"/>
+              </a:ext>
+            </a:extLst>
+          </p:cNvPr>
+          <p:cNvSpPr/>
+          <p:nvPr/>
+        </p:nvSpPr>
+        <p:spPr>
+          <a:xfrm rot="5400000">
+            <a:off x="8771716" y="999334"/>
+            <a:ext cx="715273" cy="1859211"/>
+          </a:xfrm>
+          <a:prstGeom prst="roundRect">
+            <a:avLst/>
+          </a:prstGeom>
+          <a:gradFill flip="none" rotWithShape="0">
+            <a:gsLst>
+              <a:gs pos="29000">
+                <a:srgbClr val="05313D"/>
+              </a:gs>
+              <a:gs pos="52000">
+                <a:srgbClr val="123B47"/>
+              </a:gs>
+              <a:gs pos="70000">
+                <a:srgbClr val="1E4550"/>
+              </a:gs>
+            </a:gsLst>
+            <a:lin ang="2700000" scaled="1"/>
+            <a:tileRect/>
+          </a:gradFill>
+          <a:ln>
+            <a:noFill/>
+          </a:ln>
+          <a:effectLst>
+            <a:outerShdw blurRad="63500" sx="102000" sy="102000" algn="ctr" rotWithShape="0">
+              <a:prstClr val="black">
+                <a:alpha val="40000"/>
+              </a:prstClr>
+            </a:outerShdw>
+          </a:effectLst>
+        </p:spPr>
+        <p:style>
+          <a:lnRef idx="2">
+            <a:schemeClr val="accent1">
+              <a:shade val="50000"/>
+            </a:schemeClr>
+          </a:lnRef>
+          <a:fillRef idx="1">
+            <a:schemeClr val="accent1"/>
+          </a:fillRef>
+          <a:effectRef idx="0">
+            <a:schemeClr val="accent1"/>
+          </a:effectRef>
+          <a:fontRef idx="minor">
+            <a:schemeClr val="lt1"/>
+          </a:fontRef>
+        </p:style>
+        <p:txBody>
+          <a:bodyPr rtlCol="0" anchor="ctr"/>
+          <a:lstStyle/>
+          <a:p>
+            <a:pPr algn="ctr"/>
+            <a:endParaRPr lang="pt-BR"/>
+          </a:p>
+        </p:txBody>
+      </p:sp>
+      <p:sp>
+        <p:nvSpPr>
+          <p:cNvPr id="46" name="Retângulo: Cantos Arredondados 45">
+            <a:extLst>
+              <a:ext uri="{FF2B5EF4-FFF2-40B4-BE49-F238E27FC236}">
+                <a16:creationId xmlns:a16="http://schemas.microsoft.com/office/drawing/2014/main" id="{E665A2F5-A6F8-7EB3-F0CE-5494C11D6760}"/>
+              </a:ext>
+            </a:extLst>
+          </p:cNvPr>
+          <p:cNvSpPr/>
+          <p:nvPr/>
+        </p:nvSpPr>
+        <p:spPr>
+          <a:xfrm rot="5400000">
+            <a:off x="10699659" y="999333"/>
+            <a:ext cx="715273" cy="1859211"/>
+          </a:xfrm>
+          <a:prstGeom prst="roundRect">
+            <a:avLst/>
+          </a:prstGeom>
+          <a:gradFill flip="none" rotWithShape="0">
+            <a:gsLst>
+              <a:gs pos="29000">
+                <a:srgbClr val="05313D"/>
+              </a:gs>
+              <a:gs pos="52000">
+                <a:srgbClr val="123B47"/>
+              </a:gs>
+              <a:gs pos="70000">
+                <a:srgbClr val="1E4550"/>
+              </a:gs>
+            </a:gsLst>
+            <a:lin ang="2700000" scaled="1"/>
+            <a:tileRect/>
+          </a:gradFill>
+          <a:ln>
+            <a:noFill/>
+          </a:ln>
+          <a:effectLst>
+            <a:outerShdw blurRad="50800" dist="38100" algn="l" rotWithShape="0">
+              <a:prstClr val="black">
+                <a:alpha val="40000"/>
+              </a:prstClr>
+            </a:outerShdw>
+          </a:effectLst>
+        </p:spPr>
+        <p:style>
+          <a:lnRef idx="2">
+            <a:schemeClr val="accent1">
+              <a:shade val="50000"/>
+            </a:schemeClr>
+          </a:lnRef>
+          <a:fillRef idx="1">
+            <a:schemeClr val="accent1"/>
+          </a:fillRef>
+          <a:effectRef idx="0">
+            <a:schemeClr val="accent1"/>
+          </a:effectRef>
+          <a:fontRef idx="minor">
+            <a:schemeClr val="lt1"/>
+          </a:fontRef>
+        </p:style>
+        <p:txBody>
+          <a:bodyPr rtlCol="0" anchor="ctr"/>
+          <a:lstStyle/>
+          <a:p>
+            <a:pPr algn="ctr"/>
+            <a:endParaRPr lang="pt-BR"/>
+          </a:p>
+        </p:txBody>
+      </p:sp>
+      <p:sp>
+        <p:nvSpPr>
+          <p:cNvPr id="47" name="Retângulo: Cantos Arredondados 46">
+            <a:extLst>
+              <a:ext uri="{FF2B5EF4-FFF2-40B4-BE49-F238E27FC236}">
+                <a16:creationId xmlns:a16="http://schemas.microsoft.com/office/drawing/2014/main" id="{1C175F66-FE8B-D3A5-8ABA-B973300936B3}"/>
+              </a:ext>
+            </a:extLst>
+          </p:cNvPr>
+          <p:cNvSpPr/>
+          <p:nvPr/>
+        </p:nvSpPr>
+        <p:spPr>
+          <a:xfrm rot="5400000">
+            <a:off x="8801221" y="5432810"/>
+            <a:ext cx="715273" cy="1859211"/>
+          </a:xfrm>
+          <a:prstGeom prst="roundRect">
+            <a:avLst/>
+          </a:prstGeom>
+          <a:gradFill flip="none" rotWithShape="0">
+            <a:gsLst>
+              <a:gs pos="29000">
+                <a:srgbClr val="05313D"/>
+              </a:gs>
+              <a:gs pos="52000">
+                <a:srgbClr val="123B47"/>
+              </a:gs>
+              <a:gs pos="70000">
+                <a:srgbClr val="1E4550"/>
+              </a:gs>
+            </a:gsLst>
+            <a:lin ang="2700000" scaled="1"/>
+            <a:tileRect/>
+          </a:gradFill>
+          <a:ln>
+            <a:noFill/>
+          </a:ln>
+          <a:effectLst>
+            <a:outerShdw blurRad="50800" dist="38100" dir="5400000" algn="t" rotWithShape="0">
+              <a:prstClr val="black">
+                <a:alpha val="40000"/>
+              </a:prstClr>
+            </a:outerShdw>
+          </a:effectLst>
+        </p:spPr>
+        <p:style>
+          <a:lnRef idx="2">
+            <a:schemeClr val="accent1">
+              <a:shade val="50000"/>
+            </a:schemeClr>
+          </a:lnRef>
+          <a:fillRef idx="1">
+            <a:schemeClr val="accent1"/>
+          </a:fillRef>
+          <a:effectRef idx="0">
+            <a:schemeClr val="accent1"/>
+          </a:effectRef>
+          <a:fontRef idx="minor">
+            <a:schemeClr val="lt1"/>
+          </a:fontRef>
+        </p:style>
+        <p:txBody>
+          <a:bodyPr rtlCol="0" anchor="ctr"/>
+          <a:lstStyle/>
+          <a:p>
+            <a:pPr algn="ctr"/>
+            <a:endParaRPr lang="pt-BR" dirty="0"/>
+          </a:p>
+        </p:txBody>
+      </p:sp>
+      <p:sp>
+        <p:nvSpPr>
+          <p:cNvPr id="48" name="Retângulo: Cantos Arredondados 47">
+            <a:extLst>
+              <a:ext uri="{FF2B5EF4-FFF2-40B4-BE49-F238E27FC236}">
+                <a16:creationId xmlns:a16="http://schemas.microsoft.com/office/drawing/2014/main" id="{E67F260F-AB64-860C-CFDC-1C432C458006}"/>
+              </a:ext>
+            </a:extLst>
+          </p:cNvPr>
+          <p:cNvSpPr/>
+          <p:nvPr/>
+        </p:nvSpPr>
+        <p:spPr>
+          <a:xfrm>
+            <a:off x="1038707" y="69933"/>
+            <a:ext cx="3364273" cy="461666"/>
+          </a:xfrm>
+          <a:prstGeom prst="roundRect">
+            <a:avLst/>
+          </a:prstGeom>
+          <a:gradFill flip="none" rotWithShape="1">
+            <a:gsLst>
+              <a:gs pos="0">
+                <a:srgbClr val="506E77">
+                  <a:shade val="30000"/>
+                  <a:satMod val="115000"/>
+                </a:srgbClr>
+              </a:gs>
+              <a:gs pos="50000">
+                <a:srgbClr val="506E77">
+                  <a:shade val="67500"/>
+                  <a:satMod val="115000"/>
+                </a:srgbClr>
+              </a:gs>
+              <a:gs pos="100000">
+                <a:srgbClr val="506E77">
+                  <a:shade val="100000"/>
+                  <a:satMod val="115000"/>
+                </a:srgbClr>
+              </a:gs>
+            </a:gsLst>
+            <a:lin ang="18900000" scaled="1"/>
+            <a:tileRect/>
+          </a:gradFill>
+          <a:ln>
+            <a:noFill/>
+          </a:ln>
+          <a:effectLst>
+            <a:outerShdw blurRad="50800" dist="38100" dir="8100000" algn="tr" rotWithShape="0">
+              <a:prstClr val="black">
+                <a:alpha val="40000"/>
+              </a:prstClr>
+            </a:outerShdw>
+          </a:effectLst>
+        </p:spPr>
+        <p:style>
+          <a:lnRef idx="2">
+            <a:schemeClr val="accent1">
+              <a:shade val="50000"/>
+            </a:schemeClr>
+          </a:lnRef>
+          <a:fillRef idx="1">
+            <a:schemeClr val="accent1"/>
+          </a:fillRef>
+          <a:effectRef idx="0">
+            <a:schemeClr val="accent1"/>
+          </a:effectRef>
+          <a:fontRef idx="minor">
+            <a:schemeClr val="lt1"/>
+          </a:fontRef>
+        </p:style>
+        <p:txBody>
+          <a:bodyPr rtlCol="0" anchor="ctr"/>
+          <a:lstStyle/>
+          <a:p>
+            <a:pPr algn="ctr"/>
+            <a:endParaRPr lang="pt-BR"/>
+          </a:p>
+        </p:txBody>
+      </p:sp>
+      <p:sp>
+        <p:nvSpPr>
+          <p:cNvPr id="38" name="CaixaDeTexto 37">
+            <a:extLst>
+              <a:ext uri="{FF2B5EF4-FFF2-40B4-BE49-F238E27FC236}">
+                <a16:creationId xmlns:a16="http://schemas.microsoft.com/office/drawing/2014/main" id="{D68014B6-2DBA-22C9-23E9-8C186125DC73}"/>
+              </a:ext>
+            </a:extLst>
+          </p:cNvPr>
+          <p:cNvSpPr txBox="1">
+            <a:spLocks/>
+          </p:cNvSpPr>
+          <p:nvPr/>
+        </p:nvSpPr>
+        <p:spPr>
+          <a:xfrm>
+            <a:off x="1058421" y="69934"/>
+            <a:ext cx="3037329" cy="461665"/>
+          </a:xfrm>
+          <a:prstGeom prst="rect">
+            <a:avLst/>
+          </a:prstGeom>
+          <a:noFill/>
+          <a:effectLst>
+            <a:outerShdw blurRad="50800" dist="38100" dir="2700000" algn="tl" rotWithShape="0">
+              <a:prstClr val="black">
+                <a:alpha val="40000"/>
+              </a:prstClr>
+            </a:outerShdw>
+          </a:effectLst>
+        </p:spPr>
+        <p:txBody>
+          <a:bodyPr wrap="square" rtlCol="0">
+            <a:spAutoFit/>
+          </a:bodyPr>
+          <a:lstStyle/>
+          <a:p>
+            <a:r>
+              <a:rPr lang="pt-BR" sz="2400" b="1" dirty="0">
+                <a:solidFill>
+                  <a:schemeClr val="bg1">
+                    <a:lumMod val="85000"/>
+                  </a:schemeClr>
+                </a:solidFill>
+              </a:rPr>
+              <a:t>Uniforme Masculino</a:t>
+            </a:r>
+          </a:p>
+        </p:txBody>
+      </p:sp>
+      <p:sp>
+        <p:nvSpPr>
+          <p:cNvPr id="3" name="Retângulo: Cantos Arredondados 2">
+            <a:extLst>
+              <a:ext uri="{FF2B5EF4-FFF2-40B4-BE49-F238E27FC236}">
+                <a16:creationId xmlns:a16="http://schemas.microsoft.com/office/drawing/2014/main" id="{88144225-33BC-A3A6-C659-228EC2A3E571}"/>
+              </a:ext>
+            </a:extLst>
+          </p:cNvPr>
+          <p:cNvSpPr/>
+          <p:nvPr/>
+        </p:nvSpPr>
+        <p:spPr>
+          <a:xfrm>
+            <a:off x="38443" y="2078733"/>
+            <a:ext cx="915845" cy="516923"/>
+          </a:xfrm>
+          <a:prstGeom prst="roundRect">
+            <a:avLst/>
+          </a:prstGeom>
+          <a:solidFill>
+            <a:srgbClr val="506E77"/>
+          </a:solidFill>
+          <a:ln>
+            <a:noFill/>
+          </a:ln>
+          <a:effectLst>
+            <a:outerShdw blurRad="44450" dist="27940" dir="5400000" algn="ctr">
+              <a:srgbClr val="000000">
+                <a:alpha val="32000"/>
+              </a:srgbClr>
+            </a:outerShdw>
+          </a:effectLst>
+          <a:scene3d>
+            <a:camera prst="orthographicFront">
+              <a:rot lat="0" lon="0" rev="0"/>
+            </a:camera>
+            <a:lightRig rig="balanced" dir="t">
+              <a:rot lat="0" lon="0" rev="8700000"/>
+            </a:lightRig>
+          </a:scene3d>
+          <a:sp3d>
+            <a:bevelT w="190500" h="38100"/>
+          </a:sp3d>
+        </p:spPr>
+        <p:style>
+          <a:lnRef idx="2">
+            <a:schemeClr val="accent1">
+              <a:shade val="50000"/>
+            </a:schemeClr>
+          </a:lnRef>
+          <a:fillRef idx="1">
+            <a:schemeClr val="accent1"/>
+          </a:fillRef>
+          <a:effectRef idx="0">
+            <a:schemeClr val="accent1"/>
+          </a:effectRef>
+          <a:fontRef idx="minor">
+            <a:schemeClr val="lt1"/>
+          </a:fontRef>
+        </p:style>
+        <p:txBody>
+          <a:bodyPr rtlCol="0" anchor="ctr"/>
+          <a:lstStyle/>
+          <a:p>
+            <a:pPr algn="ctr"/>
+            <a:r>
+              <a:rPr lang="pt-BR" sz="1000" b="1" dirty="0"/>
+              <a:t>UNIFORME MASCULINO</a:t>
+            </a:r>
+          </a:p>
+        </p:txBody>
+      </p:sp>
+      <p:sp>
+        <p:nvSpPr>
+          <p:cNvPr id="7" name="Retângulo: Cantos Arredondados 6">
+            <a:extLst>
+              <a:ext uri="{FF2B5EF4-FFF2-40B4-BE49-F238E27FC236}">
+                <a16:creationId xmlns:a16="http://schemas.microsoft.com/office/drawing/2014/main" id="{A371BC25-299B-182F-B7FA-09C0894D85F0}"/>
+              </a:ext>
+            </a:extLst>
+          </p:cNvPr>
+          <p:cNvSpPr/>
+          <p:nvPr/>
+        </p:nvSpPr>
+        <p:spPr>
+          <a:xfrm>
+            <a:off x="45771" y="1296262"/>
+            <a:ext cx="924613" cy="516923"/>
+          </a:xfrm>
+          <a:prstGeom prst="roundRect">
+            <a:avLst/>
+          </a:prstGeom>
+          <a:solidFill>
+            <a:srgbClr val="506E77"/>
+          </a:solidFill>
+          <a:ln>
+            <a:noFill/>
+          </a:ln>
+          <a:effectLst>
+            <a:outerShdw blurRad="44450" dist="27940" dir="5400000" algn="ctr">
+              <a:srgbClr val="000000">
+                <a:alpha val="32000"/>
+              </a:srgbClr>
+            </a:outerShdw>
+          </a:effectLst>
+          <a:scene3d>
+            <a:camera prst="orthographicFront">
+              <a:rot lat="0" lon="0" rev="0"/>
+            </a:camera>
+            <a:lightRig rig="balanced" dir="t">
+              <a:rot lat="0" lon="0" rev="8700000"/>
+            </a:lightRig>
+          </a:scene3d>
+          <a:sp3d>
+            <a:bevelT w="190500" h="38100"/>
+          </a:sp3d>
+        </p:spPr>
+        <p:style>
+          <a:lnRef idx="2">
+            <a:schemeClr val="accent1">
+              <a:shade val="50000"/>
+            </a:schemeClr>
+          </a:lnRef>
+          <a:fillRef idx="1">
+            <a:schemeClr val="accent1"/>
+          </a:fillRef>
+          <a:effectRef idx="0">
+            <a:schemeClr val="accent1"/>
+          </a:effectRef>
+          <a:fontRef idx="minor">
+            <a:schemeClr val="lt1"/>
+          </a:fontRef>
+        </p:style>
+        <p:txBody>
+          <a:bodyPr rtlCol="0" anchor="ctr"/>
+          <a:lstStyle/>
+          <a:p>
+            <a:pPr algn="ctr"/>
+            <a:r>
+              <a:rPr lang="pt-BR" sz="1000" b="1" dirty="0"/>
+              <a:t>UNIFORME FEMININO</a:t>
+            </a:r>
+          </a:p>
+        </p:txBody>
+      </p:sp>
+      <p:sp>
+        <p:nvSpPr>
+          <p:cNvPr id="8" name="Retângulo: Cantos Arredondados 7">
+            <a:extLst>
+              <a:ext uri="{FF2B5EF4-FFF2-40B4-BE49-F238E27FC236}">
+                <a16:creationId xmlns:a16="http://schemas.microsoft.com/office/drawing/2014/main" id="{052522FA-5E31-2676-B56F-D97F04376F42}"/>
+              </a:ext>
+            </a:extLst>
+          </p:cNvPr>
+          <p:cNvSpPr/>
+          <p:nvPr/>
+        </p:nvSpPr>
+        <p:spPr>
+          <a:xfrm>
+            <a:off x="45770" y="4426146"/>
+            <a:ext cx="915845" cy="516923"/>
+          </a:xfrm>
+          <a:prstGeom prst="roundRect">
+            <a:avLst/>
+          </a:prstGeom>
+          <a:solidFill>
+            <a:srgbClr val="506E77"/>
+          </a:solidFill>
+          <a:ln>
+            <a:noFill/>
+          </a:ln>
+          <a:effectLst>
+            <a:outerShdw blurRad="44450" dist="27940" dir="5400000" algn="ctr">
+              <a:srgbClr val="000000">
+                <a:alpha val="32000"/>
+              </a:srgbClr>
+            </a:outerShdw>
+          </a:effectLst>
+          <a:scene3d>
+            <a:camera prst="orthographicFront">
+              <a:rot lat="0" lon="0" rev="0"/>
+            </a:camera>
+            <a:lightRig rig="balanced" dir="t">
+              <a:rot lat="0" lon="0" rev="8700000"/>
+            </a:lightRig>
+          </a:scene3d>
+          <a:sp3d>
+            <a:bevelT w="190500" h="38100"/>
+          </a:sp3d>
+        </p:spPr>
+        <p:style>
+          <a:lnRef idx="2">
+            <a:schemeClr val="accent1">
+              <a:shade val="50000"/>
+            </a:schemeClr>
+          </a:lnRef>
+          <a:fillRef idx="1">
+            <a:schemeClr val="accent1"/>
+          </a:fillRef>
+          <a:effectRef idx="0">
+            <a:schemeClr val="accent1"/>
+          </a:effectRef>
+          <a:fontRef idx="minor">
+            <a:schemeClr val="lt1"/>
+          </a:fontRef>
+        </p:style>
+        <p:txBody>
+          <a:bodyPr rtlCol="0" anchor="ctr"/>
+          <a:lstStyle/>
+          <a:p>
+            <a:pPr algn="ctr"/>
+            <a:r>
+              <a:rPr lang="pt-BR" sz="1000" b="1" dirty="0"/>
+              <a:t>COLETES</a:t>
+            </a:r>
+          </a:p>
+        </p:txBody>
+      </p:sp>
+      <p:sp>
+        <p:nvSpPr>
+          <p:cNvPr id="9" name="Retângulo: Cantos Arredondados 8">
+            <a:extLst>
+              <a:ext uri="{FF2B5EF4-FFF2-40B4-BE49-F238E27FC236}">
+                <a16:creationId xmlns:a16="http://schemas.microsoft.com/office/drawing/2014/main" id="{A5E7D738-9C70-5039-A957-C1219FFA2E7B}"/>
+              </a:ext>
+            </a:extLst>
+          </p:cNvPr>
+          <p:cNvSpPr/>
+          <p:nvPr/>
+        </p:nvSpPr>
+        <p:spPr>
+          <a:xfrm>
+            <a:off x="45769" y="3628328"/>
+            <a:ext cx="915845" cy="516923"/>
+          </a:xfrm>
+          <a:prstGeom prst="roundRect">
+            <a:avLst/>
+          </a:prstGeom>
+          <a:solidFill>
+            <a:srgbClr val="A0B0B5"/>
+          </a:solidFill>
+          <a:ln>
+            <a:noFill/>
+          </a:ln>
+          <a:effectLst/>
+          <a:scene3d>
+            <a:camera prst="orthographicFront">
+              <a:rot lat="0" lon="0" rev="0"/>
+            </a:camera>
+            <a:lightRig rig="glow" dir="t">
+              <a:rot lat="0" lon="0" rev="14100000"/>
+            </a:lightRig>
+          </a:scene3d>
+          <a:sp3d prstMaterial="softEdge">
+            <a:bevelT w="127000" prst="artDeco"/>
+          </a:sp3d>
+        </p:spPr>
+        <p:style>
+          <a:lnRef idx="2">
+            <a:schemeClr val="accent1">
+              <a:shade val="50000"/>
+            </a:schemeClr>
+          </a:lnRef>
+          <a:fillRef idx="1">
+            <a:schemeClr val="accent1"/>
+          </a:fillRef>
+          <a:effectRef idx="0">
+            <a:schemeClr val="accent1"/>
+          </a:effectRef>
+          <a:fontRef idx="minor">
+            <a:schemeClr val="lt1"/>
+          </a:fontRef>
+        </p:style>
+        <p:txBody>
+          <a:bodyPr rtlCol="0" anchor="ctr"/>
+          <a:lstStyle/>
+          <a:p>
+            <a:pPr algn="ctr"/>
+            <a:r>
+              <a:rPr lang="pt-BR" sz="1000" b="1" dirty="0">
+                <a:solidFill>
+                  <a:srgbClr val="1D4450"/>
+                </a:solidFill>
+              </a:rPr>
+              <a:t>ACESSORIOS</a:t>
+            </a:r>
+          </a:p>
+        </p:txBody>
+      </p:sp>
+      <p:sp>
+        <p:nvSpPr>
+          <p:cNvPr id="10" name="Retângulo: Cantos Arredondados 9">
+            <a:extLst>
+              <a:ext uri="{FF2B5EF4-FFF2-40B4-BE49-F238E27FC236}">
+                <a16:creationId xmlns:a16="http://schemas.microsoft.com/office/drawing/2014/main" id="{540BF659-4159-8518-B1A9-1553BD86E936}"/>
+              </a:ext>
+            </a:extLst>
+          </p:cNvPr>
+          <p:cNvSpPr/>
+          <p:nvPr/>
+        </p:nvSpPr>
+        <p:spPr>
+          <a:xfrm>
+            <a:off x="38442" y="2845857"/>
+            <a:ext cx="915845" cy="516923"/>
+          </a:xfrm>
+          <a:prstGeom prst="roundRect">
+            <a:avLst/>
+          </a:prstGeom>
+          <a:solidFill>
+            <a:srgbClr val="506E77"/>
+          </a:solidFill>
+          <a:ln>
+            <a:noFill/>
+          </a:ln>
+          <a:effectLst>
+            <a:outerShdw blurRad="44450" dist="27940" dir="5400000" algn="ctr">
+              <a:srgbClr val="000000">
+                <a:alpha val="32000"/>
+              </a:srgbClr>
+            </a:outerShdw>
+          </a:effectLst>
+          <a:scene3d>
+            <a:camera prst="orthographicFront">
+              <a:rot lat="0" lon="0" rev="0"/>
+            </a:camera>
+            <a:lightRig rig="balanced" dir="t">
+              <a:rot lat="0" lon="0" rev="8700000"/>
+            </a:lightRig>
+          </a:scene3d>
+          <a:sp3d>
+            <a:bevelT w="190500" h="38100"/>
+          </a:sp3d>
+        </p:spPr>
+        <p:style>
+          <a:lnRef idx="2">
+            <a:schemeClr val="accent1">
+              <a:shade val="50000"/>
+            </a:schemeClr>
+          </a:lnRef>
+          <a:fillRef idx="1">
+            <a:schemeClr val="accent1"/>
+          </a:fillRef>
+          <a:effectRef idx="0">
+            <a:schemeClr val="accent1"/>
+          </a:effectRef>
+          <a:fontRef idx="minor">
+            <a:schemeClr val="lt1"/>
+          </a:fontRef>
+        </p:style>
+        <p:txBody>
+          <a:bodyPr rtlCol="0" anchor="ctr"/>
+          <a:lstStyle/>
+          <a:p>
+            <a:pPr algn="ctr"/>
+            <a:r>
+              <a:rPr lang="pt-BR" sz="1000" b="1" dirty="0"/>
+              <a:t>CONTROLE DE ESTQOUE</a:t>
+            </a:r>
+          </a:p>
+        </p:txBody>
+      </p:sp>
     </p:spTree>
     <p:extLst>
       <p:ext uri="{BB962C8B-B14F-4D97-AF65-F5344CB8AC3E}">
-        <p14:creationId xmlns:p14="http://schemas.microsoft.com/office/powerpoint/2010/main" val="1475888868"/>
+        <p14:creationId xmlns:p14="http://schemas.microsoft.com/office/powerpoint/2010/main" val="4292362389"/>
       </p:ext>
     </p:extLst>
   </p:cSld>
